--- a/Documents/Strahl-swFox2024-wwDotnetBridge-Revisited.pptx
+++ b/Documents/Strahl-swFox2024-wwDotnetBridge-Revisited.pptx
@@ -5,10 +5,10 @@
     <p:sldMasterId id="2147483651" r:id="rId1"/>
   </p:sldMasterIdLst>
   <p:notesMasterIdLst>
-    <p:notesMasterId r:id="rId28"/>
+    <p:notesMasterId r:id="rId30"/>
   </p:notesMasterIdLst>
   <p:handoutMasterIdLst>
-    <p:handoutMasterId r:id="rId29"/>
+    <p:handoutMasterId r:id="rId31"/>
   </p:handoutMasterIdLst>
   <p:sldIdLst>
     <p:sldId id="256" r:id="rId2"/>
@@ -19,24 +19,26 @@
     <p:sldId id="342" r:id="rId7"/>
     <p:sldId id="343" r:id="rId8"/>
     <p:sldId id="325" r:id="rId9"/>
-    <p:sldId id="344" r:id="rId10"/>
-    <p:sldId id="347" r:id="rId11"/>
-    <p:sldId id="327" r:id="rId12"/>
-    <p:sldId id="329" r:id="rId13"/>
-    <p:sldId id="345" r:id="rId14"/>
-    <p:sldId id="346" r:id="rId15"/>
+    <p:sldId id="351" r:id="rId10"/>
+    <p:sldId id="344" r:id="rId11"/>
+    <p:sldId id="347" r:id="rId12"/>
+    <p:sldId id="327" r:id="rId13"/>
+    <p:sldId id="329" r:id="rId14"/>
+    <p:sldId id="345" r:id="rId15"/>
     <p:sldId id="348" r:id="rId16"/>
     <p:sldId id="349" r:id="rId17"/>
-    <p:sldId id="350" r:id="rId18"/>
-    <p:sldId id="336" r:id="rId19"/>
-    <p:sldId id="335" r:id="rId20"/>
-    <p:sldId id="333" r:id="rId21"/>
-    <p:sldId id="337" r:id="rId22"/>
-    <p:sldId id="339" r:id="rId23"/>
-    <p:sldId id="338" r:id="rId24"/>
-    <p:sldId id="340" r:id="rId25"/>
-    <p:sldId id="297" r:id="rId26"/>
-    <p:sldId id="296" r:id="rId27"/>
+    <p:sldId id="346" r:id="rId18"/>
+    <p:sldId id="350" r:id="rId19"/>
+    <p:sldId id="336" r:id="rId20"/>
+    <p:sldId id="352" r:id="rId21"/>
+    <p:sldId id="335" r:id="rId22"/>
+    <p:sldId id="333" r:id="rId23"/>
+    <p:sldId id="337" r:id="rId24"/>
+    <p:sldId id="339" r:id="rId25"/>
+    <p:sldId id="338" r:id="rId26"/>
+    <p:sldId id="340" r:id="rId27"/>
+    <p:sldId id="297" r:id="rId28"/>
+    <p:sldId id="296" r:id="rId29"/>
   </p:sldIdLst>
   <p:sldSz cx="12192000" cy="6858000"/>
   <p:notesSz cx="6858000" cy="9144000"/>
@@ -3713,6 +3715,328 @@
           <p:cNvPr id="2" name="Title 1">
             <a:extLst>
               <a:ext uri="{FF2B5EF4-FFF2-40B4-BE49-F238E27FC236}">
+                <a16:creationId xmlns:a16="http://schemas.microsoft.com/office/drawing/2014/main" id="{CF32995D-75D2-E0B3-28A4-BD8F7E11C42B}"/>
+              </a:ext>
+            </a:extLst>
+          </p:cNvPr>
+          <p:cNvSpPr>
+            <a:spLocks noGrp="1"/>
+          </p:cNvSpPr>
+          <p:nvPr>
+            <p:ph type="title"/>
+          </p:nvPr>
+        </p:nvSpPr>
+        <p:spPr/>
+        <p:txBody>
+          <a:bodyPr/>
+          <a:lstStyle/>
+          <a:p>
+            <a:r>
+              <a:rPr lang="en-US" sz="2400" dirty="0"/>
+              <a:t>Two-Factor Authentication</a:t>
+            </a:r>
+          </a:p>
+        </p:txBody>
+      </p:sp>
+      <p:sp>
+        <p:nvSpPr>
+          <p:cNvPr id="3" name="Text Placeholder 2">
+            <a:extLst>
+              <a:ext uri="{FF2B5EF4-FFF2-40B4-BE49-F238E27FC236}">
+                <a16:creationId xmlns:a16="http://schemas.microsoft.com/office/drawing/2014/main" id="{C548A9B5-164A-5BCC-0BE9-39D839B1284A}"/>
+              </a:ext>
+            </a:extLst>
+          </p:cNvPr>
+          <p:cNvSpPr>
+            <a:spLocks noGrp="1"/>
+          </p:cNvSpPr>
+          <p:nvPr>
+            <p:ph type="body" idx="1"/>
+          </p:nvPr>
+        </p:nvSpPr>
+        <p:spPr>
+          <a:xfrm>
+            <a:off x="203200" y="876300"/>
+            <a:ext cx="11480800" cy="5105400"/>
+          </a:xfrm>
+        </p:spPr>
+        <p:txBody>
+          <a:bodyPr/>
+          <a:lstStyle/>
+          <a:p>
+            <a:r>
+              <a:rPr lang="en-US" sz="1600" dirty="0"/>
+              <a:t>Two Factor Authentication</a:t>
+            </a:r>
+          </a:p>
+          <a:p>
+            <a:pPr lvl="1"/>
+            <a:r>
+              <a:rPr lang="en-US" sz="1400" dirty="0"/>
+              <a:t>Used on Web Sites for second level authentication</a:t>
+            </a:r>
+          </a:p>
+          <a:p>
+            <a:pPr lvl="1"/>
+            <a:r>
+              <a:rPr lang="en-US" sz="1400" dirty="0"/>
+              <a:t>Typically generates a QR Code to setup</a:t>
+            </a:r>
+          </a:p>
+          <a:p>
+            <a:pPr lvl="1"/>
+            <a:r>
+              <a:rPr lang="en-US" sz="1400" dirty="0"/>
+              <a:t>Uses an Authenticator app to validate codes</a:t>
+            </a:r>
+          </a:p>
+          <a:p>
+            <a:pPr lvl="1"/>
+            <a:r>
+              <a:rPr lang="en-US" sz="1400" dirty="0"/>
+              <a:t>Included sample provides the tools to handle</a:t>
+            </a:r>
+            <a:br>
+              <a:rPr lang="en-US" sz="1400" dirty="0"/>
+            </a:br>
+            <a:r>
+              <a:rPr lang="en-US" sz="1400" dirty="0"/>
+              <a:t>setup and validation in your applications</a:t>
+            </a:r>
+          </a:p>
+          <a:p>
+            <a:r>
+              <a:rPr lang="en-US" sz="1400" dirty="0"/>
+              <a:t>.NET </a:t>
+            </a:r>
+            <a:r>
+              <a:rPr lang="en-US" sz="1400" dirty="0" err="1"/>
+              <a:t>Google.Authenticator</a:t>
+            </a:r>
+            <a:r>
+              <a:rPr lang="en-US" sz="1400" dirty="0"/>
+              <a:t> Library</a:t>
+            </a:r>
+          </a:p>
+          <a:p>
+            <a:pPr lvl="1"/>
+            <a:r>
+              <a:rPr lang="en-US" sz="1400" dirty="0"/>
+              <a:t>Can create QR Code and Setup Code </a:t>
+            </a:r>
+          </a:p>
+          <a:p>
+            <a:pPr lvl="1"/>
+            <a:r>
+              <a:rPr lang="en-US" sz="1400" dirty="0"/>
+              <a:t>Generates a Setup key</a:t>
+            </a:r>
+          </a:p>
+          <a:p>
+            <a:pPr lvl="1"/>
+            <a:r>
+              <a:rPr lang="en-US" sz="1400" dirty="0"/>
+              <a:t>Can validate a generated key against Setup Key</a:t>
+            </a:r>
+          </a:p>
+          <a:p>
+            <a:pPr lvl="1"/>
+            <a:r>
+              <a:rPr lang="en-US" sz="1400" dirty="0"/>
+              <a:t>Despite its name works with </a:t>
+            </a:r>
+            <a:r>
+              <a:rPr lang="en-US" sz="1400" b="1" dirty="0">
+                <a:solidFill>
+                  <a:srgbClr val="FFFF99"/>
+                </a:solidFill>
+              </a:rPr>
+              <a:t>ANY</a:t>
+            </a:r>
+            <a:r>
+              <a:rPr lang="en-US" sz="1400" dirty="0"/>
+              <a:t> authenticator</a:t>
+            </a:r>
+            <a:br>
+              <a:rPr lang="en-US" sz="1400" dirty="0"/>
+            </a:br>
+            <a:r>
+              <a:rPr lang="en-US" sz="1400" i="1" dirty="0"/>
+              <a:t>Authy, 1Password, Microsoft Authenticator, Google Authenticator etc.</a:t>
+            </a:r>
+          </a:p>
+          <a:p>
+            <a:r>
+              <a:rPr lang="en-US" sz="1400" dirty="0"/>
+              <a:t>Invoke Directly from FoxPro</a:t>
+            </a:r>
+          </a:p>
+          <a:p>
+            <a:pPr lvl="1"/>
+            <a:r>
+              <a:rPr lang="en-US" sz="1400" dirty="0"/>
+              <a:t>Library has a simple interface</a:t>
+            </a:r>
+          </a:p>
+          <a:p>
+            <a:pPr lvl="1"/>
+            <a:r>
+              <a:rPr lang="en-US" sz="1400" dirty="0"/>
+              <a:t>Direct calls from FoxPro</a:t>
+            </a:r>
+          </a:p>
+          <a:p>
+            <a:pPr lvl="1"/>
+            <a:r>
+              <a:rPr lang="en-US" sz="1400" dirty="0"/>
+              <a:t>Use HTML to display QR Code</a:t>
+            </a:r>
+          </a:p>
+          <a:p>
+            <a:endParaRPr lang="en-US" sz="1400" dirty="0"/>
+          </a:p>
+          <a:p>
+            <a:pPr marL="457200" lvl="1" indent="0">
+              <a:buNone/>
+            </a:pPr>
+            <a:r>
+              <a:rPr lang="en-US" sz="1400" dirty="0">
+                <a:hlinkClick r:id="rId2"/>
+              </a:rPr>
+              <a:t>https://github.com/BrandonPotter/GoogleAuthenticator</a:t>
+            </a:r>
+            <a:endParaRPr lang="en-US" sz="1400" dirty="0"/>
+          </a:p>
+        </p:txBody>
+      </p:sp>
+      <p:pic>
+        <p:nvPicPr>
+          <p:cNvPr id="15" name="Picture 14">
+            <a:extLst>
+              <a:ext uri="{FF2B5EF4-FFF2-40B4-BE49-F238E27FC236}">
+                <a16:creationId xmlns:a16="http://schemas.microsoft.com/office/drawing/2014/main" id="{84596B72-57DE-4CB7-8239-EB2362E2B048}"/>
+              </a:ext>
+            </a:extLst>
+          </p:cNvPr>
+          <p:cNvPicPr>
+            <a:picLocks noChangeAspect="1"/>
+          </p:cNvPicPr>
+          <p:nvPr/>
+        </p:nvPicPr>
+        <p:blipFill>
+          <a:blip r:embed="rId3"/>
+          <a:stretch>
+            <a:fillRect/>
+          </a:stretch>
+        </p:blipFill>
+        <p:spPr>
+          <a:xfrm>
+            <a:off x="8222545" y="0"/>
+            <a:ext cx="3969455" cy="2057400"/>
+          </a:xfrm>
+          <a:prstGeom prst="rect">
+            <a:avLst/>
+          </a:prstGeom>
+        </p:spPr>
+      </p:pic>
+      <p:pic>
+        <p:nvPicPr>
+          <p:cNvPr id="17" name="Picture 16">
+            <a:extLst>
+              <a:ext uri="{FF2B5EF4-FFF2-40B4-BE49-F238E27FC236}">
+                <a16:creationId xmlns:a16="http://schemas.microsoft.com/office/drawing/2014/main" id="{EB2A4E14-0DC2-753A-D56F-83CD78503B1E}"/>
+              </a:ext>
+            </a:extLst>
+          </p:cNvPr>
+          <p:cNvPicPr>
+            <a:picLocks noChangeAspect="1"/>
+          </p:cNvPicPr>
+          <p:nvPr/>
+        </p:nvPicPr>
+        <p:blipFill>
+          <a:blip r:embed="rId4"/>
+          <a:stretch>
+            <a:fillRect/>
+          </a:stretch>
+        </p:blipFill>
+        <p:spPr>
+          <a:xfrm>
+            <a:off x="8218238" y="2092873"/>
+            <a:ext cx="3969455" cy="4765127"/>
+          </a:xfrm>
+          <a:prstGeom prst="rect">
+            <a:avLst/>
+          </a:prstGeom>
+        </p:spPr>
+      </p:pic>
+      <p:pic>
+        <p:nvPicPr>
+          <p:cNvPr id="21" name="Picture 20">
+            <a:extLst>
+              <a:ext uri="{FF2B5EF4-FFF2-40B4-BE49-F238E27FC236}">
+                <a16:creationId xmlns:a16="http://schemas.microsoft.com/office/drawing/2014/main" id="{2D008E63-DBBA-CDBE-C18E-AA3EB96F0A20}"/>
+              </a:ext>
+            </a:extLst>
+          </p:cNvPr>
+          <p:cNvPicPr>
+            <a:picLocks noChangeAspect="1"/>
+          </p:cNvPicPr>
+          <p:nvPr/>
+        </p:nvPicPr>
+        <p:blipFill>
+          <a:blip r:embed="rId5"/>
+          <a:stretch>
+            <a:fillRect/>
+          </a:stretch>
+        </p:blipFill>
+        <p:spPr>
+          <a:xfrm>
+            <a:off x="6708293" y="5934"/>
+            <a:ext cx="1509946" cy="1365665"/>
+          </a:xfrm>
+          <a:prstGeom prst="rect">
+            <a:avLst/>
+          </a:prstGeom>
+        </p:spPr>
+      </p:pic>
+    </p:spTree>
+    <p:extLst>
+      <p:ext uri="{BB962C8B-B14F-4D97-AF65-F5344CB8AC3E}">
+        <p14:creationId xmlns:p14="http://schemas.microsoft.com/office/powerpoint/2010/main" val="3713719989"/>
+      </p:ext>
+    </p:extLst>
+  </p:cSld>
+  <p:clrMapOvr>
+    <a:masterClrMapping/>
+  </p:clrMapOvr>
+  <p:transition>
+    <p:wipe/>
+  </p:transition>
+</p:sld>
+</file>
+
+<file path=ppt/slides/slide11.xml><?xml version="1.0" encoding="utf-8"?>
+<p:sld xmlns:a="http://schemas.openxmlformats.org/drawingml/2006/main" xmlns:r="http://schemas.openxmlformats.org/officeDocument/2006/relationships" xmlns:p="http://schemas.openxmlformats.org/presentationml/2006/main">
+  <p:cSld>
+    <p:spTree>
+      <p:nvGrpSpPr>
+        <p:cNvPr id="1" name=""/>
+        <p:cNvGrpSpPr/>
+        <p:nvPr/>
+      </p:nvGrpSpPr>
+      <p:grpSpPr>
+        <a:xfrm>
+          <a:off x="0" y="0"/>
+          <a:ext cx="0" cy="0"/>
+          <a:chOff x="0" y="0"/>
+          <a:chExt cx="0" cy="0"/>
+        </a:xfrm>
+      </p:grpSpPr>
+      <p:sp>
+        <p:nvSpPr>
+          <p:cNvPr id="2" name="Title 1">
+            <a:extLst>
+              <a:ext uri="{FF2B5EF4-FFF2-40B4-BE49-F238E27FC236}">
                 <a16:creationId xmlns:a16="http://schemas.microsoft.com/office/drawing/2014/main" id="{282F032A-7E84-FFDA-B257-32FFA601CD44}"/>
               </a:ext>
             </a:extLst>
@@ -3847,7 +4171,7 @@
 </p:sld>
 </file>
 
-<file path=ppt/slides/slide11.xml><?xml version="1.0" encoding="utf-8"?>
+<file path=ppt/slides/slide12.xml><?xml version="1.0" encoding="utf-8"?>
 <p:sld xmlns:a="http://schemas.openxmlformats.org/drawingml/2006/main" xmlns:r="http://schemas.openxmlformats.org/officeDocument/2006/relationships" xmlns:p="http://schemas.openxmlformats.org/presentationml/2006/main">
   <p:cSld>
     <p:spTree>
@@ -4126,7 +4450,7 @@
 </p:sld>
 </file>
 
-<file path=ppt/slides/slide12.xml><?xml version="1.0" encoding="utf-8"?>
+<file path=ppt/slides/slide13.xml><?xml version="1.0" encoding="utf-8"?>
 <p:sld xmlns:a="http://schemas.openxmlformats.org/drawingml/2006/main" xmlns:r="http://schemas.openxmlformats.org/officeDocument/2006/relationships" xmlns:p="http://schemas.openxmlformats.org/presentationml/2006/main">
   <p:cSld>
     <p:spTree>
@@ -4425,7 +4749,7 @@
 </p:sld>
 </file>
 
-<file path=ppt/slides/slide13.xml><?xml version="1.0" encoding="utf-8"?>
+<file path=ppt/slides/slide14.xml><?xml version="1.0" encoding="utf-8"?>
 <p:sld xmlns:a="http://schemas.openxmlformats.org/drawingml/2006/main" xmlns:r="http://schemas.openxmlformats.org/officeDocument/2006/relationships" xmlns:p="http://schemas.openxmlformats.org/presentationml/2006/main">
   <p:cSld>
     <p:spTree>
@@ -4678,253 +5002,6 @@
 </p:sld>
 </file>
 
-<file path=ppt/slides/slide14.xml><?xml version="1.0" encoding="utf-8"?>
-<p:sld xmlns:a="http://schemas.openxmlformats.org/drawingml/2006/main" xmlns:r="http://schemas.openxmlformats.org/officeDocument/2006/relationships" xmlns:p="http://schemas.openxmlformats.org/presentationml/2006/main">
-  <p:cSld>
-    <p:spTree>
-      <p:nvGrpSpPr>
-        <p:cNvPr id="1" name=""/>
-        <p:cNvGrpSpPr/>
-        <p:nvPr/>
-      </p:nvGrpSpPr>
-      <p:grpSpPr>
-        <a:xfrm>
-          <a:off x="0" y="0"/>
-          <a:ext cx="0" cy="0"/>
-          <a:chOff x="0" y="0"/>
-          <a:chExt cx="0" cy="0"/>
-        </a:xfrm>
-      </p:grpSpPr>
-      <p:sp>
-        <p:nvSpPr>
-          <p:cNvPr id="2" name="Title 1">
-            <a:extLst>
-              <a:ext uri="{FF2B5EF4-FFF2-40B4-BE49-F238E27FC236}">
-                <a16:creationId xmlns:a16="http://schemas.microsoft.com/office/drawing/2014/main" id="{B1591F5F-56BA-70E3-C3EE-39C4512B1EDB}"/>
-              </a:ext>
-            </a:extLst>
-          </p:cNvPr>
-          <p:cNvSpPr>
-            <a:spLocks noGrp="1"/>
-          </p:cNvSpPr>
-          <p:nvPr>
-            <p:ph type="title"/>
-          </p:nvPr>
-        </p:nvSpPr>
-        <p:spPr/>
-        <p:txBody>
-          <a:bodyPr/>
-          <a:lstStyle/>
-          <a:p>
-            <a:r>
-              <a:rPr lang="en-US" sz="2800" dirty="0"/>
-              <a:t>OpenAI: Async AI Operations</a:t>
-            </a:r>
-          </a:p>
-        </p:txBody>
-      </p:sp>
-      <p:sp>
-        <p:nvSpPr>
-          <p:cNvPr id="3" name="Text Placeholder 2">
-            <a:extLst>
-              <a:ext uri="{FF2B5EF4-FFF2-40B4-BE49-F238E27FC236}">
-                <a16:creationId xmlns:a16="http://schemas.microsoft.com/office/drawing/2014/main" id="{91A369AC-B5BA-05C0-78D2-902D582DB2F5}"/>
-              </a:ext>
-            </a:extLst>
-          </p:cNvPr>
-          <p:cNvSpPr>
-            <a:spLocks noGrp="1"/>
-          </p:cNvSpPr>
-          <p:nvPr>
-            <p:ph type="body" idx="1"/>
-          </p:nvPr>
-        </p:nvSpPr>
-        <p:spPr>
-          <a:xfrm>
-            <a:off x="304800" y="838200"/>
-            <a:ext cx="11480800" cy="5105400"/>
-          </a:xfrm>
-        </p:spPr>
-        <p:txBody>
-          <a:bodyPr/>
-          <a:lstStyle/>
-          <a:p>
-            <a:r>
-              <a:rPr lang="en-US" sz="1800" dirty="0"/>
-              <a:t>Call to OpenAI Asynchronously</a:t>
-            </a:r>
-          </a:p>
-          <a:p>
-            <a:pPr lvl="1"/>
-            <a:r>
-              <a:rPr lang="en-US" sz="1400" dirty="0"/>
-              <a:t>API Calls are made to a service</a:t>
-            </a:r>
-          </a:p>
-          <a:p>
-            <a:pPr lvl="1"/>
-            <a:r>
-              <a:rPr lang="en-US" sz="1400" dirty="0"/>
-              <a:t>OpenAI Services can be online or local</a:t>
-            </a:r>
-          </a:p>
-          <a:p>
-            <a:pPr lvl="1"/>
-            <a:r>
-              <a:rPr lang="en-US" sz="1400" dirty="0"/>
-              <a:t>Calls take a while to process</a:t>
-            </a:r>
-          </a:p>
-          <a:p>
-            <a:pPr lvl="1"/>
-            <a:r>
-              <a:rPr lang="en-US" sz="1400" dirty="0"/>
-              <a:t>Results are returned asynchronously</a:t>
-            </a:r>
-          </a:p>
-          <a:p>
-            <a:r>
-              <a:rPr lang="en-US" sz="1800" dirty="0"/>
-              <a:t>Some Examples</a:t>
-            </a:r>
-          </a:p>
-          <a:p>
-            <a:pPr lvl="1"/>
-            <a:r>
-              <a:rPr lang="en-US" sz="1400" dirty="0"/>
-              <a:t>Summarize Text and Summarize from Web</a:t>
-            </a:r>
-          </a:p>
-          <a:p>
-            <a:pPr lvl="1"/>
-            <a:r>
-              <a:rPr lang="en-US" sz="1400" dirty="0"/>
-              <a:t>Translate Text</a:t>
-            </a:r>
-          </a:p>
-          <a:p>
-            <a:pPr lvl="1"/>
-            <a:r>
-              <a:rPr lang="en-US" sz="1400" dirty="0"/>
-              <a:t>Grammar Completion</a:t>
-            </a:r>
-          </a:p>
-          <a:p>
-            <a:pPr lvl="1"/>
-            <a:r>
-              <a:rPr lang="en-US" sz="1400" dirty="0"/>
-              <a:t>Generic AI Calls</a:t>
-            </a:r>
-          </a:p>
-          <a:p>
-            <a:pPr lvl="1"/>
-            <a:r>
-              <a:rPr lang="en-US" sz="1400" dirty="0"/>
-              <a:t>Interactive Chat</a:t>
-            </a:r>
-          </a:p>
-          <a:p>
-            <a:r>
-              <a:rPr lang="en-US" sz="1800" dirty="0"/>
-              <a:t>Demonstrates</a:t>
-            </a:r>
-          </a:p>
-          <a:p>
-            <a:pPr lvl="1"/>
-            <a:r>
-              <a:rPr lang="en-US" sz="1400" dirty="0"/>
-              <a:t>Async Calls to .NET</a:t>
-            </a:r>
-          </a:p>
-          <a:p>
-            <a:pPr lvl="1"/>
-            <a:r>
-              <a:rPr lang="en-US" sz="1400" dirty="0"/>
-              <a:t>Callbacks via Callback object</a:t>
-            </a:r>
-          </a:p>
-          <a:p>
-            <a:pPr lvl="1"/>
-            <a:r>
-              <a:rPr lang="en-US" sz="1400" dirty="0"/>
-              <a:t>Callbacks have to stay alive </a:t>
-            </a:r>
-            <a:br>
-              <a:rPr lang="en-US" sz="1400" dirty="0"/>
-            </a:br>
-            <a:r>
-              <a:rPr lang="en-US" sz="1050" dirty="0"/>
-              <a:t>(PUBLIC or attached to active object)</a:t>
-            </a:r>
-          </a:p>
-          <a:p>
-            <a:pPr lvl="1"/>
-            <a:endParaRPr lang="en-US" sz="1400" dirty="0"/>
-          </a:p>
-          <a:p>
-            <a:pPr marL="457200" lvl="1" indent="0">
-              <a:buNone/>
-            </a:pPr>
-            <a:r>
-              <a:rPr lang="en-US" sz="1400" dirty="0">
-                <a:hlinkClick r:id="rId2"/>
-              </a:rPr>
-              <a:t>https://github.com/RickStrahl/Westwind.Ai</a:t>
-            </a:r>
-            <a:endParaRPr lang="en-US" sz="1400" dirty="0"/>
-          </a:p>
-          <a:p>
-            <a:pPr lvl="1"/>
-            <a:endParaRPr lang="en-US" sz="1400" dirty="0"/>
-          </a:p>
-        </p:txBody>
-      </p:sp>
-      <p:pic>
-        <p:nvPicPr>
-          <p:cNvPr id="5" name="Picture 4">
-            <a:extLst>
-              <a:ext uri="{FF2B5EF4-FFF2-40B4-BE49-F238E27FC236}">
-                <a16:creationId xmlns:a16="http://schemas.microsoft.com/office/drawing/2014/main" id="{9B16D207-4868-04F8-1C07-615C8516B279}"/>
-              </a:ext>
-            </a:extLst>
-          </p:cNvPr>
-          <p:cNvPicPr>
-            <a:picLocks noChangeAspect="1"/>
-          </p:cNvPicPr>
-          <p:nvPr/>
-        </p:nvPicPr>
-        <p:blipFill>
-          <a:blip r:embed="rId3"/>
-          <a:stretch>
-            <a:fillRect/>
-          </a:stretch>
-        </p:blipFill>
-        <p:spPr>
-          <a:xfrm>
-            <a:off x="7543800" y="0"/>
-            <a:ext cx="4648200" cy="6858000"/>
-          </a:xfrm>
-          <a:prstGeom prst="rect">
-            <a:avLst/>
-          </a:prstGeom>
-        </p:spPr>
-      </p:pic>
-    </p:spTree>
-    <p:extLst>
-      <p:ext uri="{BB962C8B-B14F-4D97-AF65-F5344CB8AC3E}">
-        <p14:creationId xmlns:p14="http://schemas.microsoft.com/office/powerpoint/2010/main" val="3881030770"/>
-      </p:ext>
-    </p:extLst>
-  </p:cSld>
-  <p:clrMapOvr>
-    <a:masterClrMapping/>
-  </p:clrMapOvr>
-  <p:transition>
-    <p:wipe/>
-  </p:transition>
-</p:sld>
-</file>
-
 <file path=ppt/slides/slide15.xml><?xml version="1.0" encoding="utf-8"?>
 <p:sld xmlns:a="http://schemas.openxmlformats.org/drawingml/2006/main" xmlns:r="http://schemas.openxmlformats.org/officeDocument/2006/relationships" xmlns:p="http://schemas.openxmlformats.org/presentationml/2006/main">
   <p:cSld>
@@ -4964,8 +5041,8 @@
           <a:lstStyle/>
           <a:p>
             <a:r>
-              <a:rPr lang="en-US" dirty="0"/>
-              <a:t>Convert HTML to PDF</a:t>
+              <a:rPr lang="en-US" sz="2800" dirty="0"/>
+              <a:t>Async: Convert HTML to PDF</a:t>
             </a:r>
           </a:p>
         </p:txBody>
@@ -5135,26 +5212,25 @@
             <a:endParaRPr lang="en-US" sz="1400" dirty="0"/>
           </a:p>
           <a:p>
+            <a:pPr lvl="2"/>
+            <a:endParaRPr lang="en-US" sz="1400" dirty="0">
+              <a:hlinkClick r:id="rId2"/>
+            </a:endParaRPr>
+          </a:p>
+          <a:p>
             <a:pPr marL="457200" lvl="1" indent="0">
               <a:buNone/>
             </a:pPr>
-            <a:endParaRPr lang="en-US" sz="1400" dirty="0">
-              <a:hlinkClick r:id="rId2"/>
-            </a:endParaRPr>
-          </a:p>
-          <a:p>
-            <a:pPr marL="457200" lvl="1" indent="0">
-              <a:buNone/>
-            </a:pPr>
             <a:r>
               <a:rPr lang="en-US" sz="1400" dirty="0">
-                <a:hlinkClick r:id="rId2"/>
+                <a:hlinkClick r:id="rId3"/>
               </a:rPr>
-              <a:t>https://github.com/RickStrahl/Westwind.Ai</a:t>
-            </a:r>
-            <a:endParaRPr lang="en-US" sz="1400" dirty="0"/>
-          </a:p>
-          <a:p>
+              <a:t>https://github.com/RickStrahl/WestWind.WebView.HtmlToPdf</a:t>
+            </a:r>
+            <a:r>
+              <a:rPr lang="en-US" sz="1400" dirty="0"/>
+              <a:t> </a:t>
+            </a:r>
             <a:endParaRPr lang="en-US" sz="1800" dirty="0"/>
           </a:p>
         </p:txBody>
@@ -5174,7 +5250,7 @@
           <p:nvPr/>
         </p:nvPicPr>
         <p:blipFill>
-          <a:blip r:embed="rId3"/>
+          <a:blip r:embed="rId4"/>
           <a:stretch>
             <a:fillRect/>
           </a:stretch>
@@ -5323,6 +5399,253 @@
           <p:cNvPr id="2" name="Title 1">
             <a:extLst>
               <a:ext uri="{FF2B5EF4-FFF2-40B4-BE49-F238E27FC236}">
+                <a16:creationId xmlns:a16="http://schemas.microsoft.com/office/drawing/2014/main" id="{B1591F5F-56BA-70E3-C3EE-39C4512B1EDB}"/>
+              </a:ext>
+            </a:extLst>
+          </p:cNvPr>
+          <p:cNvSpPr>
+            <a:spLocks noGrp="1"/>
+          </p:cNvSpPr>
+          <p:nvPr>
+            <p:ph type="title"/>
+          </p:nvPr>
+        </p:nvSpPr>
+        <p:spPr/>
+        <p:txBody>
+          <a:bodyPr/>
+          <a:lstStyle/>
+          <a:p>
+            <a:r>
+              <a:rPr lang="en-US" sz="2800" dirty="0"/>
+              <a:t>Async: OpenAI Chat Completions</a:t>
+            </a:r>
+          </a:p>
+        </p:txBody>
+      </p:sp>
+      <p:sp>
+        <p:nvSpPr>
+          <p:cNvPr id="3" name="Text Placeholder 2">
+            <a:extLst>
+              <a:ext uri="{FF2B5EF4-FFF2-40B4-BE49-F238E27FC236}">
+                <a16:creationId xmlns:a16="http://schemas.microsoft.com/office/drawing/2014/main" id="{91A369AC-B5BA-05C0-78D2-902D582DB2F5}"/>
+              </a:ext>
+            </a:extLst>
+          </p:cNvPr>
+          <p:cNvSpPr>
+            <a:spLocks noGrp="1"/>
+          </p:cNvSpPr>
+          <p:nvPr>
+            <p:ph type="body" idx="1"/>
+          </p:nvPr>
+        </p:nvSpPr>
+        <p:spPr>
+          <a:xfrm>
+            <a:off x="304800" y="838200"/>
+            <a:ext cx="11480800" cy="5105400"/>
+          </a:xfrm>
+        </p:spPr>
+        <p:txBody>
+          <a:bodyPr/>
+          <a:lstStyle/>
+          <a:p>
+            <a:r>
+              <a:rPr lang="en-US" sz="1800" dirty="0"/>
+              <a:t>Call to OpenAI Asynchronously</a:t>
+            </a:r>
+          </a:p>
+          <a:p>
+            <a:pPr lvl="1"/>
+            <a:r>
+              <a:rPr lang="en-US" sz="1400" dirty="0"/>
+              <a:t>API Calls are made to a service</a:t>
+            </a:r>
+          </a:p>
+          <a:p>
+            <a:pPr lvl="1"/>
+            <a:r>
+              <a:rPr lang="en-US" sz="1400" dirty="0"/>
+              <a:t>OpenAI Services can be online or local</a:t>
+            </a:r>
+          </a:p>
+          <a:p>
+            <a:pPr lvl="1"/>
+            <a:r>
+              <a:rPr lang="en-US" sz="1400" dirty="0"/>
+              <a:t>Calls take a while to process</a:t>
+            </a:r>
+          </a:p>
+          <a:p>
+            <a:pPr lvl="1"/>
+            <a:r>
+              <a:rPr lang="en-US" sz="1400" dirty="0"/>
+              <a:t>Results are returned asynchronously</a:t>
+            </a:r>
+          </a:p>
+          <a:p>
+            <a:r>
+              <a:rPr lang="en-US" sz="1800" dirty="0"/>
+              <a:t>Some Examples</a:t>
+            </a:r>
+          </a:p>
+          <a:p>
+            <a:pPr lvl="1"/>
+            <a:r>
+              <a:rPr lang="en-US" sz="1400" dirty="0"/>
+              <a:t>Summarize Text and Summarize from Web</a:t>
+            </a:r>
+          </a:p>
+          <a:p>
+            <a:pPr lvl="1"/>
+            <a:r>
+              <a:rPr lang="en-US" sz="1400" dirty="0"/>
+              <a:t>Translate Text</a:t>
+            </a:r>
+          </a:p>
+          <a:p>
+            <a:pPr lvl="1"/>
+            <a:r>
+              <a:rPr lang="en-US" sz="1400" dirty="0"/>
+              <a:t>Grammar Completion</a:t>
+            </a:r>
+          </a:p>
+          <a:p>
+            <a:pPr lvl="1"/>
+            <a:r>
+              <a:rPr lang="en-US" sz="1400" dirty="0"/>
+              <a:t>Generic AI Calls</a:t>
+            </a:r>
+          </a:p>
+          <a:p>
+            <a:pPr lvl="1"/>
+            <a:r>
+              <a:rPr lang="en-US" sz="1400" dirty="0"/>
+              <a:t>Interactive Chat</a:t>
+            </a:r>
+          </a:p>
+          <a:p>
+            <a:r>
+              <a:rPr lang="en-US" sz="1800" dirty="0"/>
+              <a:t>Demonstrates</a:t>
+            </a:r>
+          </a:p>
+          <a:p>
+            <a:pPr lvl="1"/>
+            <a:r>
+              <a:rPr lang="en-US" sz="1400" dirty="0"/>
+              <a:t>Async Calls to .NET</a:t>
+            </a:r>
+          </a:p>
+          <a:p>
+            <a:pPr lvl="1"/>
+            <a:r>
+              <a:rPr lang="en-US" sz="1400" dirty="0"/>
+              <a:t>Callbacks via Callback object</a:t>
+            </a:r>
+          </a:p>
+          <a:p>
+            <a:pPr lvl="1"/>
+            <a:r>
+              <a:rPr lang="en-US" sz="1400" dirty="0"/>
+              <a:t>Callbacks have to stay alive </a:t>
+            </a:r>
+            <a:br>
+              <a:rPr lang="en-US" sz="1400" dirty="0"/>
+            </a:br>
+            <a:r>
+              <a:rPr lang="en-US" sz="1050" dirty="0"/>
+              <a:t>(PUBLIC or attached to active object)</a:t>
+            </a:r>
+          </a:p>
+          <a:p>
+            <a:pPr lvl="1"/>
+            <a:endParaRPr lang="en-US" sz="1400" dirty="0"/>
+          </a:p>
+          <a:p>
+            <a:pPr marL="457200" lvl="1" indent="0">
+              <a:buNone/>
+            </a:pPr>
+            <a:r>
+              <a:rPr lang="en-US" sz="1400" dirty="0">
+                <a:hlinkClick r:id="rId2"/>
+              </a:rPr>
+              <a:t>https://github.com/RickStrahl/Westwind.Ai</a:t>
+            </a:r>
+            <a:endParaRPr lang="en-US" sz="1400" dirty="0"/>
+          </a:p>
+          <a:p>
+            <a:pPr lvl="1"/>
+            <a:endParaRPr lang="en-US" sz="1400" dirty="0"/>
+          </a:p>
+        </p:txBody>
+      </p:sp>
+      <p:pic>
+        <p:nvPicPr>
+          <p:cNvPr id="5" name="Picture 4">
+            <a:extLst>
+              <a:ext uri="{FF2B5EF4-FFF2-40B4-BE49-F238E27FC236}">
+                <a16:creationId xmlns:a16="http://schemas.microsoft.com/office/drawing/2014/main" id="{9B16D207-4868-04F8-1C07-615C8516B279}"/>
+              </a:ext>
+            </a:extLst>
+          </p:cNvPr>
+          <p:cNvPicPr>
+            <a:picLocks noChangeAspect="1"/>
+          </p:cNvPicPr>
+          <p:nvPr/>
+        </p:nvPicPr>
+        <p:blipFill>
+          <a:blip r:embed="rId3"/>
+          <a:stretch>
+            <a:fillRect/>
+          </a:stretch>
+        </p:blipFill>
+        <p:spPr>
+          <a:xfrm>
+            <a:off x="7543800" y="0"/>
+            <a:ext cx="4648200" cy="6858000"/>
+          </a:xfrm>
+          <a:prstGeom prst="rect">
+            <a:avLst/>
+          </a:prstGeom>
+        </p:spPr>
+      </p:pic>
+    </p:spTree>
+    <p:extLst>
+      <p:ext uri="{BB962C8B-B14F-4D97-AF65-F5344CB8AC3E}">
+        <p14:creationId xmlns:p14="http://schemas.microsoft.com/office/powerpoint/2010/main" val="3881030770"/>
+      </p:ext>
+    </p:extLst>
+  </p:cSld>
+  <p:clrMapOvr>
+    <a:masterClrMapping/>
+  </p:clrMapOvr>
+  <p:transition>
+    <p:wipe/>
+  </p:transition>
+</p:sld>
+</file>
+
+<file path=ppt/slides/slide18.xml><?xml version="1.0" encoding="utf-8"?>
+<p:sld xmlns:a="http://schemas.openxmlformats.org/drawingml/2006/main" xmlns:r="http://schemas.openxmlformats.org/officeDocument/2006/relationships" xmlns:p="http://schemas.openxmlformats.org/presentationml/2006/main">
+  <p:cSld>
+    <p:spTree>
+      <p:nvGrpSpPr>
+        <p:cNvPr id="1" name=""/>
+        <p:cNvGrpSpPr/>
+        <p:nvPr/>
+      </p:nvGrpSpPr>
+      <p:grpSpPr>
+        <a:xfrm>
+          <a:off x="0" y="0"/>
+          <a:ext cx="0" cy="0"/>
+          <a:chOff x="0" y="0"/>
+          <a:chExt cx="0" cy="0"/>
+        </a:xfrm>
+      </p:grpSpPr>
+      <p:sp>
+        <p:nvSpPr>
+          <p:cNvPr id="2" name="Title 1">
+            <a:extLst>
+              <a:ext uri="{FF2B5EF4-FFF2-40B4-BE49-F238E27FC236}">
                 <a16:creationId xmlns:a16="http://schemas.microsoft.com/office/drawing/2014/main" id="{3FEF63C0-5D78-349A-124D-83D30E676BA4}"/>
               </a:ext>
             </a:extLst>
@@ -5501,7 +5824,7 @@
 </p:sld>
 </file>
 
-<file path=ppt/slides/slide18.xml><?xml version="1.0" encoding="utf-8"?>
+<file path=ppt/slides/slide19.xml><?xml version="1.0" encoding="utf-8"?>
 <p:sld xmlns:a="http://schemas.openxmlformats.org/drawingml/2006/main" xmlns:r="http://schemas.openxmlformats.org/officeDocument/2006/relationships" xmlns:p="http://schemas.openxmlformats.org/presentationml/2006/main">
   <p:cSld>
     <p:spTree>
@@ -5695,7 +6018,236 @@
 </p:sld>
 </file>
 
-<file path=ppt/slides/slide19.xml><?xml version="1.0" encoding="utf-8"?>
+<file path=ppt/slides/slide2.xml><?xml version="1.0" encoding="utf-8"?>
+<p:sld xmlns:a="http://schemas.openxmlformats.org/drawingml/2006/main" xmlns:r="http://schemas.openxmlformats.org/officeDocument/2006/relationships" xmlns:p="http://schemas.openxmlformats.org/presentationml/2006/main">
+  <p:cSld>
+    <p:spTree>
+      <p:nvGrpSpPr>
+        <p:cNvPr id="1" name=""/>
+        <p:cNvGrpSpPr/>
+        <p:nvPr/>
+      </p:nvGrpSpPr>
+      <p:grpSpPr>
+        <a:xfrm>
+          <a:off x="0" y="0"/>
+          <a:ext cx="0" cy="0"/>
+          <a:chOff x="0" y="0"/>
+          <a:chExt cx="0" cy="0"/>
+        </a:xfrm>
+      </p:grpSpPr>
+      <p:sp>
+        <p:nvSpPr>
+          <p:cNvPr id="2" name="Title 1"/>
+          <p:cNvSpPr>
+            <a:spLocks noGrp="1"/>
+          </p:cNvSpPr>
+          <p:nvPr>
+            <p:ph type="title"/>
+          </p:nvPr>
+        </p:nvSpPr>
+        <p:spPr/>
+        <p:txBody>
+          <a:bodyPr/>
+          <a:lstStyle/>
+          <a:p>
+            <a:r>
+              <a:rPr lang="en-US"/>
+              <a:t>About this session</a:t>
+            </a:r>
+          </a:p>
+        </p:txBody>
+      </p:sp>
+      <p:sp>
+        <p:nvSpPr>
+          <p:cNvPr id="3" name="Text Placeholder 2"/>
+          <p:cNvSpPr>
+            <a:spLocks noGrp="1"/>
+          </p:cNvSpPr>
+          <p:nvPr>
+            <p:ph type="body" idx="1"/>
+          </p:nvPr>
+        </p:nvSpPr>
+        <p:spPr>
+          <a:xfrm>
+            <a:off x="1676400" y="914400"/>
+            <a:ext cx="7086600" cy="5410200"/>
+          </a:xfrm>
+        </p:spPr>
+        <p:txBody>
+          <a:bodyPr/>
+          <a:lstStyle/>
+          <a:p>
+            <a:r>
+              <a:rPr lang="en-US" dirty="0"/>
+              <a:t>You’ll find out:</a:t>
+            </a:r>
+          </a:p>
+          <a:p>
+            <a:r>
+              <a:rPr lang="en-US" dirty="0"/>
+              <a:t>Why you’d want to integrate .NET</a:t>
+            </a:r>
+          </a:p>
+          <a:p>
+            <a:r>
+              <a:rPr lang="en-US" dirty="0"/>
+              <a:t>Why you’d want to use </a:t>
+            </a:r>
+            <a:r>
+              <a:rPr lang="en-US" dirty="0" err="1"/>
+              <a:t>wwDotnetBridge</a:t>
+            </a:r>
+            <a:endParaRPr lang="en-US" dirty="0"/>
+          </a:p>
+          <a:p>
+            <a:r>
+              <a:rPr lang="en-US" dirty="0"/>
+              <a:t>How to create your own .NET </a:t>
+            </a:r>
+            <a:r>
+              <a:rPr lang="en-US" dirty="0" err="1"/>
+              <a:t>compoents</a:t>
+            </a:r>
+            <a:endParaRPr lang="en-US" dirty="0"/>
+          </a:p>
+          <a:p>
+            <a:r>
+              <a:rPr lang="en-US" dirty="0"/>
+              <a:t>Examples that demonstrate features</a:t>
+            </a:r>
+          </a:p>
+          <a:p>
+            <a:pPr lvl="1"/>
+            <a:r>
+              <a:rPr lang="en-US" dirty="0"/>
+              <a:t>Some simple practical examples</a:t>
+            </a:r>
+          </a:p>
+          <a:p>
+            <a:pPr lvl="1"/>
+            <a:r>
+              <a:rPr lang="en-US" dirty="0"/>
+              <a:t>Some conceptual examples</a:t>
+            </a:r>
+          </a:p>
+          <a:p>
+            <a:pPr lvl="1"/>
+            <a:r>
+              <a:rPr lang="en-US" dirty="0"/>
+              <a:t>Some examples to demonstrate what’s possible</a:t>
+            </a:r>
+          </a:p>
+          <a:p>
+            <a:pPr marL="457200" lvl="1" indent="0">
+              <a:buNone/>
+            </a:pPr>
+            <a:endParaRPr lang="en-US" dirty="0"/>
+          </a:p>
+        </p:txBody>
+      </p:sp>
+    </p:spTree>
+    <p:extLst>
+      <p:ext uri="{BB962C8B-B14F-4D97-AF65-F5344CB8AC3E}">
+        <p14:creationId xmlns:p14="http://schemas.microsoft.com/office/powerpoint/2010/main" val="3298152672"/>
+      </p:ext>
+    </p:extLst>
+  </p:cSld>
+  <p:clrMapOvr>
+    <a:masterClrMapping/>
+  </p:clrMapOvr>
+  <p:transition>
+    <p:wipe/>
+  </p:transition>
+</p:sld>
+</file>
+
+<file path=ppt/slides/slide20.xml><?xml version="1.0" encoding="utf-8"?>
+<p:sld xmlns:a="http://schemas.openxmlformats.org/drawingml/2006/main" xmlns:r="http://schemas.openxmlformats.org/officeDocument/2006/relationships" xmlns:p="http://schemas.openxmlformats.org/presentationml/2006/main">
+  <p:cSld>
+    <p:spTree>
+      <p:nvGrpSpPr>
+        <p:cNvPr id="1" name=""/>
+        <p:cNvGrpSpPr/>
+        <p:nvPr/>
+      </p:nvGrpSpPr>
+      <p:grpSpPr>
+        <a:xfrm>
+          <a:off x="0" y="0"/>
+          <a:ext cx="0" cy="0"/>
+          <a:chOff x="0" y="0"/>
+          <a:chExt cx="0" cy="0"/>
+        </a:xfrm>
+      </p:grpSpPr>
+      <p:sp>
+        <p:nvSpPr>
+          <p:cNvPr id="2" name="Title 1">
+            <a:extLst>
+              <a:ext uri="{FF2B5EF4-FFF2-40B4-BE49-F238E27FC236}">
+                <a16:creationId xmlns:a16="http://schemas.microsoft.com/office/drawing/2014/main" id="{55BE5350-5BF3-D425-3161-4428C8B815A5}"/>
+              </a:ext>
+            </a:extLst>
+          </p:cNvPr>
+          <p:cNvSpPr>
+            <a:spLocks noGrp="1"/>
+          </p:cNvSpPr>
+          <p:nvPr>
+            <p:ph type="title"/>
+          </p:nvPr>
+        </p:nvSpPr>
+        <p:spPr/>
+        <p:txBody>
+          <a:bodyPr/>
+          <a:lstStyle/>
+          <a:p>
+            <a:r>
+              <a:rPr lang="en-US" dirty="0"/>
+              <a:t>Async: Common AI Operations</a:t>
+            </a:r>
+          </a:p>
+        </p:txBody>
+      </p:sp>
+      <p:sp>
+        <p:nvSpPr>
+          <p:cNvPr id="3" name="Text Placeholder 2">
+            <a:extLst>
+              <a:ext uri="{FF2B5EF4-FFF2-40B4-BE49-F238E27FC236}">
+                <a16:creationId xmlns:a16="http://schemas.microsoft.com/office/drawing/2014/main" id="{DAB8C8F9-A0F0-0B6C-701D-5BB93688A284}"/>
+              </a:ext>
+            </a:extLst>
+          </p:cNvPr>
+          <p:cNvSpPr>
+            <a:spLocks noGrp="1"/>
+          </p:cNvSpPr>
+          <p:nvPr>
+            <p:ph type="body" idx="1"/>
+          </p:nvPr>
+        </p:nvSpPr>
+        <p:spPr/>
+        <p:txBody>
+          <a:bodyPr/>
+          <a:lstStyle/>
+          <a:p>
+            <a:endParaRPr lang="en-US"/>
+          </a:p>
+        </p:txBody>
+      </p:sp>
+    </p:spTree>
+    <p:extLst>
+      <p:ext uri="{BB962C8B-B14F-4D97-AF65-F5344CB8AC3E}">
+        <p14:creationId xmlns:p14="http://schemas.microsoft.com/office/powerpoint/2010/main" val="3830614488"/>
+      </p:ext>
+    </p:extLst>
+  </p:cSld>
+  <p:clrMapOvr>
+    <a:masterClrMapping/>
+  </p:clrMapOvr>
+  <p:transition>
+    <p:wipe/>
+  </p:transition>
+</p:sld>
+</file>
+
+<file path=ppt/slides/slide21.xml><?xml version="1.0" encoding="utf-8"?>
 <p:sld xmlns:a="http://schemas.openxmlformats.org/drawingml/2006/main" xmlns:r="http://schemas.openxmlformats.org/officeDocument/2006/relationships" xmlns:p="http://schemas.openxmlformats.org/presentationml/2006/main">
   <p:cSld>
     <p:spTree>
@@ -5897,7 +6449,7 @@
 </p:sld>
 </file>
 
-<file path=ppt/slides/slide2.xml><?xml version="1.0" encoding="utf-8"?>
+<file path=ppt/slides/slide22.xml><?xml version="1.0" encoding="utf-8"?>
 <p:sld xmlns:a="http://schemas.openxmlformats.org/drawingml/2006/main" xmlns:r="http://schemas.openxmlformats.org/officeDocument/2006/relationships" xmlns:p="http://schemas.openxmlformats.org/presentationml/2006/main">
   <p:cSld>
     <p:spTree>
@@ -5930,149 +6482,6 @@
           <a:lstStyle/>
           <a:p>
             <a:r>
-              <a:rPr lang="en-US"/>
-              <a:t>About this session</a:t>
-            </a:r>
-          </a:p>
-        </p:txBody>
-      </p:sp>
-      <p:sp>
-        <p:nvSpPr>
-          <p:cNvPr id="3" name="Text Placeholder 2"/>
-          <p:cNvSpPr>
-            <a:spLocks noGrp="1"/>
-          </p:cNvSpPr>
-          <p:nvPr>
-            <p:ph type="body" idx="1"/>
-          </p:nvPr>
-        </p:nvSpPr>
-        <p:spPr>
-          <a:xfrm>
-            <a:off x="1676400" y="914400"/>
-            <a:ext cx="7086600" cy="5410200"/>
-          </a:xfrm>
-        </p:spPr>
-        <p:txBody>
-          <a:bodyPr/>
-          <a:lstStyle/>
-          <a:p>
-            <a:r>
-              <a:rPr lang="en-US" dirty="0"/>
-              <a:t>You’ll find out:</a:t>
-            </a:r>
-          </a:p>
-          <a:p>
-            <a:r>
-              <a:rPr lang="en-US" dirty="0"/>
-              <a:t>Why you’d want to integrate .NET</a:t>
-            </a:r>
-          </a:p>
-          <a:p>
-            <a:r>
-              <a:rPr lang="en-US" dirty="0"/>
-              <a:t>Why you’d want to use </a:t>
-            </a:r>
-            <a:r>
-              <a:rPr lang="en-US" dirty="0" err="1"/>
-              <a:t>wwDotnetBridge</a:t>
-            </a:r>
-            <a:endParaRPr lang="en-US" dirty="0"/>
-          </a:p>
-          <a:p>
-            <a:r>
-              <a:rPr lang="en-US" dirty="0"/>
-              <a:t>How to create your own .NET </a:t>
-            </a:r>
-            <a:r>
-              <a:rPr lang="en-US" dirty="0" err="1"/>
-              <a:t>compoents</a:t>
-            </a:r>
-            <a:endParaRPr lang="en-US" dirty="0"/>
-          </a:p>
-          <a:p>
-            <a:r>
-              <a:rPr lang="en-US" dirty="0"/>
-              <a:t>Examples that demonstrate features</a:t>
-            </a:r>
-          </a:p>
-          <a:p>
-            <a:pPr lvl="1"/>
-            <a:r>
-              <a:rPr lang="en-US" dirty="0"/>
-              <a:t>Some simple practical examples</a:t>
-            </a:r>
-          </a:p>
-          <a:p>
-            <a:pPr lvl="1"/>
-            <a:r>
-              <a:rPr lang="en-US" dirty="0"/>
-              <a:t>Some conceptual examples</a:t>
-            </a:r>
-          </a:p>
-          <a:p>
-            <a:pPr lvl="1"/>
-            <a:r>
-              <a:rPr lang="en-US" dirty="0"/>
-              <a:t>Some examples to demonstrate what’s possible</a:t>
-            </a:r>
-          </a:p>
-          <a:p>
-            <a:pPr marL="457200" lvl="1" indent="0">
-              <a:buNone/>
-            </a:pPr>
-            <a:endParaRPr lang="en-US" dirty="0"/>
-          </a:p>
-        </p:txBody>
-      </p:sp>
-    </p:spTree>
-    <p:extLst>
-      <p:ext uri="{BB962C8B-B14F-4D97-AF65-F5344CB8AC3E}">
-        <p14:creationId xmlns:p14="http://schemas.microsoft.com/office/powerpoint/2010/main" val="3298152672"/>
-      </p:ext>
-    </p:extLst>
-  </p:cSld>
-  <p:clrMapOvr>
-    <a:masterClrMapping/>
-  </p:clrMapOvr>
-  <p:transition>
-    <p:wipe/>
-  </p:transition>
-</p:sld>
-</file>
-
-<file path=ppt/slides/slide20.xml><?xml version="1.0" encoding="utf-8"?>
-<p:sld xmlns:a="http://schemas.openxmlformats.org/drawingml/2006/main" xmlns:r="http://schemas.openxmlformats.org/officeDocument/2006/relationships" xmlns:p="http://schemas.openxmlformats.org/presentationml/2006/main">
-  <p:cSld>
-    <p:spTree>
-      <p:nvGrpSpPr>
-        <p:cNvPr id="1" name=""/>
-        <p:cNvGrpSpPr/>
-        <p:nvPr/>
-      </p:nvGrpSpPr>
-      <p:grpSpPr>
-        <a:xfrm>
-          <a:off x="0" y="0"/>
-          <a:ext cx="0" cy="0"/>
-          <a:chOff x="0" y="0"/>
-          <a:chExt cx="0" cy="0"/>
-        </a:xfrm>
-      </p:grpSpPr>
-      <p:sp>
-        <p:nvSpPr>
-          <p:cNvPr id="2" name="Title 1"/>
-          <p:cNvSpPr>
-            <a:spLocks noGrp="1"/>
-          </p:cNvSpPr>
-          <p:nvPr>
-            <p:ph type="title"/>
-          </p:nvPr>
-        </p:nvSpPr>
-        <p:spPr/>
-        <p:txBody>
-          <a:bodyPr/>
-          <a:lstStyle/>
-          <a:p>
-            <a:r>
               <a:rPr lang="en-US" sz="2400" dirty="0"/>
               <a:t>.NET Calling: Don’t </a:t>
             </a:r>
@@ -6239,7 +6648,7 @@
 </p:sld>
 </file>
 
-<file path=ppt/slides/slide21.xml><?xml version="1.0" encoding="utf-8"?>
+<file path=ppt/slides/slide23.xml><?xml version="1.0" encoding="utf-8"?>
 <p:sld xmlns:a="http://schemas.openxmlformats.org/drawingml/2006/main" xmlns:r="http://schemas.openxmlformats.org/officeDocument/2006/relationships" xmlns:p="http://schemas.openxmlformats.org/presentationml/2006/main">
   <p:cSld>
     <p:spTree>
@@ -6523,7 +6932,7 @@
 </p:sld>
 </file>
 
-<file path=ppt/slides/slide22.xml><?xml version="1.0" encoding="utf-8"?>
+<file path=ppt/slides/slide24.xml><?xml version="1.0" encoding="utf-8"?>
 <p:sld xmlns:a="http://schemas.openxmlformats.org/drawingml/2006/main" xmlns:r="http://schemas.openxmlformats.org/officeDocument/2006/relationships" xmlns:p="http://schemas.openxmlformats.org/presentationml/2006/main">
   <p:cSld>
     <p:spTree>
@@ -6659,7 +7068,7 @@
 </p:sld>
 </file>
 
-<file path=ppt/slides/slide23.xml><?xml version="1.0" encoding="utf-8"?>
+<file path=ppt/slides/slide25.xml><?xml version="1.0" encoding="utf-8"?>
 <p:sld xmlns:a="http://schemas.openxmlformats.org/drawingml/2006/main" xmlns:r="http://schemas.openxmlformats.org/officeDocument/2006/relationships" xmlns:p="http://schemas.openxmlformats.org/presentationml/2006/main">
   <p:cSld>
     <p:spTree>
@@ -6750,7 +7159,7 @@
 </p:sld>
 </file>
 
-<file path=ppt/slides/slide24.xml><?xml version="1.0" encoding="utf-8"?>
+<file path=ppt/slides/slide26.xml><?xml version="1.0" encoding="utf-8"?>
 <p:sld xmlns:a="http://schemas.openxmlformats.org/drawingml/2006/main" xmlns:r="http://schemas.openxmlformats.org/officeDocument/2006/relationships" xmlns:p="http://schemas.openxmlformats.org/presentationml/2006/main">
   <p:cSld>
     <p:spTree>
@@ -7046,7 +7455,7 @@
 </p:sld>
 </file>
 
-<file path=ppt/slides/slide25.xml><?xml version="1.0" encoding="utf-8"?>
+<file path=ppt/slides/slide27.xml><?xml version="1.0" encoding="utf-8"?>
 <p:sld xmlns:a="http://schemas.openxmlformats.org/drawingml/2006/main" xmlns:r="http://schemas.openxmlformats.org/officeDocument/2006/relationships" xmlns:p="http://schemas.openxmlformats.org/presentationml/2006/main">
   <p:cSld>
     <p:spTree>
@@ -7106,151 +7515,145 @@
           <a:lstStyle/>
           <a:p>
             <a:r>
-              <a:rPr lang="en-US" dirty="0"/>
+              <a:rPr lang="en-US" sz="1600" dirty="0"/>
               <a:t>Lots of Cool .NET Stuff available</a:t>
             </a:r>
           </a:p>
           <a:p>
             <a:pPr lvl="1"/>
             <a:r>
-              <a:rPr lang="en-US" dirty="0"/>
+              <a:rPr lang="en-US" sz="1600" dirty="0"/>
               <a:t>Many Windows Features are exposed through .NET</a:t>
             </a:r>
           </a:p>
           <a:p>
             <a:pPr lvl="1"/>
             <a:r>
-              <a:rPr lang="en-US" dirty="0"/>
+              <a:rPr lang="en-US" sz="1600" dirty="0"/>
               <a:t>Many open source and 3</a:t>
             </a:r>
             <a:r>
-              <a:rPr lang="en-US" baseline="30000" dirty="0"/>
+              <a:rPr lang="en-US" sz="1600" baseline="30000" dirty="0"/>
               <a:t>rd</a:t>
             </a:r>
             <a:r>
-              <a:rPr lang="en-US" dirty="0"/>
+              <a:rPr lang="en-US" sz="1600" dirty="0"/>
               <a:t> parties available</a:t>
             </a:r>
           </a:p>
           <a:p>
             <a:pPr lvl="1"/>
             <a:r>
-              <a:rPr lang="en-US" dirty="0"/>
+              <a:rPr lang="en-US" sz="1600" dirty="0"/>
               <a:t>With </a:t>
             </a:r>
             <a:r>
-              <a:rPr lang="en-US" dirty="0" err="1"/>
+              <a:rPr lang="en-US" sz="1600" dirty="0" err="1"/>
               <a:t>wwDotnetBridge</a:t>
             </a:r>
             <a:r>
-              <a:rPr lang="en-US" dirty="0"/>
+              <a:rPr lang="en-US" sz="1600" dirty="0"/>
               <a:t> you can access most of it!</a:t>
             </a:r>
           </a:p>
           <a:p>
             <a:r>
-              <a:rPr lang="en-US" dirty="0" err="1"/>
+              <a:rPr lang="en-US" sz="1600" dirty="0" err="1"/>
               <a:t>wwDotnetBridge</a:t>
             </a:r>
             <a:r>
-              <a:rPr lang="en-US" dirty="0"/>
+              <a:rPr lang="en-US" sz="1600" dirty="0"/>
               <a:t> makes it EASY!</a:t>
             </a:r>
           </a:p>
           <a:p>
             <a:pPr lvl="1"/>
             <a:r>
-              <a:rPr lang="en-US" dirty="0"/>
+              <a:rPr lang="en-US" sz="1600" dirty="0"/>
               <a:t>Call any .NET components without registration</a:t>
             </a:r>
           </a:p>
           <a:p>
             <a:pPr lvl="1"/>
             <a:r>
-              <a:rPr lang="en-US" dirty="0"/>
+              <a:rPr lang="en-US" sz="1600" dirty="0"/>
               <a:t>Opens up most of .NET to FoxPro</a:t>
             </a:r>
           </a:p>
           <a:p>
             <a:pPr lvl="1"/>
             <a:r>
-              <a:rPr lang="en-US" dirty="0"/>
+              <a:rPr lang="en-US" sz="1600" dirty="0"/>
               <a:t>Access most .NET features including </a:t>
             </a:r>
             <a:br>
-              <a:rPr lang="en-US" dirty="0"/>
+              <a:rPr lang="en-US" sz="1600" dirty="0"/>
             </a:br>
             <a:r>
-              <a:rPr lang="en-US" sz="1200" dirty="0"/>
+              <a:rPr lang="en-US" sz="1600" dirty="0"/>
               <a:t>Generics, Value Types, Collections, Enums, Static members etc.</a:t>
             </a:r>
           </a:p>
           <a:p>
             <a:pPr lvl="1"/>
             <a:r>
-              <a:rPr lang="en-US" dirty="0"/>
+              <a:rPr lang="en-US" sz="1600" dirty="0"/>
               <a:t>Helpers for types that suck in FoxPro</a:t>
             </a:r>
             <a:br>
-              <a:rPr lang="en-US" dirty="0"/>
+              <a:rPr lang="en-US" sz="1600" dirty="0"/>
             </a:br>
             <a:r>
-              <a:rPr lang="en-US" sz="1200" dirty="0" err="1"/>
+              <a:rPr lang="en-US" sz="1600" dirty="0" err="1"/>
               <a:t>ComArray</a:t>
             </a:r>
             <a:r>
-              <a:rPr lang="en-US" sz="1200" dirty="0"/>
+              <a:rPr lang="en-US" sz="1600" dirty="0"/>
               <a:t>, </a:t>
             </a:r>
             <a:r>
-              <a:rPr lang="en-US" sz="1200" dirty="0" err="1"/>
+              <a:rPr lang="en-US" sz="1600" dirty="0" err="1"/>
               <a:t>ComValue</a:t>
             </a:r>
-            <a:endParaRPr lang="en-US" dirty="0"/>
-          </a:p>
-          <a:p>
-            <a:r>
-              <a:rPr lang="en-US" dirty="0"/>
+            <a:endParaRPr lang="en-US" sz="1600" dirty="0"/>
+          </a:p>
+          <a:p>
+            <a:r>
+              <a:rPr lang="en-US" sz="1600" dirty="0"/>
               <a:t>Create Wrappers for Complex Code</a:t>
             </a:r>
           </a:p>
           <a:p>
             <a:pPr lvl="1"/>
             <a:r>
-              <a:rPr lang="en-US" dirty="0"/>
+              <a:rPr lang="en-US" sz="1600" dirty="0"/>
               <a:t>Easier to create .NET code to interface with complex APIs</a:t>
             </a:r>
           </a:p>
           <a:p>
             <a:pPr lvl="1"/>
             <a:r>
-              <a:rPr lang="en-US" dirty="0"/>
-              <a:t>Make the wrapper FoxPro friendly</a:t>
-            </a:r>
-          </a:p>
-          <a:p>
-            <a:pPr lvl="1"/>
-            <a:r>
-              <a:rPr lang="en-US" dirty="0"/>
-              <a:t>Call the Wrapper from FoxPro	</a:t>
-            </a:r>
-          </a:p>
-          <a:p>
-            <a:pPr lvl="1"/>
-            <a:r>
-              <a:rPr lang="en-US" dirty="0"/>
-              <a:t>Create FoxPro Wrappers for .NET Code</a:t>
-            </a:r>
-          </a:p>
-          <a:p>
-            <a:pPr marL="457200" lvl="1" indent="0">
-              <a:buNone/>
-            </a:pPr>
-            <a:endParaRPr lang="en-US" dirty="0"/>
-          </a:p>
-          <a:p>
-            <a:pPr lvl="1"/>
-            <a:endParaRPr lang="en-US" dirty="0"/>
+              <a:rPr lang="en-US" sz="1600" dirty="0"/>
+              <a:t>.NET SDK makes it easy – no Visual Studio required</a:t>
+            </a:r>
+          </a:p>
+          <a:p>
+            <a:pPr lvl="1"/>
+            <a:r>
+              <a:rPr lang="en-US" sz="1600" dirty="0"/>
+              <a:t>Create FoxPro friendly wrapper classes in .NET</a:t>
+            </a:r>
+          </a:p>
+          <a:p>
+            <a:pPr lvl="1"/>
+            <a:r>
+              <a:rPr lang="en-US" sz="1600" dirty="0"/>
+              <a:t>Call the wrappers from FoxPro</a:t>
+            </a:r>
+          </a:p>
+          <a:p>
+            <a:pPr lvl="1"/>
+            <a:endParaRPr lang="en-US" sz="1600" dirty="0"/>
           </a:p>
         </p:txBody>
       </p:sp>
@@ -7270,7 +7673,7 @@
 </p:sld>
 </file>
 
-<file path=ppt/slides/slide26.xml><?xml version="1.0" encoding="utf-8"?>
+<file path=ppt/slides/slide28.xml><?xml version="1.0" encoding="utf-8"?>
 <p:sld xmlns:a="http://schemas.openxmlformats.org/drawingml/2006/main" xmlns:r="http://schemas.openxmlformats.org/officeDocument/2006/relationships" xmlns:p="http://schemas.openxmlformats.org/presentationml/2006/main">
   <p:cSld>
     <p:spTree>
@@ -7321,7 +7724,7 @@
         </p:nvSpPr>
         <p:spPr>
           <a:xfrm>
-            <a:off x="1752600" y="990600"/>
+            <a:off x="1676400" y="990600"/>
             <a:ext cx="7035800" cy="5105400"/>
           </a:xfrm>
         </p:spPr>
@@ -7330,123 +7733,123 @@
           <a:lstStyle/>
           <a:p>
             <a:r>
-              <a:rPr lang="en-US" sz="2400" dirty="0"/>
+              <a:rPr lang="en-US" sz="2000" dirty="0"/>
               <a:t>Session Notes</a:t>
             </a:r>
           </a:p>
           <a:p>
             <a:pPr lvl="1"/>
             <a:r>
-              <a:rPr lang="en-US" dirty="0">
+              <a:rPr lang="en-US" sz="1600" dirty="0">
                 <a:hlinkClick r:id="rId2"/>
               </a:rPr>
-              <a:t>40 Page White Paper</a:t>
-            </a:r>
-            <a:endParaRPr lang="en-US" dirty="0"/>
-          </a:p>
-          <a:p>
-            <a:pPr lvl="1"/>
-            <a:r>
-              <a:rPr lang="en-US" dirty="0"/>
-              <a:t>Lots of examples, tips and tricks</a:t>
-            </a:r>
-          </a:p>
-          <a:p>
-            <a:pPr lvl="1"/>
-            <a:r>
-              <a:rPr lang="en-US" dirty="0">
+              <a:t>Session White Paper</a:t>
+            </a:r>
+            <a:endParaRPr lang="en-US" sz="1600" dirty="0"/>
+          </a:p>
+          <a:p>
+            <a:pPr lvl="1"/>
+            <a:r>
+              <a:rPr lang="en-US" sz="1600" dirty="0">
+                <a:hlinkClick r:id="rId2"/>
+              </a:rPr>
+              <a:t>Download Sample Code</a:t>
+            </a:r>
+            <a:endParaRPr lang="en-US" sz="1600" dirty="0"/>
+          </a:p>
+          <a:p>
+            <a:pPr lvl="1"/>
+            <a:r>
+              <a:rPr lang="en-US" sz="1600" dirty="0" err="1">
                 <a:hlinkClick r:id="rId3"/>
               </a:rPr>
-              <a:t>Download Sample Code</a:t>
-            </a:r>
-            <a:endParaRPr lang="en-US" dirty="0"/>
-          </a:p>
-          <a:p>
-            <a:pPr lvl="1"/>
-            <a:r>
-              <a:rPr lang="en-US" dirty="0" err="1">
+              <a:t>wwDotnetBridge</a:t>
+            </a:r>
+            <a:r>
+              <a:rPr lang="en-US" sz="1600" dirty="0">
+                <a:hlinkClick r:id="rId3"/>
+              </a:rPr>
+              <a:t> Documentation</a:t>
+            </a:r>
+            <a:endParaRPr lang="en-US" sz="1600" dirty="0"/>
+          </a:p>
+          <a:p>
+            <a:r>
+              <a:rPr lang="en-US" sz="2000" dirty="0"/>
+              <a:t>Where to get </a:t>
+            </a:r>
+            <a:r>
+              <a:rPr lang="en-US" sz="2000" dirty="0" err="1"/>
+              <a:t>wwDotnetBridge</a:t>
+            </a:r>
+            <a:endParaRPr lang="en-US" sz="2000" dirty="0"/>
+          </a:p>
+          <a:p>
+            <a:pPr lvl="1"/>
+            <a:r>
+              <a:rPr lang="en-US" sz="1600" dirty="0"/>
+              <a:t>Available on GitHub – Free and Open Source </a:t>
+            </a:r>
+            <a:br>
+              <a:rPr lang="en-US" sz="1600" dirty="0"/>
+            </a:br>
+            <a:r>
+              <a:rPr lang="en-US" sz="1600" dirty="0">
                 <a:hlinkClick r:id="rId4"/>
               </a:rPr>
-              <a:t>wwDotnetBridge</a:t>
-            </a:r>
-            <a:r>
-              <a:rPr lang="en-US" dirty="0">
-                <a:hlinkClick r:id="rId4"/>
-              </a:rPr>
-              <a:t> Documentation</a:t>
-            </a:r>
-            <a:endParaRPr lang="en-US" dirty="0"/>
-          </a:p>
-          <a:p>
-            <a:r>
-              <a:rPr lang="en-US" sz="2400" dirty="0"/>
-              <a:t>Where to get </a:t>
-            </a:r>
-            <a:r>
-              <a:rPr lang="en-US" sz="2400" dirty="0" err="1"/>
-              <a:t>wwDotnetBridge</a:t>
-            </a:r>
-            <a:endParaRPr lang="en-US" sz="2400" dirty="0"/>
-          </a:p>
-          <a:p>
-            <a:pPr lvl="1"/>
-            <a:r>
-              <a:rPr lang="en-US" dirty="0"/>
-              <a:t>Available on GitHub – Free and Open Source </a:t>
-            </a:r>
-            <a:br>
-              <a:rPr lang="en-US" dirty="0"/>
-            </a:br>
-            <a:r>
-              <a:rPr lang="en-US" dirty="0">
+              <a:t>https://github.com/RickStrahl/wwDotnetBridge</a:t>
+            </a:r>
+            <a:endParaRPr lang="en-US" sz="1600" dirty="0"/>
+          </a:p>
+          <a:p>
+            <a:pPr lvl="1"/>
+            <a:r>
+              <a:rPr lang="en-US" sz="1600" dirty="0"/>
+              <a:t>Also distributed with:</a:t>
+            </a:r>
+          </a:p>
+          <a:p>
+            <a:pPr lvl="2"/>
+            <a:r>
+              <a:rPr lang="en-US" sz="1600" dirty="0">
                 <a:hlinkClick r:id="rId5"/>
               </a:rPr>
-              <a:t>https://github.com/RickStrahl/wwDotnetBridge</a:t>
-            </a:r>
-            <a:br>
-              <a:rPr lang="en-US" dirty="0"/>
-            </a:br>
-            <a:endParaRPr lang="en-US" dirty="0"/>
-          </a:p>
-          <a:p>
-            <a:pPr lvl="1"/>
-            <a:r>
-              <a:rPr lang="en-US" dirty="0"/>
-              <a:t>Also part of West Wind Internet and Client Tools</a:t>
-            </a:r>
-            <a:br>
-              <a:rPr lang="en-US" dirty="0"/>
-            </a:br>
-            <a:r>
-              <a:rPr lang="en-US" dirty="0">
+              <a:t>West Wind Internet and Client Tools</a:t>
+            </a:r>
+            <a:endParaRPr lang="en-US" sz="1600" dirty="0"/>
+          </a:p>
+          <a:p>
+            <a:pPr lvl="2"/>
+            <a:r>
+              <a:rPr lang="en-US" sz="1600" dirty="0">
                 <a:hlinkClick r:id="rId6"/>
               </a:rPr>
-              <a:t>https://client-tools.west-wind.com</a:t>
-            </a:r>
-            <a:endParaRPr lang="en-US" dirty="0"/>
-          </a:p>
-          <a:p>
-            <a:r>
-              <a:rPr lang="en-US" sz="2400" dirty="0"/>
+              <a:t>West Wind Web Connection</a:t>
+            </a:r>
+            <a:endParaRPr lang="en-US" sz="1600" dirty="0"/>
+          </a:p>
+          <a:p>
+            <a:r>
+              <a:rPr lang="en-US" sz="2000" dirty="0"/>
               <a:t>West Wind .NET Articles</a:t>
             </a:r>
           </a:p>
           <a:p>
             <a:pPr lvl="1"/>
             <a:r>
-              <a:rPr lang="en-US" dirty="0"/>
+              <a:rPr lang="en-US" sz="1600" dirty="0"/>
               <a:t>Focus on .NET development with a VFP perspective</a:t>
             </a:r>
           </a:p>
           <a:p>
             <a:pPr lvl="1"/>
             <a:r>
-              <a:rPr lang="en-US" dirty="0">
+              <a:rPr lang="en-US" sz="1600" dirty="0">
                 <a:hlinkClick r:id="rId7"/>
               </a:rPr>
               <a:t>http://www.west-wind.com/articles.aspx</a:t>
             </a:r>
-            <a:endParaRPr lang="en-US" dirty="0"/>
+            <a:endParaRPr lang="en-US" sz="1600" dirty="0"/>
           </a:p>
         </p:txBody>
       </p:sp>
@@ -7493,7 +7896,7 @@
             <a:r>
               <a:rPr lang="en-US" sz="1600" b="0" dirty="0">
                 <a:latin typeface="Verdana" pitchFamily="34" charset="0"/>
-                <a:hlinkClick r:id="rId3"/>
+                <a:hlinkClick r:id="rId8"/>
               </a:rPr>
               <a:t>https://github.com/RickStrahl/swfox2024-wwdotnetbridge-revisited</a:t>
             </a:r>
@@ -9766,7 +10169,7 @@
             </a:pPr>
             <a:r>
               <a:rPr lang="en-US" sz="1800" dirty="0"/>
-              <a:t>Async: Use OpenAI for common AI Operations</a:t>
+              <a:t>Async: Print Html to Pdf </a:t>
             </a:r>
           </a:p>
           <a:p>
@@ -9776,7 +10179,7 @@
             </a:pPr>
             <a:r>
               <a:rPr lang="en-US" sz="1800" dirty="0"/>
-              <a:t>Async: Print Html to Pdf </a:t>
+              <a:t>Async: Use OpenAI for common AI Operations</a:t>
             </a:r>
           </a:p>
           <a:p>
@@ -11046,7 +11449,7 @@
         </p:nvSpPr>
         <p:spPr>
           <a:xfrm>
-            <a:off x="203200" y="876300"/>
+            <a:off x="152400" y="791584"/>
             <a:ext cx="7416800" cy="5105400"/>
           </a:xfrm>
         </p:spPr>
@@ -11055,142 +11458,177 @@
           <a:lstStyle/>
           <a:p>
             <a:r>
-              <a:rPr lang="en-US" sz="1400" dirty="0"/>
+              <a:rPr lang="en-US" sz="1300" dirty="0"/>
               <a:t>Uses </a:t>
             </a:r>
             <a:r>
-              <a:rPr lang="en-US" sz="1400" dirty="0" err="1"/>
+              <a:rPr lang="en-US" sz="1300" dirty="0" err="1"/>
               <a:t>Markdig</a:t>
             </a:r>
             <a:r>
-              <a:rPr lang="en-US" sz="1400" dirty="0"/>
+              <a:rPr lang="en-US" sz="1300" dirty="0"/>
               <a:t> Third Party Library</a:t>
             </a:r>
           </a:p>
           <a:p>
             <a:pPr lvl="1"/>
             <a:r>
-              <a:rPr lang="en-US" sz="1400" dirty="0"/>
+              <a:rPr lang="en-US" sz="1300" dirty="0"/>
               <a:t>Widely used in 3</a:t>
             </a:r>
             <a:r>
-              <a:rPr lang="en-US" sz="1400" baseline="30000" dirty="0"/>
+              <a:rPr lang="en-US" sz="1300" baseline="30000" dirty="0"/>
               <a:t>rd</a:t>
             </a:r>
             <a:r>
-              <a:rPr lang="en-US" sz="1400" dirty="0"/>
+              <a:rPr lang="en-US" sz="1300" dirty="0"/>
               <a:t> party and Microsoft applications</a:t>
             </a:r>
           </a:p>
           <a:p>
             <a:pPr lvl="1"/>
             <a:r>
-              <a:rPr lang="en-US" sz="1400" dirty="0"/>
+              <a:rPr lang="en-US" sz="1300" dirty="0"/>
               <a:t>Using an older 2018 version for single DLL dependency</a:t>
             </a:r>
           </a:p>
           <a:p>
             <a:r>
-              <a:rPr lang="en-US" sz="1400" dirty="0"/>
+              <a:rPr lang="en-US" sz="1300" dirty="0"/>
               <a:t>Markdown </a:t>
             </a:r>
           </a:p>
           <a:p>
             <a:pPr lvl="1"/>
             <a:r>
-              <a:rPr lang="en-US" sz="1400" dirty="0"/>
+              <a:rPr lang="en-US" sz="1300" dirty="0"/>
               <a:t>Powerful text format for creating HTML content</a:t>
             </a:r>
           </a:p>
           <a:p>
             <a:pPr lvl="1"/>
             <a:r>
-              <a:rPr lang="en-US" sz="1400" dirty="0"/>
-              <a:t>Plain text format – easy to type on keyboard</a:t>
-            </a:r>
-          </a:p>
-          <a:p>
-            <a:pPr lvl="1"/>
-            <a:r>
-              <a:rPr lang="en-US" sz="1400" dirty="0"/>
+              <a:rPr lang="en-US" sz="1300" dirty="0"/>
+              <a:t>Renders plain text format -&gt; HTML</a:t>
+            </a:r>
+          </a:p>
+          <a:p>
+            <a:pPr lvl="1"/>
+            <a:r>
+              <a:rPr lang="en-US" sz="1300" dirty="0"/>
               <a:t>Widely used – GitHub, Blogs, Support, Documentation, Wikis</a:t>
             </a:r>
           </a:p>
           <a:p>
             <a:pPr lvl="1"/>
             <a:r>
-              <a:rPr lang="en-US" sz="1400" dirty="0"/>
-              <a:t>Converts to HTML using Parser (CommonMark.NET)</a:t>
-            </a:r>
-          </a:p>
-          <a:p>
-            <a:r>
-              <a:rPr lang="en-US" sz="1400" dirty="0"/>
+              <a:rPr lang="en-US" sz="1300" dirty="0"/>
+              <a:t>Converts to HTML using Parser (</a:t>
+            </a:r>
+            <a:r>
+              <a:rPr lang="en-US" sz="1300" dirty="0" err="1"/>
+              <a:t>Markdig</a:t>
+            </a:r>
+            <a:r>
+              <a:rPr lang="en-US" sz="1300" dirty="0"/>
+              <a:t>)</a:t>
+            </a:r>
+          </a:p>
+          <a:p>
+            <a:r>
+              <a:rPr lang="en-US" sz="1300" dirty="0"/>
               <a:t>Useful for</a:t>
             </a:r>
           </a:p>
           <a:p>
             <a:pPr lvl="1"/>
             <a:r>
-              <a:rPr lang="en-US" sz="1400" dirty="0"/>
+              <a:rPr lang="en-US" sz="1300" dirty="0"/>
               <a:t>Formatted Memo Text input in Web applications</a:t>
             </a:r>
           </a:p>
           <a:p>
             <a:pPr lvl="1"/>
             <a:r>
-              <a:rPr lang="en-US" sz="1400" dirty="0"/>
+              <a:rPr lang="en-US" sz="1300" dirty="0"/>
               <a:t>Documentation </a:t>
             </a:r>
           </a:p>
           <a:p>
             <a:pPr lvl="1"/>
             <a:r>
-              <a:rPr lang="en-US" sz="1400" dirty="0"/>
+              <a:rPr lang="en-US" sz="1300" dirty="0"/>
               <a:t>Used in: Message Board, Help Builder, Markdown Monster</a:t>
             </a:r>
           </a:p>
           <a:p>
             <a:r>
-              <a:rPr lang="en-US" sz="1400" dirty="0"/>
+              <a:rPr lang="en-US" sz="1300" dirty="0"/>
+              <a:t>Add HTML Templating</a:t>
+            </a:r>
+          </a:p>
+          <a:p>
+            <a:pPr lvl="1"/>
+            <a:r>
+              <a:rPr lang="en-US" sz="1300" dirty="0"/>
+              <a:t>Markdown renders ‘raw’ HTML fragment</a:t>
+            </a:r>
+          </a:p>
+          <a:p>
+            <a:pPr lvl="1"/>
+            <a:r>
+              <a:rPr lang="en-US" sz="1300" dirty="0"/>
+              <a:t>You need a page to make Markdown look nice</a:t>
+            </a:r>
+          </a:p>
+          <a:p>
+            <a:pPr lvl="1"/>
+            <a:r>
+              <a:rPr lang="en-US" sz="1300" dirty="0"/>
+              <a:t>Use Templating to flow Markdown into consistent styling</a:t>
+            </a:r>
+          </a:p>
+          <a:p>
+            <a:r>
+              <a:rPr lang="en-US" sz="1300" dirty="0"/>
               <a:t>Demonstrates</a:t>
             </a:r>
           </a:p>
           <a:p>
             <a:pPr lvl="1"/>
             <a:r>
-              <a:rPr lang="en-US" sz="1400" dirty="0"/>
+              <a:rPr lang="en-US" sz="1300" dirty="0"/>
               <a:t>Interfacing with a third party library</a:t>
             </a:r>
           </a:p>
           <a:p>
             <a:pPr lvl="1"/>
             <a:r>
-              <a:rPr lang="en-US" sz="1400" dirty="0"/>
+              <a:rPr lang="en-US" sz="1300" dirty="0"/>
               <a:t>Creating a FoxPro wrapper class that manages lifetime</a:t>
             </a:r>
           </a:p>
           <a:p>
             <a:pPr lvl="1"/>
-            <a:endParaRPr lang="en-US" sz="1400" dirty="0"/>
+            <a:endParaRPr lang="en-US" sz="1300" dirty="0"/>
           </a:p>
           <a:p>
             <a:pPr marL="457200" lvl="1" indent="0">
               <a:buNone/>
             </a:pPr>
             <a:r>
-              <a:rPr lang="en-US" sz="1400" dirty="0">
+              <a:rPr lang="en-US" sz="1300" dirty="0">
                 <a:hlinkClick r:id="rId2"/>
               </a:rPr>
               <a:t>https://github.com/xoofx/markdig</a:t>
             </a:r>
-            <a:endParaRPr lang="en-US" sz="1400" dirty="0"/>
+            <a:endParaRPr lang="en-US" sz="1300" dirty="0"/>
           </a:p>
           <a:p>
             <a:pPr marL="457200" lvl="1" indent="0">
               <a:buNone/>
             </a:pPr>
-            <a:endParaRPr lang="en-US" sz="1400" dirty="0"/>
+            <a:endParaRPr lang="en-US" sz="1300" dirty="0"/>
           </a:p>
         </p:txBody>
       </p:sp>
@@ -11262,7 +11700,7 @@
           <p:cNvPr id="2" name="Title 1">
             <a:extLst>
               <a:ext uri="{FF2B5EF4-FFF2-40B4-BE49-F238E27FC236}">
-                <a16:creationId xmlns:a16="http://schemas.microsoft.com/office/drawing/2014/main" id="{CF32995D-75D2-E0B3-28A4-BD8F7E11C42B}"/>
+                <a16:creationId xmlns:a16="http://schemas.microsoft.com/office/drawing/2014/main" id="{C1DB781B-7797-E8CE-8F85-D4288CF1E11E}"/>
               </a:ext>
             </a:extLst>
           </p:cNvPr>
@@ -11279,8 +11717,12 @@
           <a:lstStyle/>
           <a:p>
             <a:r>
-              <a:rPr lang="en-US" sz="2400" dirty="0"/>
-              <a:t>Two-Factor Authentication</a:t>
+              <a:rPr lang="en-US" sz="2000" dirty="0"/>
+              <a:t>Html Templates to Render Markdown </a:t>
+            </a:r>
+            <a:r>
+              <a:rPr lang="en-US" sz="1200" b="0" dirty="0"/>
+              <a:t>(continued)</a:t>
             </a:r>
           </a:p>
         </p:txBody>
@@ -11290,7 +11732,7 @@
           <p:cNvPr id="3" name="Text Placeholder 2">
             <a:extLst>
               <a:ext uri="{FF2B5EF4-FFF2-40B4-BE49-F238E27FC236}">
-                <a16:creationId xmlns:a16="http://schemas.microsoft.com/office/drawing/2014/main" id="{C548A9B5-164A-5BCC-0BE9-39D839B1284A}"/>
+                <a16:creationId xmlns:a16="http://schemas.microsoft.com/office/drawing/2014/main" id="{E02BEF82-0216-6789-ECC0-3F125C074502}"/>
               </a:ext>
             </a:extLst>
           </p:cNvPr>
@@ -11303,7 +11745,7 @@
         </p:nvSpPr>
         <p:spPr>
           <a:xfrm>
-            <a:off x="203200" y="876300"/>
+            <a:off x="203200" y="762000"/>
             <a:ext cx="11480800" cy="5105400"/>
           </a:xfrm>
         </p:spPr>
@@ -11312,156 +11754,200 @@
           <a:lstStyle/>
           <a:p>
             <a:r>
-              <a:rPr lang="en-US" sz="1600" dirty="0"/>
-              <a:t>Two Factor Authentication</a:t>
-            </a:r>
-          </a:p>
-          <a:p>
-            <a:pPr lvl="1"/>
-            <a:r>
-              <a:rPr lang="en-US" sz="1400" dirty="0"/>
-              <a:t>Used on Web Sites for second level authentication</a:t>
-            </a:r>
-          </a:p>
-          <a:p>
-            <a:pPr lvl="1"/>
-            <a:r>
-              <a:rPr lang="en-US" sz="1400" dirty="0"/>
-              <a:t>Typically generates a QR Code to setup</a:t>
-            </a:r>
-          </a:p>
-          <a:p>
-            <a:pPr lvl="1"/>
-            <a:r>
-              <a:rPr lang="en-US" sz="1400" dirty="0"/>
-              <a:t>Uses an Authenticator app to validate codes</a:t>
-            </a:r>
-          </a:p>
-          <a:p>
-            <a:pPr lvl="1"/>
-            <a:r>
-              <a:rPr lang="en-US" sz="1400" dirty="0"/>
-              <a:t>Included sample provides the tools to handle</a:t>
-            </a:r>
-            <a:br>
-              <a:rPr lang="en-US" sz="1400" dirty="0"/>
-            </a:br>
-            <a:r>
-              <a:rPr lang="en-US" sz="1400" dirty="0"/>
-              <a:t>setup and validation in your applications</a:t>
-            </a:r>
-          </a:p>
-          <a:p>
-            <a:r>
-              <a:rPr lang="en-US" sz="1400" dirty="0"/>
-              <a:t>.NET </a:t>
-            </a:r>
-            <a:r>
-              <a:rPr lang="en-US" sz="1400" dirty="0" err="1"/>
-              <a:t>Google.Authenticator</a:t>
-            </a:r>
-            <a:r>
-              <a:rPr lang="en-US" sz="1400" dirty="0"/>
-              <a:t> Library</a:t>
-            </a:r>
-          </a:p>
-          <a:p>
-            <a:pPr lvl="1"/>
-            <a:r>
-              <a:rPr lang="en-US" sz="1400" dirty="0"/>
-              <a:t>Can create QR Code and Setup Code </a:t>
-            </a:r>
-          </a:p>
-          <a:p>
-            <a:pPr lvl="1"/>
-            <a:r>
-              <a:rPr lang="en-US" sz="1400" dirty="0"/>
-              <a:t>Generates a Setup key</a:t>
-            </a:r>
-          </a:p>
-          <a:p>
-            <a:pPr lvl="1"/>
-            <a:r>
-              <a:rPr lang="en-US" sz="1400" dirty="0"/>
-              <a:t>Can validate a generated key against Setup Key</a:t>
-            </a:r>
-          </a:p>
-          <a:p>
-            <a:pPr lvl="1"/>
-            <a:r>
-              <a:rPr lang="en-US" sz="1400" dirty="0"/>
-              <a:t>Despite its name works with </a:t>
-            </a:r>
-            <a:r>
-              <a:rPr lang="en-US" sz="1400" b="1" dirty="0">
-                <a:solidFill>
-                  <a:srgbClr val="FFFF99"/>
-                </a:solidFill>
+              <a:rPr lang="en-US" sz="1500" dirty="0"/>
+              <a:t>Template for Nice Html Output</a:t>
+            </a:r>
+          </a:p>
+          <a:p>
+            <a:pPr lvl="1"/>
+            <a:r>
+              <a:rPr lang="en-US" sz="1500" dirty="0"/>
+              <a:t>Markdown produces a raw HTML fragment</a:t>
+            </a:r>
+          </a:p>
+          <a:p>
+            <a:pPr lvl="1"/>
+            <a:r>
+              <a:rPr lang="en-US" sz="1500" dirty="0"/>
+              <a:t>On it’s </a:t>
+            </a:r>
+            <a:r>
+              <a:rPr lang="en-US" sz="1500" dirty="0" err="1"/>
+              <a:t>it’s</a:t>
+            </a:r>
+            <a:r>
+              <a:rPr lang="en-US" sz="1500" dirty="0"/>
+              <a:t> own it’s pretty ugly</a:t>
+            </a:r>
+          </a:p>
+          <a:p>
+            <a:pPr lvl="1"/>
+            <a:r>
+              <a:rPr lang="en-US" sz="1500" dirty="0"/>
+              <a:t>Use a template or Web Page that includes CSS styling</a:t>
+            </a:r>
+          </a:p>
+          <a:p>
+            <a:pPr lvl="1"/>
+            <a:r>
+              <a:rPr lang="en-US" sz="1500" dirty="0"/>
+              <a:t>Handle Code Snippet formatting</a:t>
+            </a:r>
+          </a:p>
+          <a:p>
+            <a:r>
+              <a:rPr lang="en-US" sz="1500" dirty="0"/>
+              <a:t>Integrated into Web Content</a:t>
+            </a:r>
+          </a:p>
+          <a:p>
+            <a:pPr lvl="1"/>
+            <a:r>
+              <a:rPr lang="en-US" sz="1500" dirty="0"/>
+              <a:t>If you are using a Web app, apply app styles</a:t>
+            </a:r>
+          </a:p>
+          <a:p>
+            <a:pPr lvl="1"/>
+            <a:r>
+              <a:rPr lang="en-US" sz="1500" dirty="0"/>
+              <a:t>Styling is applied from Application Styles</a:t>
+            </a:r>
+          </a:p>
+          <a:p>
+            <a:pPr lvl="1"/>
+            <a:r>
+              <a:rPr lang="en-US" sz="1500" dirty="0"/>
+              <a:t>Add Markdown specific styling if necessary (code, quotes etc.)</a:t>
+            </a:r>
+          </a:p>
+          <a:p>
+            <a:r>
+              <a:rPr lang="en-US" sz="1500" dirty="0"/>
+              <a:t>For Desktop use local Html Templates</a:t>
+            </a:r>
+          </a:p>
+          <a:p>
+            <a:pPr lvl="1"/>
+            <a:r>
+              <a:rPr lang="en-US" sz="1500" dirty="0"/>
+              <a:t>Create an Html Page template that includes styling</a:t>
+            </a:r>
+          </a:p>
+          <a:p>
+            <a:pPr lvl="1"/>
+            <a:r>
+              <a:rPr lang="en-US" sz="1500" dirty="0"/>
+              <a:t>Render HTML into the template</a:t>
+            </a:r>
+          </a:p>
+          <a:p>
+            <a:pPr lvl="1"/>
+            <a:r>
+              <a:rPr lang="en-US" sz="1500" dirty="0"/>
+              <a:t>Beware of </a:t>
+            </a:r>
+            <a:r>
+              <a:rPr lang="en-US" sz="1500" dirty="0" err="1">
+                <a:latin typeface="Consolas" panose="020B0609020204030204" pitchFamily="49" charset="0"/>
               </a:rPr>
-              <a:t>ANY</a:t>
-            </a:r>
-            <a:r>
-              <a:rPr lang="en-US" sz="1400" dirty="0"/>
-              <a:t> authenticator</a:t>
-            </a:r>
-            <a:br>
-              <a:rPr lang="en-US" sz="1400" dirty="0"/>
-            </a:br>
-            <a:r>
-              <a:rPr lang="en-US" sz="1400" i="1" dirty="0"/>
-              <a:t>Authy, 1Password, Microsoft Authenticator, Google Authenticator etc.</a:t>
-            </a:r>
-          </a:p>
-          <a:p>
-            <a:r>
-              <a:rPr lang="en-US" sz="1400" dirty="0"/>
-              <a:t>Invoke Directly from FoxPro</a:t>
-            </a:r>
-          </a:p>
-          <a:p>
-            <a:pPr lvl="1"/>
-            <a:r>
-              <a:rPr lang="en-US" sz="1400" dirty="0"/>
-              <a:t>Library has a simple interface</a:t>
-            </a:r>
-          </a:p>
-          <a:p>
-            <a:pPr lvl="1"/>
-            <a:r>
-              <a:rPr lang="en-US" sz="1400" dirty="0"/>
-              <a:t>Direct calls from FoxPro</a:t>
-            </a:r>
-          </a:p>
-          <a:p>
-            <a:pPr lvl="1"/>
-            <a:r>
-              <a:rPr lang="en-US" sz="1400" dirty="0"/>
-              <a:t>Use HTML to display QR Code</a:t>
-            </a:r>
-          </a:p>
-          <a:p>
-            <a:endParaRPr lang="en-US" sz="1400" dirty="0"/>
+              <a:t>TextMerge</a:t>
+            </a:r>
+            <a:r>
+              <a:rPr lang="en-US" sz="1500" dirty="0">
+                <a:latin typeface="Consolas" panose="020B0609020204030204" pitchFamily="49" charset="0"/>
+              </a:rPr>
+              <a:t>()</a:t>
+            </a:r>
+            <a:r>
+              <a:rPr lang="en-US" sz="1500" dirty="0"/>
+              <a:t> - mangles linefeeds</a:t>
+            </a:r>
+          </a:p>
+          <a:p>
+            <a:pPr lvl="1"/>
+            <a:r>
+              <a:rPr lang="en-US" sz="1500" dirty="0"/>
+              <a:t>Instead  use </a:t>
+            </a:r>
+            <a:r>
+              <a:rPr lang="en-US" sz="1500" dirty="0" err="1"/>
+              <a:t>RegEx</a:t>
+            </a:r>
+            <a:r>
+              <a:rPr lang="en-US" sz="1500" dirty="0"/>
+              <a:t> or </a:t>
+            </a:r>
+            <a:r>
+              <a:rPr lang="en-US" sz="1500" dirty="0" err="1">
+                <a:latin typeface="Consolas" panose="020B0609020204030204" pitchFamily="49" charset="0"/>
+              </a:rPr>
+              <a:t>StrTran</a:t>
+            </a:r>
+            <a:r>
+              <a:rPr lang="en-US" sz="1500" dirty="0">
+                <a:latin typeface="Consolas" panose="020B0609020204030204" pitchFamily="49" charset="0"/>
+              </a:rPr>
+              <a:t>() </a:t>
+            </a:r>
+            <a:r>
+              <a:rPr lang="en-US" sz="1500" dirty="0"/>
+              <a:t>to replace content</a:t>
+            </a:r>
           </a:p>
           <a:p>
             <a:pPr marL="457200" lvl="1" indent="0">
               <a:buNone/>
             </a:pPr>
             <a:r>
-              <a:rPr lang="en-US" sz="1400" dirty="0">
-                <a:hlinkClick r:id="rId2"/>
-              </a:rPr>
-              <a:t>https://github.com/BrandonPotter/GoogleAuthenticator</a:t>
-            </a:r>
-            <a:endParaRPr lang="en-US" sz="1400" dirty="0"/>
+              <a:rPr lang="en-US" sz="1500" dirty="0"/>
+              <a:t>	</a:t>
+            </a:r>
+          </a:p>
+          <a:p>
+            <a:pPr marL="0" indent="0">
+              <a:buNone/>
+            </a:pPr>
+            <a:endParaRPr lang="en-US" sz="1500" dirty="0"/>
           </a:p>
         </p:txBody>
       </p:sp>
       <p:pic>
         <p:nvPicPr>
-          <p:cNvPr id="15" name="Picture 14">
+          <p:cNvPr id="5" name="Picture 4">
             <a:extLst>
               <a:ext uri="{FF2B5EF4-FFF2-40B4-BE49-F238E27FC236}">
-                <a16:creationId xmlns:a16="http://schemas.microsoft.com/office/drawing/2014/main" id="{84596B72-57DE-4CB7-8239-EB2362E2B048}"/>
+                <a16:creationId xmlns:a16="http://schemas.microsoft.com/office/drawing/2014/main" id="{F44AA642-95A7-3A97-EA30-E2A202ADDFB0}"/>
+              </a:ext>
+            </a:extLst>
+          </p:cNvPr>
+          <p:cNvPicPr>
+            <a:picLocks noChangeAspect="1"/>
+          </p:cNvPicPr>
+          <p:nvPr/>
+        </p:nvPicPr>
+        <p:blipFill>
+          <a:blip r:embed="rId2"/>
+          <a:stretch>
+            <a:fillRect/>
+          </a:stretch>
+        </p:blipFill>
+        <p:spPr>
+          <a:xfrm>
+            <a:off x="7723991" y="0"/>
+            <a:ext cx="4473240" cy="4385402"/>
+          </a:xfrm>
+          <a:prstGeom prst="rect">
+            <a:avLst/>
+          </a:prstGeom>
+        </p:spPr>
+      </p:pic>
+      <p:pic>
+        <p:nvPicPr>
+          <p:cNvPr id="9" name="Picture 8">
+            <a:extLst>
+              <a:ext uri="{FF2B5EF4-FFF2-40B4-BE49-F238E27FC236}">
+                <a16:creationId xmlns:a16="http://schemas.microsoft.com/office/drawing/2014/main" id="{460BA3B3-5439-5C79-CCCA-D89E049EF54B}"/>
               </a:ext>
             </a:extLst>
           </p:cNvPr>
@@ -11478,68 +11964,8 @@
         </p:blipFill>
         <p:spPr>
           <a:xfrm>
-            <a:off x="8222545" y="0"/>
-            <a:ext cx="3969455" cy="2057400"/>
-          </a:xfrm>
-          <a:prstGeom prst="rect">
-            <a:avLst/>
-          </a:prstGeom>
-        </p:spPr>
-      </p:pic>
-      <p:pic>
-        <p:nvPicPr>
-          <p:cNvPr id="17" name="Picture 16">
-            <a:extLst>
-              <a:ext uri="{FF2B5EF4-FFF2-40B4-BE49-F238E27FC236}">
-                <a16:creationId xmlns:a16="http://schemas.microsoft.com/office/drawing/2014/main" id="{EB2A4E14-0DC2-753A-D56F-83CD78503B1E}"/>
-              </a:ext>
-            </a:extLst>
-          </p:cNvPr>
-          <p:cNvPicPr>
-            <a:picLocks noChangeAspect="1"/>
-          </p:cNvPicPr>
-          <p:nvPr/>
-        </p:nvPicPr>
-        <p:blipFill>
-          <a:blip r:embed="rId4"/>
-          <a:stretch>
-            <a:fillRect/>
-          </a:stretch>
-        </p:blipFill>
-        <p:spPr>
-          <a:xfrm>
-            <a:off x="8218238" y="2092873"/>
-            <a:ext cx="3969455" cy="4765127"/>
-          </a:xfrm>
-          <a:prstGeom prst="rect">
-            <a:avLst/>
-          </a:prstGeom>
-        </p:spPr>
-      </p:pic>
-      <p:pic>
-        <p:nvPicPr>
-          <p:cNvPr id="21" name="Picture 20">
-            <a:extLst>
-              <a:ext uri="{FF2B5EF4-FFF2-40B4-BE49-F238E27FC236}">
-                <a16:creationId xmlns:a16="http://schemas.microsoft.com/office/drawing/2014/main" id="{2D008E63-DBBA-CDBE-C18E-AA3EB96F0A20}"/>
-              </a:ext>
-            </a:extLst>
-          </p:cNvPr>
-          <p:cNvPicPr>
-            <a:picLocks noChangeAspect="1"/>
-          </p:cNvPicPr>
-          <p:nvPr/>
-        </p:nvPicPr>
-        <p:blipFill>
-          <a:blip r:embed="rId5"/>
-          <a:stretch>
-            <a:fillRect/>
-          </a:stretch>
-        </p:blipFill>
-        <p:spPr>
-          <a:xfrm>
-            <a:off x="6708293" y="5934"/>
-            <a:ext cx="1509946" cy="1365665"/>
+            <a:off x="7718760" y="4402183"/>
+            <a:ext cx="4473240" cy="2455817"/>
           </a:xfrm>
           <a:prstGeom prst="rect">
             <a:avLst/>
@@ -11549,7 +11975,7 @@
     </p:spTree>
     <p:extLst>
       <p:ext uri="{BB962C8B-B14F-4D97-AF65-F5344CB8AC3E}">
-        <p14:creationId xmlns:p14="http://schemas.microsoft.com/office/powerpoint/2010/main" val="3713719989"/>
+        <p14:creationId xmlns:p14="http://schemas.microsoft.com/office/powerpoint/2010/main" val="3065799244"/>
       </p:ext>
     </p:extLst>
   </p:cSld>

--- a/Documents/Strahl-swFox2024-wwDotnetBridge-Revisited.pptx
+++ b/Documents/Strahl-swFox2024-wwDotnetBridge-Revisited.pptx
@@ -7803,9 +7803,21 @@
           </a:p>
           <a:p>
             <a:pPr lvl="1"/>
+            <a:endParaRPr lang="en-US" sz="1600" dirty="0"/>
+          </a:p>
+          <a:p>
+            <a:pPr lvl="1"/>
             <a:r>
               <a:rPr lang="en-US" sz="1600" dirty="0"/>
-              <a:t>Also distributed with:</a:t>
+              <a:t>Also distributed with </a:t>
+            </a:r>
+            <a:r>
+              <a:rPr lang="en-US" sz="1200" i="1" dirty="0"/>
+              <a:t>(commercial version)</a:t>
+            </a:r>
+            <a:r>
+              <a:rPr lang="en-US" sz="1600" dirty="0"/>
+              <a:t>:</a:t>
             </a:r>
           </a:p>
           <a:p>

--- a/Documents/Strahl-swFox2024-wwDotnetBridge-Revisited.pptx
+++ b/Documents/Strahl-swFox2024-wwDotnetBridge-Revisited.pptx
@@ -5,40 +5,42 @@
     <p:sldMasterId id="2147483651" r:id="rId1"/>
   </p:sldMasterIdLst>
   <p:notesMasterIdLst>
-    <p:notesMasterId r:id="rId30"/>
+    <p:notesMasterId r:id="rId32"/>
   </p:notesMasterIdLst>
   <p:handoutMasterIdLst>
-    <p:handoutMasterId r:id="rId31"/>
+    <p:handoutMasterId r:id="rId33"/>
   </p:handoutMasterIdLst>
   <p:sldIdLst>
     <p:sldId id="256" r:id="rId2"/>
     <p:sldId id="321" r:id="rId3"/>
-    <p:sldId id="306" r:id="rId4"/>
-    <p:sldId id="308" r:id="rId5"/>
-    <p:sldId id="322" r:id="rId6"/>
-    <p:sldId id="342" r:id="rId7"/>
-    <p:sldId id="343" r:id="rId8"/>
-    <p:sldId id="325" r:id="rId9"/>
-    <p:sldId id="351" r:id="rId10"/>
-    <p:sldId id="344" r:id="rId11"/>
-    <p:sldId id="347" r:id="rId12"/>
-    <p:sldId id="327" r:id="rId13"/>
-    <p:sldId id="329" r:id="rId14"/>
-    <p:sldId id="345" r:id="rId15"/>
-    <p:sldId id="348" r:id="rId16"/>
-    <p:sldId id="349" r:id="rId17"/>
-    <p:sldId id="346" r:id="rId18"/>
-    <p:sldId id="350" r:id="rId19"/>
-    <p:sldId id="336" r:id="rId20"/>
-    <p:sldId id="352" r:id="rId21"/>
-    <p:sldId id="335" r:id="rId22"/>
-    <p:sldId id="333" r:id="rId23"/>
-    <p:sldId id="337" r:id="rId24"/>
-    <p:sldId id="339" r:id="rId25"/>
-    <p:sldId id="338" r:id="rId26"/>
-    <p:sldId id="340" r:id="rId27"/>
-    <p:sldId id="297" r:id="rId28"/>
-    <p:sldId id="296" r:id="rId29"/>
+    <p:sldId id="353" r:id="rId4"/>
+    <p:sldId id="306" r:id="rId5"/>
+    <p:sldId id="354" r:id="rId6"/>
+    <p:sldId id="308" r:id="rId7"/>
+    <p:sldId id="322" r:id="rId8"/>
+    <p:sldId id="342" r:id="rId9"/>
+    <p:sldId id="343" r:id="rId10"/>
+    <p:sldId id="325" r:id="rId11"/>
+    <p:sldId id="351" r:id="rId12"/>
+    <p:sldId id="344" r:id="rId13"/>
+    <p:sldId id="347" r:id="rId14"/>
+    <p:sldId id="327" r:id="rId15"/>
+    <p:sldId id="329" r:id="rId16"/>
+    <p:sldId id="345" r:id="rId17"/>
+    <p:sldId id="348" r:id="rId18"/>
+    <p:sldId id="349" r:id="rId19"/>
+    <p:sldId id="346" r:id="rId20"/>
+    <p:sldId id="350" r:id="rId21"/>
+    <p:sldId id="336" r:id="rId22"/>
+    <p:sldId id="352" r:id="rId23"/>
+    <p:sldId id="335" r:id="rId24"/>
+    <p:sldId id="333" r:id="rId25"/>
+    <p:sldId id="337" r:id="rId26"/>
+    <p:sldId id="339" r:id="rId27"/>
+    <p:sldId id="338" r:id="rId28"/>
+    <p:sldId id="340" r:id="rId29"/>
+    <p:sldId id="297" r:id="rId30"/>
+    <p:sldId id="296" r:id="rId31"/>
   </p:sldIdLst>
   <p:sldSz cx="12192000" cy="6858000"/>
   <p:notesSz cx="6858000" cy="9144000"/>
@@ -1101,7 +1103,7 @@
           <a:lstStyle/>
           <a:p>
             <a:pPr eaLnBrk="1" hangingPunct="1"/>
-            <a:endParaRPr lang="en-US"/>
+            <a:endParaRPr lang="en-US" dirty="0"/>
           </a:p>
         </p:txBody>
       </p:sp>
@@ -1184,7 +1186,7 @@
               <a:pPr>
                 <a:defRPr/>
               </a:pPr>
-              <a:t>6</a:t>
+              <a:t>8</a:t>
             </a:fld>
             <a:endParaRPr lang="en-US"/>
           </a:p>
@@ -3480,11 +3482,19 @@
           <a:p>
             <a:pPr eaLnBrk="1" hangingPunct="1"/>
             <a:r>
-              <a:rPr lang="en-US" sz="4000" dirty="0" err="1"/>
+              <a:rPr lang="en-US" sz="4000" dirty="0" err="1">
+                <a:solidFill>
+                  <a:srgbClr val="FFC000"/>
+                </a:solidFill>
+              </a:rPr>
               <a:t>wwDotnetBridge</a:t>
             </a:r>
             <a:r>
-              <a:rPr lang="en-US" sz="4000" dirty="0"/>
+              <a:rPr lang="en-US" sz="4000" dirty="0">
+                <a:solidFill>
+                  <a:srgbClr val="FFC000"/>
+                </a:solidFill>
+              </a:rPr>
               <a:t> Revisited</a:t>
             </a:r>
             <a:br>
@@ -3694,6 +3704,596 @@
 </file>
 
 <file path=ppt/slides/slide10.xml><?xml version="1.0" encoding="utf-8"?>
+<p:sld xmlns:a="http://schemas.openxmlformats.org/drawingml/2006/main" xmlns:r="http://schemas.openxmlformats.org/officeDocument/2006/relationships" xmlns:p="http://schemas.openxmlformats.org/presentationml/2006/main">
+  <p:cSld>
+    <p:spTree>
+      <p:nvGrpSpPr>
+        <p:cNvPr id="1" name=""/>
+        <p:cNvGrpSpPr/>
+        <p:nvPr/>
+      </p:nvGrpSpPr>
+      <p:grpSpPr>
+        <a:xfrm>
+          <a:off x="0" y="0"/>
+          <a:ext cx="0" cy="0"/>
+          <a:chOff x="0" y="0"/>
+          <a:chExt cx="0" cy="0"/>
+        </a:xfrm>
+      </p:grpSpPr>
+      <p:sp>
+        <p:nvSpPr>
+          <p:cNvPr id="2" name="Title 1"/>
+          <p:cNvSpPr>
+            <a:spLocks noGrp="1"/>
+          </p:cNvSpPr>
+          <p:nvPr>
+            <p:ph type="title"/>
+          </p:nvPr>
+        </p:nvSpPr>
+        <p:spPr/>
+        <p:txBody>
+          <a:bodyPr/>
+          <a:lstStyle/>
+          <a:p>
+            <a:r>
+              <a:rPr lang="en-US"/>
+              <a:t>Markdown Parsing</a:t>
+            </a:r>
+          </a:p>
+        </p:txBody>
+      </p:sp>
+      <p:sp>
+        <p:nvSpPr>
+          <p:cNvPr id="3" name="Text Placeholder 2"/>
+          <p:cNvSpPr>
+            <a:spLocks noGrp="1"/>
+          </p:cNvSpPr>
+          <p:nvPr>
+            <p:ph type="body" idx="1"/>
+          </p:nvPr>
+        </p:nvSpPr>
+        <p:spPr>
+          <a:xfrm>
+            <a:off x="152400" y="791584"/>
+            <a:ext cx="7416800" cy="5105400"/>
+          </a:xfrm>
+        </p:spPr>
+        <p:txBody>
+          <a:bodyPr/>
+          <a:lstStyle/>
+          <a:p>
+            <a:r>
+              <a:rPr lang="en-US" sz="1300" dirty="0"/>
+              <a:t>Uses </a:t>
+            </a:r>
+            <a:r>
+              <a:rPr lang="en-US" sz="1300" dirty="0" err="1"/>
+              <a:t>Markdig</a:t>
+            </a:r>
+            <a:r>
+              <a:rPr lang="en-US" sz="1300" dirty="0"/>
+              <a:t> Third Party Library</a:t>
+            </a:r>
+          </a:p>
+          <a:p>
+            <a:pPr lvl="1"/>
+            <a:r>
+              <a:rPr lang="en-US" sz="1300" dirty="0"/>
+              <a:t>Widely used in 3</a:t>
+            </a:r>
+            <a:r>
+              <a:rPr lang="en-US" sz="1300" baseline="30000" dirty="0"/>
+              <a:t>rd</a:t>
+            </a:r>
+            <a:r>
+              <a:rPr lang="en-US" sz="1300" dirty="0"/>
+              <a:t> party and Microsoft applications</a:t>
+            </a:r>
+          </a:p>
+          <a:p>
+            <a:pPr lvl="1"/>
+            <a:r>
+              <a:rPr lang="en-US" sz="1300" dirty="0"/>
+              <a:t>Using an older 2018 version for single DLL dependency</a:t>
+            </a:r>
+          </a:p>
+          <a:p>
+            <a:r>
+              <a:rPr lang="en-US" sz="1300" dirty="0"/>
+              <a:t>Markdown </a:t>
+            </a:r>
+          </a:p>
+          <a:p>
+            <a:pPr lvl="1"/>
+            <a:r>
+              <a:rPr lang="en-US" sz="1300" dirty="0"/>
+              <a:t>Powerful text format for creating HTML content</a:t>
+            </a:r>
+          </a:p>
+          <a:p>
+            <a:pPr lvl="1"/>
+            <a:r>
+              <a:rPr lang="en-US" sz="1300" dirty="0"/>
+              <a:t>Renders plain text format -&gt; HTML</a:t>
+            </a:r>
+          </a:p>
+          <a:p>
+            <a:pPr lvl="1"/>
+            <a:r>
+              <a:rPr lang="en-US" sz="1300" dirty="0"/>
+              <a:t>Widely used – GitHub, Blogs, Support, Documentation, Wikis</a:t>
+            </a:r>
+          </a:p>
+          <a:p>
+            <a:pPr lvl="1"/>
+            <a:r>
+              <a:rPr lang="en-US" sz="1300" dirty="0"/>
+              <a:t>Converts to HTML using Parser (</a:t>
+            </a:r>
+            <a:r>
+              <a:rPr lang="en-US" sz="1300" dirty="0" err="1"/>
+              <a:t>Markdig</a:t>
+            </a:r>
+            <a:r>
+              <a:rPr lang="en-US" sz="1300" dirty="0"/>
+              <a:t>)</a:t>
+            </a:r>
+          </a:p>
+          <a:p>
+            <a:r>
+              <a:rPr lang="en-US" sz="1300" dirty="0"/>
+              <a:t>Useful for</a:t>
+            </a:r>
+          </a:p>
+          <a:p>
+            <a:pPr lvl="1"/>
+            <a:r>
+              <a:rPr lang="en-US" sz="1300" dirty="0"/>
+              <a:t>Formatted Memo Text input in Web applications</a:t>
+            </a:r>
+          </a:p>
+          <a:p>
+            <a:pPr lvl="1"/>
+            <a:r>
+              <a:rPr lang="en-US" sz="1300" dirty="0"/>
+              <a:t>Documentation </a:t>
+            </a:r>
+          </a:p>
+          <a:p>
+            <a:pPr lvl="1"/>
+            <a:r>
+              <a:rPr lang="en-US" sz="1300" dirty="0"/>
+              <a:t>Used in: Message Board, Help Builder, Markdown Monster</a:t>
+            </a:r>
+          </a:p>
+          <a:p>
+            <a:r>
+              <a:rPr lang="en-US" sz="1300" dirty="0"/>
+              <a:t>Add HTML Templating</a:t>
+            </a:r>
+          </a:p>
+          <a:p>
+            <a:pPr lvl="1"/>
+            <a:r>
+              <a:rPr lang="en-US" sz="1300" dirty="0"/>
+              <a:t>Markdown renders ‘raw’ HTML fragment</a:t>
+            </a:r>
+          </a:p>
+          <a:p>
+            <a:pPr lvl="1"/>
+            <a:r>
+              <a:rPr lang="en-US" sz="1300" dirty="0"/>
+              <a:t>You need a page to make Markdown look nice</a:t>
+            </a:r>
+          </a:p>
+          <a:p>
+            <a:pPr lvl="1"/>
+            <a:r>
+              <a:rPr lang="en-US" sz="1300" dirty="0"/>
+              <a:t>Use Templating to flow Markdown into consistent styling</a:t>
+            </a:r>
+          </a:p>
+          <a:p>
+            <a:r>
+              <a:rPr lang="en-US" sz="1300" dirty="0"/>
+              <a:t>Demonstrates</a:t>
+            </a:r>
+          </a:p>
+          <a:p>
+            <a:pPr lvl="1"/>
+            <a:r>
+              <a:rPr lang="en-US" sz="1300" dirty="0"/>
+              <a:t>Interfacing with a third party library</a:t>
+            </a:r>
+          </a:p>
+          <a:p>
+            <a:pPr lvl="1"/>
+            <a:r>
+              <a:rPr lang="en-US" sz="1300" dirty="0"/>
+              <a:t>Creating a FoxPro wrapper class that manages lifetime</a:t>
+            </a:r>
+          </a:p>
+          <a:p>
+            <a:pPr lvl="1"/>
+            <a:endParaRPr lang="en-US" sz="1300" dirty="0"/>
+          </a:p>
+          <a:p>
+            <a:pPr marL="457200" lvl="1" indent="0">
+              <a:buNone/>
+            </a:pPr>
+            <a:r>
+              <a:rPr lang="en-US" sz="1300" dirty="0">
+                <a:hlinkClick r:id="rId2"/>
+              </a:rPr>
+              <a:t>https://github.com/xoofx/markdig</a:t>
+            </a:r>
+            <a:endParaRPr lang="en-US" sz="1300" dirty="0"/>
+          </a:p>
+          <a:p>
+            <a:pPr marL="457200" lvl="1" indent="0">
+              <a:buNone/>
+            </a:pPr>
+            <a:endParaRPr lang="en-US" sz="1300" dirty="0"/>
+          </a:p>
+        </p:txBody>
+      </p:sp>
+      <p:pic>
+        <p:nvPicPr>
+          <p:cNvPr id="6" name="Picture 5">
+            <a:extLst>
+              <a:ext uri="{FF2B5EF4-FFF2-40B4-BE49-F238E27FC236}">
+                <a16:creationId xmlns:a16="http://schemas.microsoft.com/office/drawing/2014/main" id="{BF79DAD3-E030-6FDA-4DE6-802AB68D5423}"/>
+              </a:ext>
+            </a:extLst>
+          </p:cNvPr>
+          <p:cNvPicPr>
+            <a:picLocks noChangeAspect="1"/>
+          </p:cNvPicPr>
+          <p:nvPr/>
+        </p:nvPicPr>
+        <p:blipFill>
+          <a:blip r:embed="rId3"/>
+          <a:stretch>
+            <a:fillRect/>
+          </a:stretch>
+        </p:blipFill>
+        <p:spPr>
+          <a:xfrm>
+            <a:off x="6866167" y="2689"/>
+            <a:ext cx="5325833" cy="6858000"/>
+          </a:xfrm>
+          <a:prstGeom prst="rect">
+            <a:avLst/>
+          </a:prstGeom>
+        </p:spPr>
+      </p:pic>
+    </p:spTree>
+    <p:extLst>
+      <p:ext uri="{BB962C8B-B14F-4D97-AF65-F5344CB8AC3E}">
+        <p14:creationId xmlns:p14="http://schemas.microsoft.com/office/powerpoint/2010/main" val="1794224182"/>
+      </p:ext>
+    </p:extLst>
+  </p:cSld>
+  <p:clrMapOvr>
+    <a:masterClrMapping/>
+  </p:clrMapOvr>
+  <p:transition>
+    <p:wipe/>
+  </p:transition>
+</p:sld>
+</file>
+
+<file path=ppt/slides/slide11.xml><?xml version="1.0" encoding="utf-8"?>
+<p:sld xmlns:a="http://schemas.openxmlformats.org/drawingml/2006/main" xmlns:r="http://schemas.openxmlformats.org/officeDocument/2006/relationships" xmlns:p="http://schemas.openxmlformats.org/presentationml/2006/main">
+  <p:cSld>
+    <p:spTree>
+      <p:nvGrpSpPr>
+        <p:cNvPr id="1" name=""/>
+        <p:cNvGrpSpPr/>
+        <p:nvPr/>
+      </p:nvGrpSpPr>
+      <p:grpSpPr>
+        <a:xfrm>
+          <a:off x="0" y="0"/>
+          <a:ext cx="0" cy="0"/>
+          <a:chOff x="0" y="0"/>
+          <a:chExt cx="0" cy="0"/>
+        </a:xfrm>
+      </p:grpSpPr>
+      <p:sp>
+        <p:nvSpPr>
+          <p:cNvPr id="2" name="Title 1">
+            <a:extLst>
+              <a:ext uri="{FF2B5EF4-FFF2-40B4-BE49-F238E27FC236}">
+                <a16:creationId xmlns:a16="http://schemas.microsoft.com/office/drawing/2014/main" id="{C1DB781B-7797-E8CE-8F85-D4288CF1E11E}"/>
+              </a:ext>
+            </a:extLst>
+          </p:cNvPr>
+          <p:cNvSpPr>
+            <a:spLocks noGrp="1"/>
+          </p:cNvSpPr>
+          <p:nvPr>
+            <p:ph type="title"/>
+          </p:nvPr>
+        </p:nvSpPr>
+        <p:spPr/>
+        <p:txBody>
+          <a:bodyPr/>
+          <a:lstStyle/>
+          <a:p>
+            <a:r>
+              <a:rPr lang="en-US" sz="2000" dirty="0"/>
+              <a:t>Html Templates to Render Markdown </a:t>
+            </a:r>
+            <a:r>
+              <a:rPr lang="en-US" sz="1200" b="0" dirty="0"/>
+              <a:t>(continued)</a:t>
+            </a:r>
+          </a:p>
+        </p:txBody>
+      </p:sp>
+      <p:sp>
+        <p:nvSpPr>
+          <p:cNvPr id="3" name="Text Placeholder 2">
+            <a:extLst>
+              <a:ext uri="{FF2B5EF4-FFF2-40B4-BE49-F238E27FC236}">
+                <a16:creationId xmlns:a16="http://schemas.microsoft.com/office/drawing/2014/main" id="{E02BEF82-0216-6789-ECC0-3F125C074502}"/>
+              </a:ext>
+            </a:extLst>
+          </p:cNvPr>
+          <p:cNvSpPr>
+            <a:spLocks noGrp="1"/>
+          </p:cNvSpPr>
+          <p:nvPr>
+            <p:ph type="body" idx="1"/>
+          </p:nvPr>
+        </p:nvSpPr>
+        <p:spPr>
+          <a:xfrm>
+            <a:off x="203200" y="762000"/>
+            <a:ext cx="11480800" cy="5105400"/>
+          </a:xfrm>
+        </p:spPr>
+        <p:txBody>
+          <a:bodyPr/>
+          <a:lstStyle/>
+          <a:p>
+            <a:r>
+              <a:rPr lang="en-US" sz="1500" dirty="0"/>
+              <a:t>Template for Nice Html Output</a:t>
+            </a:r>
+          </a:p>
+          <a:p>
+            <a:pPr lvl="1"/>
+            <a:r>
+              <a:rPr lang="en-US" sz="1500" dirty="0"/>
+              <a:t>Markdown produces a raw HTML fragment</a:t>
+            </a:r>
+          </a:p>
+          <a:p>
+            <a:pPr lvl="1"/>
+            <a:r>
+              <a:rPr lang="en-US" sz="1500" dirty="0"/>
+              <a:t>On it’s </a:t>
+            </a:r>
+            <a:r>
+              <a:rPr lang="en-US" sz="1500" dirty="0" err="1"/>
+              <a:t>it’s</a:t>
+            </a:r>
+            <a:r>
+              <a:rPr lang="en-US" sz="1500" dirty="0"/>
+              <a:t> own it’s pretty ugly</a:t>
+            </a:r>
+          </a:p>
+          <a:p>
+            <a:pPr lvl="1"/>
+            <a:r>
+              <a:rPr lang="en-US" sz="1500" dirty="0"/>
+              <a:t>Use a template or Web Page that includes CSS styling</a:t>
+            </a:r>
+          </a:p>
+          <a:p>
+            <a:pPr lvl="1"/>
+            <a:r>
+              <a:rPr lang="en-US" sz="1500" dirty="0"/>
+              <a:t>Handle Code Snippet formatting</a:t>
+            </a:r>
+          </a:p>
+          <a:p>
+            <a:r>
+              <a:rPr lang="en-US" sz="1500" dirty="0"/>
+              <a:t>Integrated into Web Content</a:t>
+            </a:r>
+          </a:p>
+          <a:p>
+            <a:pPr lvl="1"/>
+            <a:r>
+              <a:rPr lang="en-US" sz="1500" dirty="0"/>
+              <a:t>If you are using a Web app, apply app styles</a:t>
+            </a:r>
+          </a:p>
+          <a:p>
+            <a:pPr lvl="1"/>
+            <a:r>
+              <a:rPr lang="en-US" sz="1500" dirty="0"/>
+              <a:t>Styling is applied from Application Styles</a:t>
+            </a:r>
+          </a:p>
+          <a:p>
+            <a:pPr lvl="1"/>
+            <a:r>
+              <a:rPr lang="en-US" sz="1500" dirty="0"/>
+              <a:t>Add Markdown specific styling if necessary (code, quotes etc.)</a:t>
+            </a:r>
+          </a:p>
+          <a:p>
+            <a:r>
+              <a:rPr lang="en-US" sz="1500" dirty="0"/>
+              <a:t>For Desktop use local Html Templates</a:t>
+            </a:r>
+          </a:p>
+          <a:p>
+            <a:pPr lvl="1"/>
+            <a:r>
+              <a:rPr lang="en-US" sz="1500" dirty="0"/>
+              <a:t>Create an Html Page template that includes styling</a:t>
+            </a:r>
+          </a:p>
+          <a:p>
+            <a:pPr lvl="1"/>
+            <a:r>
+              <a:rPr lang="en-US" sz="1500" dirty="0"/>
+              <a:t>Render HTML into the template</a:t>
+            </a:r>
+          </a:p>
+          <a:p>
+            <a:pPr lvl="1"/>
+            <a:r>
+              <a:rPr lang="en-US" sz="1500" dirty="0"/>
+              <a:t>Beware of </a:t>
+            </a:r>
+            <a:r>
+              <a:rPr lang="en-US" sz="1500" dirty="0" err="1">
+                <a:latin typeface="Consolas" panose="020B0609020204030204" pitchFamily="49" charset="0"/>
+              </a:rPr>
+              <a:t>TextMerge</a:t>
+            </a:r>
+            <a:r>
+              <a:rPr lang="en-US" sz="1500" dirty="0">
+                <a:latin typeface="Consolas" panose="020B0609020204030204" pitchFamily="49" charset="0"/>
+              </a:rPr>
+              <a:t>()</a:t>
+            </a:r>
+            <a:r>
+              <a:rPr lang="en-US" sz="1500" dirty="0"/>
+              <a:t> - mangles linefeeds</a:t>
+            </a:r>
+          </a:p>
+          <a:p>
+            <a:pPr lvl="1"/>
+            <a:r>
+              <a:rPr lang="en-US" sz="1500" dirty="0"/>
+              <a:t>Instead  use </a:t>
+            </a:r>
+            <a:r>
+              <a:rPr lang="en-US" sz="1500" dirty="0" err="1"/>
+              <a:t>RegEx</a:t>
+            </a:r>
+            <a:r>
+              <a:rPr lang="en-US" sz="1500" dirty="0"/>
+              <a:t> or </a:t>
+            </a:r>
+            <a:r>
+              <a:rPr lang="en-US" sz="1500" dirty="0" err="1">
+                <a:latin typeface="Consolas" panose="020B0609020204030204" pitchFamily="49" charset="0"/>
+              </a:rPr>
+              <a:t>StrTran</a:t>
+            </a:r>
+            <a:r>
+              <a:rPr lang="en-US" sz="1500" dirty="0">
+                <a:latin typeface="Consolas" panose="020B0609020204030204" pitchFamily="49" charset="0"/>
+              </a:rPr>
+              <a:t>() </a:t>
+            </a:r>
+            <a:r>
+              <a:rPr lang="en-US" sz="1500" dirty="0"/>
+              <a:t>to replace content</a:t>
+            </a:r>
+          </a:p>
+          <a:p>
+            <a:pPr marL="457200" lvl="1" indent="0">
+              <a:buNone/>
+            </a:pPr>
+            <a:r>
+              <a:rPr lang="en-US" sz="1500" dirty="0"/>
+              <a:t>	</a:t>
+            </a:r>
+          </a:p>
+          <a:p>
+            <a:pPr marL="0" indent="0">
+              <a:buNone/>
+            </a:pPr>
+            <a:endParaRPr lang="en-US" sz="1500" dirty="0"/>
+          </a:p>
+        </p:txBody>
+      </p:sp>
+      <p:pic>
+        <p:nvPicPr>
+          <p:cNvPr id="5" name="Picture 4">
+            <a:extLst>
+              <a:ext uri="{FF2B5EF4-FFF2-40B4-BE49-F238E27FC236}">
+                <a16:creationId xmlns:a16="http://schemas.microsoft.com/office/drawing/2014/main" id="{F44AA642-95A7-3A97-EA30-E2A202ADDFB0}"/>
+              </a:ext>
+            </a:extLst>
+          </p:cNvPr>
+          <p:cNvPicPr>
+            <a:picLocks noChangeAspect="1"/>
+          </p:cNvPicPr>
+          <p:nvPr/>
+        </p:nvPicPr>
+        <p:blipFill>
+          <a:blip r:embed="rId2"/>
+          <a:stretch>
+            <a:fillRect/>
+          </a:stretch>
+        </p:blipFill>
+        <p:spPr>
+          <a:xfrm>
+            <a:off x="7723991" y="0"/>
+            <a:ext cx="4473240" cy="4385402"/>
+          </a:xfrm>
+          <a:prstGeom prst="rect">
+            <a:avLst/>
+          </a:prstGeom>
+        </p:spPr>
+      </p:pic>
+      <p:pic>
+        <p:nvPicPr>
+          <p:cNvPr id="9" name="Picture 8">
+            <a:extLst>
+              <a:ext uri="{FF2B5EF4-FFF2-40B4-BE49-F238E27FC236}">
+                <a16:creationId xmlns:a16="http://schemas.microsoft.com/office/drawing/2014/main" id="{460BA3B3-5439-5C79-CCCA-D89E049EF54B}"/>
+              </a:ext>
+            </a:extLst>
+          </p:cNvPr>
+          <p:cNvPicPr>
+            <a:picLocks noChangeAspect="1"/>
+          </p:cNvPicPr>
+          <p:nvPr/>
+        </p:nvPicPr>
+        <p:blipFill>
+          <a:blip r:embed="rId3"/>
+          <a:stretch>
+            <a:fillRect/>
+          </a:stretch>
+        </p:blipFill>
+        <p:spPr>
+          <a:xfrm>
+            <a:off x="7718760" y="4402183"/>
+            <a:ext cx="4473240" cy="2455817"/>
+          </a:xfrm>
+          <a:prstGeom prst="rect">
+            <a:avLst/>
+          </a:prstGeom>
+        </p:spPr>
+      </p:pic>
+    </p:spTree>
+    <p:extLst>
+      <p:ext uri="{BB962C8B-B14F-4D97-AF65-F5344CB8AC3E}">
+        <p14:creationId xmlns:p14="http://schemas.microsoft.com/office/powerpoint/2010/main" val="3065799244"/>
+      </p:ext>
+    </p:extLst>
+  </p:cSld>
+  <p:clrMapOvr>
+    <a:masterClrMapping/>
+  </p:clrMapOvr>
+  <p:transition>
+    <p:wipe/>
+  </p:transition>
+</p:sld>
+</file>
+
+<file path=ppt/slides/slide12.xml><?xml version="1.0" encoding="utf-8"?>
 <p:sld xmlns:a="http://schemas.openxmlformats.org/drawingml/2006/main" xmlns:r="http://schemas.openxmlformats.org/officeDocument/2006/relationships" xmlns:p="http://schemas.openxmlformats.org/presentationml/2006/main">
   <p:cSld>
     <p:spTree>
@@ -4015,7 +4615,7 @@
 </p:sld>
 </file>
 
-<file path=ppt/slides/slide11.xml><?xml version="1.0" encoding="utf-8"?>
+<file path=ppt/slides/slide13.xml><?xml version="1.0" encoding="utf-8"?>
 <p:sld xmlns:a="http://schemas.openxmlformats.org/drawingml/2006/main" xmlns:r="http://schemas.openxmlformats.org/officeDocument/2006/relationships" xmlns:p="http://schemas.openxmlformats.org/presentationml/2006/main">
   <p:cSld>
     <p:spTree>
@@ -4171,7 +4771,7 @@
 </p:sld>
 </file>
 
-<file path=ppt/slides/slide12.xml><?xml version="1.0" encoding="utf-8"?>
+<file path=ppt/slides/slide14.xml><?xml version="1.0" encoding="utf-8"?>
 <p:sld xmlns:a="http://schemas.openxmlformats.org/drawingml/2006/main" xmlns:r="http://schemas.openxmlformats.org/officeDocument/2006/relationships" xmlns:p="http://schemas.openxmlformats.org/presentationml/2006/main">
   <p:cSld>
     <p:spTree>
@@ -4450,7 +5050,7 @@
 </p:sld>
 </file>
 
-<file path=ppt/slides/slide13.xml><?xml version="1.0" encoding="utf-8"?>
+<file path=ppt/slides/slide15.xml><?xml version="1.0" encoding="utf-8"?>
 <p:sld xmlns:a="http://schemas.openxmlformats.org/drawingml/2006/main" xmlns:r="http://schemas.openxmlformats.org/officeDocument/2006/relationships" xmlns:p="http://schemas.openxmlformats.org/presentationml/2006/main">
   <p:cSld>
     <p:spTree>
@@ -4749,7 +5349,7 @@
 </p:sld>
 </file>
 
-<file path=ppt/slides/slide14.xml><?xml version="1.0" encoding="utf-8"?>
+<file path=ppt/slides/slide16.xml><?xml version="1.0" encoding="utf-8"?>
 <p:sld xmlns:a="http://schemas.openxmlformats.org/drawingml/2006/main" xmlns:r="http://schemas.openxmlformats.org/officeDocument/2006/relationships" xmlns:p="http://schemas.openxmlformats.org/presentationml/2006/main">
   <p:cSld>
     <p:spTree>
@@ -5002,7 +5602,7 @@
 </p:sld>
 </file>
 
-<file path=ppt/slides/slide15.xml><?xml version="1.0" encoding="utf-8"?>
+<file path=ppt/slides/slide17.xml><?xml version="1.0" encoding="utf-8"?>
 <p:sld xmlns:a="http://schemas.openxmlformats.org/drawingml/2006/main" xmlns:r="http://schemas.openxmlformats.org/officeDocument/2006/relationships" xmlns:p="http://schemas.openxmlformats.org/presentationml/2006/main">
   <p:cSld>
     <p:spTree>
@@ -5281,7 +5881,7 @@
 </p:sld>
 </file>
 
-<file path=ppt/slides/slide16.xml><?xml version="1.0" encoding="utf-8"?>
+<file path=ppt/slides/slide18.xml><?xml version="1.0" encoding="utf-8"?>
 <p:sld xmlns:a="http://schemas.openxmlformats.org/drawingml/2006/main" xmlns:r="http://schemas.openxmlformats.org/officeDocument/2006/relationships" xmlns:p="http://schemas.openxmlformats.org/presentationml/2006/main">
   <p:cSld>
     <p:spTree>
@@ -5377,7 +5977,7 @@
 </p:sld>
 </file>
 
-<file path=ppt/slides/slide17.xml><?xml version="1.0" encoding="utf-8"?>
+<file path=ppt/slides/slide19.xml><?xml version="1.0" encoding="utf-8"?>
 <p:sld xmlns:a="http://schemas.openxmlformats.org/drawingml/2006/main" xmlns:r="http://schemas.openxmlformats.org/officeDocument/2006/relationships" xmlns:p="http://schemas.openxmlformats.org/presentationml/2006/main">
   <p:cSld>
     <p:spTree>
@@ -5624,7 +6224,154 @@
 </p:sld>
 </file>
 
-<file path=ppt/slides/slide18.xml><?xml version="1.0" encoding="utf-8"?>
+<file path=ppt/slides/slide2.xml><?xml version="1.0" encoding="utf-8"?>
+<p:sld xmlns:a="http://schemas.openxmlformats.org/drawingml/2006/main" xmlns:r="http://schemas.openxmlformats.org/officeDocument/2006/relationships" xmlns:p="http://schemas.openxmlformats.org/presentationml/2006/main">
+  <p:cSld>
+    <p:spTree>
+      <p:nvGrpSpPr>
+        <p:cNvPr id="1" name=""/>
+        <p:cNvGrpSpPr/>
+        <p:nvPr/>
+      </p:nvGrpSpPr>
+      <p:grpSpPr>
+        <a:xfrm>
+          <a:off x="0" y="0"/>
+          <a:ext cx="0" cy="0"/>
+          <a:chOff x="0" y="0"/>
+          <a:chExt cx="0" cy="0"/>
+        </a:xfrm>
+      </p:grpSpPr>
+      <p:sp>
+        <p:nvSpPr>
+          <p:cNvPr id="2" name="Title 1"/>
+          <p:cNvSpPr>
+            <a:spLocks noGrp="1"/>
+          </p:cNvSpPr>
+          <p:nvPr>
+            <p:ph type="title"/>
+          </p:nvPr>
+        </p:nvSpPr>
+        <p:spPr/>
+        <p:txBody>
+          <a:bodyPr/>
+          <a:lstStyle/>
+          <a:p>
+            <a:r>
+              <a:rPr lang="en-US"/>
+              <a:t>About this session</a:t>
+            </a:r>
+          </a:p>
+        </p:txBody>
+      </p:sp>
+      <p:sp>
+        <p:nvSpPr>
+          <p:cNvPr id="3" name="Text Placeholder 2"/>
+          <p:cNvSpPr>
+            <a:spLocks noGrp="1"/>
+          </p:cNvSpPr>
+          <p:nvPr>
+            <p:ph type="body" idx="1"/>
+          </p:nvPr>
+        </p:nvSpPr>
+        <p:spPr>
+          <a:xfrm>
+            <a:off x="1447800" y="914400"/>
+            <a:ext cx="7315200" cy="5410200"/>
+          </a:xfrm>
+        </p:spPr>
+        <p:txBody>
+          <a:bodyPr/>
+          <a:lstStyle/>
+          <a:p>
+            <a:pPr marL="0" indent="0">
+              <a:buNone/>
+            </a:pPr>
+            <a:r>
+              <a:rPr lang="en-US" sz="2800" dirty="0"/>
+              <a:t>You’ll find out:</a:t>
+            </a:r>
+          </a:p>
+          <a:p>
+            <a:r>
+              <a:rPr lang="en-US" dirty="0"/>
+              <a:t>Why you’d want to integrate .NET</a:t>
+            </a:r>
+          </a:p>
+          <a:p>
+            <a:r>
+              <a:rPr lang="en-US" dirty="0"/>
+              <a:t>Why you’d use </a:t>
+            </a:r>
+            <a:r>
+              <a:rPr lang="en-US" dirty="0" err="1"/>
+              <a:t>wwDotnetBridge</a:t>
+            </a:r>
+            <a:endParaRPr lang="en-US" dirty="0"/>
+          </a:p>
+          <a:p>
+            <a:r>
+              <a:rPr lang="en-US" dirty="0"/>
+              <a:t>How to call .NET components from FoxPro</a:t>
+            </a:r>
+          </a:p>
+          <a:p>
+            <a:r>
+              <a:rPr lang="en-US" dirty="0"/>
+              <a:t>How to create your own .NET components</a:t>
+            </a:r>
+          </a:p>
+          <a:p>
+            <a:r>
+              <a:rPr lang="en-US" dirty="0"/>
+              <a:t>Examples that demonstrate features</a:t>
+            </a:r>
+          </a:p>
+          <a:p>
+            <a:pPr lvl="1"/>
+            <a:r>
+              <a:rPr lang="en-US" dirty="0"/>
+              <a:t>Some simple practical examples</a:t>
+            </a:r>
+          </a:p>
+          <a:p>
+            <a:pPr lvl="1"/>
+            <a:r>
+              <a:rPr lang="en-US" dirty="0"/>
+              <a:t>Some conceptual examples</a:t>
+            </a:r>
+          </a:p>
+          <a:p>
+            <a:pPr lvl="1"/>
+            <a:r>
+              <a:rPr lang="en-US" dirty="0"/>
+              <a:t>Some examples to demonstrate what’s possible</a:t>
+            </a:r>
+          </a:p>
+          <a:p>
+            <a:pPr marL="457200" lvl="1" indent="0">
+              <a:buNone/>
+            </a:pPr>
+            <a:endParaRPr lang="en-US" dirty="0"/>
+          </a:p>
+        </p:txBody>
+      </p:sp>
+    </p:spTree>
+    <p:extLst>
+      <p:ext uri="{BB962C8B-B14F-4D97-AF65-F5344CB8AC3E}">
+        <p14:creationId xmlns:p14="http://schemas.microsoft.com/office/powerpoint/2010/main" val="3298152672"/>
+      </p:ext>
+    </p:extLst>
+  </p:cSld>
+  <p:clrMapOvr>
+    <a:masterClrMapping/>
+  </p:clrMapOvr>
+  <p:transition>
+    <p:wipe/>
+  </p:transition>
+</p:sld>
+</file>
+
+<file path=ppt/slides/slide20.xml><?xml version="1.0" encoding="utf-8"?>
 <p:sld xmlns:a="http://schemas.openxmlformats.org/drawingml/2006/main" xmlns:r="http://schemas.openxmlformats.org/officeDocument/2006/relationships" xmlns:p="http://schemas.openxmlformats.org/presentationml/2006/main">
   <p:cSld>
     <p:spTree>
@@ -5824,7 +6571,7 @@
 </p:sld>
 </file>
 
-<file path=ppt/slides/slide19.xml><?xml version="1.0" encoding="utf-8"?>
+<file path=ppt/slides/slide21.xml><?xml version="1.0" encoding="utf-8"?>
 <p:sld xmlns:a="http://schemas.openxmlformats.org/drawingml/2006/main" xmlns:r="http://schemas.openxmlformats.org/officeDocument/2006/relationships" xmlns:p="http://schemas.openxmlformats.org/presentationml/2006/main">
   <p:cSld>
     <p:spTree>
@@ -6018,150 +6765,7 @@
 </p:sld>
 </file>
 
-<file path=ppt/slides/slide2.xml><?xml version="1.0" encoding="utf-8"?>
-<p:sld xmlns:a="http://schemas.openxmlformats.org/drawingml/2006/main" xmlns:r="http://schemas.openxmlformats.org/officeDocument/2006/relationships" xmlns:p="http://schemas.openxmlformats.org/presentationml/2006/main">
-  <p:cSld>
-    <p:spTree>
-      <p:nvGrpSpPr>
-        <p:cNvPr id="1" name=""/>
-        <p:cNvGrpSpPr/>
-        <p:nvPr/>
-      </p:nvGrpSpPr>
-      <p:grpSpPr>
-        <a:xfrm>
-          <a:off x="0" y="0"/>
-          <a:ext cx="0" cy="0"/>
-          <a:chOff x="0" y="0"/>
-          <a:chExt cx="0" cy="0"/>
-        </a:xfrm>
-      </p:grpSpPr>
-      <p:sp>
-        <p:nvSpPr>
-          <p:cNvPr id="2" name="Title 1"/>
-          <p:cNvSpPr>
-            <a:spLocks noGrp="1"/>
-          </p:cNvSpPr>
-          <p:nvPr>
-            <p:ph type="title"/>
-          </p:nvPr>
-        </p:nvSpPr>
-        <p:spPr/>
-        <p:txBody>
-          <a:bodyPr/>
-          <a:lstStyle/>
-          <a:p>
-            <a:r>
-              <a:rPr lang="en-US"/>
-              <a:t>About this session</a:t>
-            </a:r>
-          </a:p>
-        </p:txBody>
-      </p:sp>
-      <p:sp>
-        <p:nvSpPr>
-          <p:cNvPr id="3" name="Text Placeholder 2"/>
-          <p:cNvSpPr>
-            <a:spLocks noGrp="1"/>
-          </p:cNvSpPr>
-          <p:nvPr>
-            <p:ph type="body" idx="1"/>
-          </p:nvPr>
-        </p:nvSpPr>
-        <p:spPr>
-          <a:xfrm>
-            <a:off x="1676400" y="914400"/>
-            <a:ext cx="7086600" cy="5410200"/>
-          </a:xfrm>
-        </p:spPr>
-        <p:txBody>
-          <a:bodyPr/>
-          <a:lstStyle/>
-          <a:p>
-            <a:r>
-              <a:rPr lang="en-US" dirty="0"/>
-              <a:t>You’ll find out:</a:t>
-            </a:r>
-          </a:p>
-          <a:p>
-            <a:r>
-              <a:rPr lang="en-US" dirty="0"/>
-              <a:t>Why you’d want to integrate .NET</a:t>
-            </a:r>
-          </a:p>
-          <a:p>
-            <a:r>
-              <a:rPr lang="en-US" dirty="0"/>
-              <a:t>Why you’d want to use </a:t>
-            </a:r>
-            <a:r>
-              <a:rPr lang="en-US" dirty="0" err="1"/>
-              <a:t>wwDotnetBridge</a:t>
-            </a:r>
-            <a:endParaRPr lang="en-US" dirty="0"/>
-          </a:p>
-          <a:p>
-            <a:r>
-              <a:rPr lang="en-US" dirty="0"/>
-              <a:t>How to create your own .NET </a:t>
-            </a:r>
-            <a:r>
-              <a:rPr lang="en-US" dirty="0" err="1"/>
-              <a:t>compoents</a:t>
-            </a:r>
-            <a:endParaRPr lang="en-US" dirty="0"/>
-          </a:p>
-          <a:p>
-            <a:r>
-              <a:rPr lang="en-US" dirty="0"/>
-              <a:t>Examples that demonstrate features</a:t>
-            </a:r>
-          </a:p>
-          <a:p>
-            <a:pPr lvl="1"/>
-            <a:r>
-              <a:rPr lang="en-US" dirty="0"/>
-              <a:t>Some simple practical examples</a:t>
-            </a:r>
-          </a:p>
-          <a:p>
-            <a:pPr lvl="1"/>
-            <a:r>
-              <a:rPr lang="en-US" dirty="0"/>
-              <a:t>Some conceptual examples</a:t>
-            </a:r>
-          </a:p>
-          <a:p>
-            <a:pPr lvl="1"/>
-            <a:r>
-              <a:rPr lang="en-US" dirty="0"/>
-              <a:t>Some examples to demonstrate what’s possible</a:t>
-            </a:r>
-          </a:p>
-          <a:p>
-            <a:pPr marL="457200" lvl="1" indent="0">
-              <a:buNone/>
-            </a:pPr>
-            <a:endParaRPr lang="en-US" dirty="0"/>
-          </a:p>
-        </p:txBody>
-      </p:sp>
-    </p:spTree>
-    <p:extLst>
-      <p:ext uri="{BB962C8B-B14F-4D97-AF65-F5344CB8AC3E}">
-        <p14:creationId xmlns:p14="http://schemas.microsoft.com/office/powerpoint/2010/main" val="3298152672"/>
-      </p:ext>
-    </p:extLst>
-  </p:cSld>
-  <p:clrMapOvr>
-    <a:masterClrMapping/>
-  </p:clrMapOvr>
-  <p:transition>
-    <p:wipe/>
-  </p:transition>
-</p:sld>
-</file>
-
-<file path=ppt/slides/slide20.xml><?xml version="1.0" encoding="utf-8"?>
+<file path=ppt/slides/slide22.xml><?xml version="1.0" encoding="utf-8"?>
 <p:sld xmlns:a="http://schemas.openxmlformats.org/drawingml/2006/main" xmlns:r="http://schemas.openxmlformats.org/officeDocument/2006/relationships" xmlns:p="http://schemas.openxmlformats.org/presentationml/2006/main">
   <p:cSld>
     <p:spTree>
@@ -6247,7 +6851,7 @@
 </p:sld>
 </file>
 
-<file path=ppt/slides/slide21.xml><?xml version="1.0" encoding="utf-8"?>
+<file path=ppt/slides/slide23.xml><?xml version="1.0" encoding="utf-8"?>
 <p:sld xmlns:a="http://schemas.openxmlformats.org/drawingml/2006/main" xmlns:r="http://schemas.openxmlformats.org/officeDocument/2006/relationships" xmlns:p="http://schemas.openxmlformats.org/presentationml/2006/main">
   <p:cSld>
     <p:spTree>
@@ -6449,7 +7053,7 @@
 </p:sld>
 </file>
 
-<file path=ppt/slides/slide22.xml><?xml version="1.0" encoding="utf-8"?>
+<file path=ppt/slides/slide24.xml><?xml version="1.0" encoding="utf-8"?>
 <p:sld xmlns:a="http://schemas.openxmlformats.org/drawingml/2006/main" xmlns:r="http://schemas.openxmlformats.org/officeDocument/2006/relationships" xmlns:p="http://schemas.openxmlformats.org/presentationml/2006/main">
   <p:cSld>
     <p:spTree>
@@ -6648,7 +7252,7 @@
 </p:sld>
 </file>
 
-<file path=ppt/slides/slide23.xml><?xml version="1.0" encoding="utf-8"?>
+<file path=ppt/slides/slide25.xml><?xml version="1.0" encoding="utf-8"?>
 <p:sld xmlns:a="http://schemas.openxmlformats.org/drawingml/2006/main" xmlns:r="http://schemas.openxmlformats.org/officeDocument/2006/relationships" xmlns:p="http://schemas.openxmlformats.org/presentationml/2006/main">
   <p:cSld>
     <p:spTree>
@@ -6932,7 +7536,7 @@
 </p:sld>
 </file>
 
-<file path=ppt/slides/slide24.xml><?xml version="1.0" encoding="utf-8"?>
+<file path=ppt/slides/slide26.xml><?xml version="1.0" encoding="utf-8"?>
 <p:sld xmlns:a="http://schemas.openxmlformats.org/drawingml/2006/main" xmlns:r="http://schemas.openxmlformats.org/officeDocument/2006/relationships" xmlns:p="http://schemas.openxmlformats.org/presentationml/2006/main">
   <p:cSld>
     <p:spTree>
@@ -7068,7 +7672,7 @@
 </p:sld>
 </file>
 
-<file path=ppt/slides/slide25.xml><?xml version="1.0" encoding="utf-8"?>
+<file path=ppt/slides/slide27.xml><?xml version="1.0" encoding="utf-8"?>
 <p:sld xmlns:a="http://schemas.openxmlformats.org/drawingml/2006/main" xmlns:r="http://schemas.openxmlformats.org/officeDocument/2006/relationships" xmlns:p="http://schemas.openxmlformats.org/presentationml/2006/main">
   <p:cSld>
     <p:spTree>
@@ -7159,7 +7763,7 @@
 </p:sld>
 </file>
 
-<file path=ppt/slides/slide26.xml><?xml version="1.0" encoding="utf-8"?>
+<file path=ppt/slides/slide28.xml><?xml version="1.0" encoding="utf-8"?>
 <p:sld xmlns:a="http://schemas.openxmlformats.org/drawingml/2006/main" xmlns:r="http://schemas.openxmlformats.org/officeDocument/2006/relationships" xmlns:p="http://schemas.openxmlformats.org/presentationml/2006/main">
   <p:cSld>
     <p:spTree>
@@ -7455,7 +8059,7 @@
 </p:sld>
 </file>
 
-<file path=ppt/slides/slide27.xml><?xml version="1.0" encoding="utf-8"?>
+<file path=ppt/slides/slide29.xml><?xml version="1.0" encoding="utf-8"?>
 <p:sld xmlns:a="http://schemas.openxmlformats.org/drawingml/2006/main" xmlns:r="http://schemas.openxmlformats.org/officeDocument/2006/relationships" xmlns:p="http://schemas.openxmlformats.org/presentationml/2006/main">
   <p:cSld>
     <p:spTree>
@@ -7661,265 +8265,6 @@
     <p:extLst>
       <p:ext uri="{BB962C8B-B14F-4D97-AF65-F5344CB8AC3E}">
         <p14:creationId xmlns:p14="http://schemas.microsoft.com/office/powerpoint/2010/main" val="3584897086"/>
-      </p:ext>
-    </p:extLst>
-  </p:cSld>
-  <p:clrMapOvr>
-    <a:masterClrMapping/>
-  </p:clrMapOvr>
-  <p:transition>
-    <p:wipe/>
-  </p:transition>
-</p:sld>
-</file>
-
-<file path=ppt/slides/slide28.xml><?xml version="1.0" encoding="utf-8"?>
-<p:sld xmlns:a="http://schemas.openxmlformats.org/drawingml/2006/main" xmlns:r="http://schemas.openxmlformats.org/officeDocument/2006/relationships" xmlns:p="http://schemas.openxmlformats.org/presentationml/2006/main">
-  <p:cSld>
-    <p:spTree>
-      <p:nvGrpSpPr>
-        <p:cNvPr id="1" name=""/>
-        <p:cNvGrpSpPr/>
-        <p:nvPr/>
-      </p:nvGrpSpPr>
-      <p:grpSpPr>
-        <a:xfrm>
-          <a:off x="0" y="0"/>
-          <a:ext cx="0" cy="0"/>
-          <a:chOff x="0" y="0"/>
-          <a:chExt cx="0" cy="0"/>
-        </a:xfrm>
-      </p:grpSpPr>
-      <p:sp>
-        <p:nvSpPr>
-          <p:cNvPr id="2" name="Title 1"/>
-          <p:cNvSpPr>
-            <a:spLocks noGrp="1"/>
-          </p:cNvSpPr>
-          <p:nvPr>
-            <p:ph type="title"/>
-          </p:nvPr>
-        </p:nvSpPr>
-        <p:spPr/>
-        <p:txBody>
-          <a:bodyPr/>
-          <a:lstStyle/>
-          <a:p>
-            <a:r>
-              <a:rPr lang="en-US"/>
-              <a:t>Resources</a:t>
-            </a:r>
-          </a:p>
-        </p:txBody>
-      </p:sp>
-      <p:sp>
-        <p:nvSpPr>
-          <p:cNvPr id="3" name="Text Placeholder 2"/>
-          <p:cNvSpPr>
-            <a:spLocks noGrp="1"/>
-          </p:cNvSpPr>
-          <p:nvPr>
-            <p:ph type="body" idx="1"/>
-          </p:nvPr>
-        </p:nvSpPr>
-        <p:spPr>
-          <a:xfrm>
-            <a:off x="1676400" y="990600"/>
-            <a:ext cx="7035800" cy="5105400"/>
-          </a:xfrm>
-        </p:spPr>
-        <p:txBody>
-          <a:bodyPr/>
-          <a:lstStyle/>
-          <a:p>
-            <a:r>
-              <a:rPr lang="en-US" sz="2000" dirty="0"/>
-              <a:t>Session Notes</a:t>
-            </a:r>
-          </a:p>
-          <a:p>
-            <a:pPr lvl="1"/>
-            <a:r>
-              <a:rPr lang="en-US" sz="1600" dirty="0">
-                <a:hlinkClick r:id="rId2"/>
-              </a:rPr>
-              <a:t>Session White Paper</a:t>
-            </a:r>
-            <a:endParaRPr lang="en-US" sz="1600" dirty="0"/>
-          </a:p>
-          <a:p>
-            <a:pPr lvl="1"/>
-            <a:r>
-              <a:rPr lang="en-US" sz="1600" dirty="0">
-                <a:hlinkClick r:id="rId2"/>
-              </a:rPr>
-              <a:t>Download Sample Code</a:t>
-            </a:r>
-            <a:endParaRPr lang="en-US" sz="1600" dirty="0"/>
-          </a:p>
-          <a:p>
-            <a:pPr lvl="1"/>
-            <a:r>
-              <a:rPr lang="en-US" sz="1600" dirty="0" err="1">
-                <a:hlinkClick r:id="rId3"/>
-              </a:rPr>
-              <a:t>wwDotnetBridge</a:t>
-            </a:r>
-            <a:r>
-              <a:rPr lang="en-US" sz="1600" dirty="0">
-                <a:hlinkClick r:id="rId3"/>
-              </a:rPr>
-              <a:t> Documentation</a:t>
-            </a:r>
-            <a:endParaRPr lang="en-US" sz="1600" dirty="0"/>
-          </a:p>
-          <a:p>
-            <a:r>
-              <a:rPr lang="en-US" sz="2000" dirty="0"/>
-              <a:t>Where to get </a:t>
-            </a:r>
-            <a:r>
-              <a:rPr lang="en-US" sz="2000" dirty="0" err="1"/>
-              <a:t>wwDotnetBridge</a:t>
-            </a:r>
-            <a:endParaRPr lang="en-US" sz="2000" dirty="0"/>
-          </a:p>
-          <a:p>
-            <a:pPr lvl="1"/>
-            <a:r>
-              <a:rPr lang="en-US" sz="1600" dirty="0"/>
-              <a:t>Available on GitHub – Free and Open Source </a:t>
-            </a:r>
-            <a:br>
-              <a:rPr lang="en-US" sz="1600" dirty="0"/>
-            </a:br>
-            <a:r>
-              <a:rPr lang="en-US" sz="1600" dirty="0">
-                <a:hlinkClick r:id="rId4"/>
-              </a:rPr>
-              <a:t>https://github.com/RickStrahl/wwDotnetBridge</a:t>
-            </a:r>
-            <a:endParaRPr lang="en-US" sz="1600" dirty="0"/>
-          </a:p>
-          <a:p>
-            <a:pPr lvl="1"/>
-            <a:endParaRPr lang="en-US" sz="1600" dirty="0"/>
-          </a:p>
-          <a:p>
-            <a:pPr lvl="1"/>
-            <a:r>
-              <a:rPr lang="en-US" sz="1600" dirty="0"/>
-              <a:t>Also distributed with </a:t>
-            </a:r>
-            <a:r>
-              <a:rPr lang="en-US" sz="1200" i="1" dirty="0"/>
-              <a:t>(commercial version)</a:t>
-            </a:r>
-            <a:r>
-              <a:rPr lang="en-US" sz="1600" dirty="0"/>
-              <a:t>:</a:t>
-            </a:r>
-          </a:p>
-          <a:p>
-            <a:pPr lvl="2"/>
-            <a:r>
-              <a:rPr lang="en-US" sz="1600" dirty="0">
-                <a:hlinkClick r:id="rId5"/>
-              </a:rPr>
-              <a:t>West Wind Internet and Client Tools</a:t>
-            </a:r>
-            <a:endParaRPr lang="en-US" sz="1600" dirty="0"/>
-          </a:p>
-          <a:p>
-            <a:pPr lvl="2"/>
-            <a:r>
-              <a:rPr lang="en-US" sz="1600" dirty="0">
-                <a:hlinkClick r:id="rId6"/>
-              </a:rPr>
-              <a:t>West Wind Web Connection</a:t>
-            </a:r>
-            <a:endParaRPr lang="en-US" sz="1600" dirty="0"/>
-          </a:p>
-          <a:p>
-            <a:r>
-              <a:rPr lang="en-US" sz="2000" dirty="0"/>
-              <a:t>West Wind .NET Articles</a:t>
-            </a:r>
-          </a:p>
-          <a:p>
-            <a:pPr lvl="1"/>
-            <a:r>
-              <a:rPr lang="en-US" sz="1600" dirty="0"/>
-              <a:t>Focus on .NET development with a VFP perspective</a:t>
-            </a:r>
-          </a:p>
-          <a:p>
-            <a:pPr lvl="1"/>
-            <a:r>
-              <a:rPr lang="en-US" sz="1600" dirty="0">
-                <a:hlinkClick r:id="rId7"/>
-              </a:rPr>
-              <a:t>http://www.west-wind.com/articles.aspx</a:t>
-            </a:r>
-            <a:endParaRPr lang="en-US" sz="1600" dirty="0"/>
-          </a:p>
-        </p:txBody>
-      </p:sp>
-      <p:sp>
-        <p:nvSpPr>
-          <p:cNvPr id="5" name="TextBox 4">
-            <a:extLst>
-              <a:ext uri="{FF2B5EF4-FFF2-40B4-BE49-F238E27FC236}">
-                <a16:creationId xmlns:a16="http://schemas.microsoft.com/office/drawing/2014/main" id="{84B5884C-61FF-2EBE-4DE6-69E35AB5BE09}"/>
-              </a:ext>
-            </a:extLst>
-          </p:cNvPr>
-          <p:cNvSpPr txBox="1"/>
-          <p:nvPr/>
-        </p:nvSpPr>
-        <p:spPr>
-          <a:xfrm>
-            <a:off x="4800600" y="152400"/>
-            <a:ext cx="7391400" cy="553998"/>
-          </a:xfrm>
-          <a:prstGeom prst="rect">
-            <a:avLst/>
-          </a:prstGeom>
-          <a:noFill/>
-        </p:spPr>
-        <p:txBody>
-          <a:bodyPr wrap="square">
-            <a:spAutoFit/>
-          </a:bodyPr>
-          <a:lstStyle/>
-          <a:p>
-            <a:pPr algn="r"/>
-            <a:r>
-              <a:rPr lang="en-US" sz="1400" b="0" dirty="0">
-                <a:latin typeface="Verdana" pitchFamily="34" charset="0"/>
-              </a:rPr>
-              <a:t>Code Samples, Slides and White Paper:</a:t>
-            </a:r>
-            <a:br>
-              <a:rPr lang="en-US" sz="1400" b="0" dirty="0">
-                <a:latin typeface="Verdana" pitchFamily="34" charset="0"/>
-              </a:rPr>
-            </a:br>
-            <a:r>
-              <a:rPr lang="en-US" sz="1600" b="0" dirty="0">
-                <a:latin typeface="Verdana" pitchFamily="34" charset="0"/>
-                <a:hlinkClick r:id="rId8"/>
-              </a:rPr>
-              <a:t>https://github.com/RickStrahl/swfox2024-wwdotnetbridge-revisited</a:t>
-            </a:r>
-            <a:endParaRPr lang="en-US" sz="1600" dirty="0"/>
-          </a:p>
-        </p:txBody>
-      </p:sp>
-    </p:spTree>
-    <p:extLst>
-      <p:ext uri="{BB962C8B-B14F-4D97-AF65-F5344CB8AC3E}">
-        <p14:creationId xmlns:p14="http://schemas.microsoft.com/office/powerpoint/2010/main" val="3843073356"/>
       </p:ext>
     </p:extLst>
   </p:cSld>
@@ -7951,6 +8296,645 @@
       </p:grpSpPr>
       <p:sp>
         <p:nvSpPr>
+          <p:cNvPr id="2" name="Title 1">
+            <a:extLst>
+              <a:ext uri="{FF2B5EF4-FFF2-40B4-BE49-F238E27FC236}">
+                <a16:creationId xmlns:a16="http://schemas.microsoft.com/office/drawing/2014/main" id="{97239DBC-9FB4-8243-6D60-02C4E3F91008}"/>
+              </a:ext>
+            </a:extLst>
+          </p:cNvPr>
+          <p:cNvSpPr>
+            <a:spLocks noGrp="1"/>
+          </p:cNvSpPr>
+          <p:nvPr>
+            <p:ph type="title"/>
+          </p:nvPr>
+        </p:nvSpPr>
+        <p:spPr/>
+        <p:txBody>
+          <a:bodyPr/>
+          <a:lstStyle/>
+          <a:p>
+            <a:r>
+              <a:rPr lang="en-US" dirty="0"/>
+              <a:t>Why .NET?</a:t>
+            </a:r>
+          </a:p>
+        </p:txBody>
+      </p:sp>
+      <p:sp>
+        <p:nvSpPr>
+          <p:cNvPr id="3" name="Text Placeholder 2">
+            <a:extLst>
+              <a:ext uri="{FF2B5EF4-FFF2-40B4-BE49-F238E27FC236}">
+                <a16:creationId xmlns:a16="http://schemas.microsoft.com/office/drawing/2014/main" id="{B9FF7998-18F0-B26E-797F-AD91346183E6}"/>
+              </a:ext>
+            </a:extLst>
+          </p:cNvPr>
+          <p:cNvSpPr>
+            <a:spLocks noGrp="1"/>
+          </p:cNvSpPr>
+          <p:nvPr>
+            <p:ph type="body" idx="1"/>
+          </p:nvPr>
+        </p:nvSpPr>
+        <p:spPr>
+          <a:xfrm>
+            <a:off x="990600" y="876300"/>
+            <a:ext cx="8026400" cy="5105400"/>
+          </a:xfrm>
+        </p:spPr>
+        <p:txBody>
+          <a:bodyPr/>
+          <a:lstStyle/>
+          <a:p>
+            <a:r>
+              <a:rPr lang="en-US" sz="2000" dirty="0"/>
+              <a:t>.NET is easy to extend FoxPro with: COM</a:t>
+            </a:r>
+          </a:p>
+          <a:p>
+            <a:pPr lvl="1"/>
+            <a:r>
+              <a:rPr lang="en-US" sz="1600" dirty="0"/>
+              <a:t>.NET support supports COM Interop</a:t>
+            </a:r>
+          </a:p>
+          <a:p>
+            <a:pPr lvl="1"/>
+            <a:r>
+              <a:rPr lang="en-US" sz="1600" dirty="0"/>
+              <a:t>Direct integration into FoxPro especially with </a:t>
+            </a:r>
+            <a:r>
+              <a:rPr lang="en-US" sz="1600" dirty="0" err="1"/>
+              <a:t>wwDotnetBridge</a:t>
+            </a:r>
+            <a:endParaRPr lang="en-US" sz="1600" dirty="0"/>
+          </a:p>
+          <a:p>
+            <a:pPr lvl="1"/>
+            <a:r>
+              <a:rPr lang="en-US" sz="1600" dirty="0"/>
+              <a:t>Provides access to many Windows system features</a:t>
+            </a:r>
+          </a:p>
+          <a:p>
+            <a:pPr lvl="1"/>
+            <a:r>
+              <a:rPr lang="en-US" sz="1600" dirty="0"/>
+              <a:t>You can easily build your own components</a:t>
+            </a:r>
+          </a:p>
+          <a:p>
+            <a:r>
+              <a:rPr lang="en-US" sz="2000" dirty="0"/>
+              <a:t>Huge Eco System</a:t>
+            </a:r>
+          </a:p>
+          <a:p>
+            <a:pPr lvl="1"/>
+            <a:r>
+              <a:rPr lang="en-US" sz="1600" dirty="0"/>
+              <a:t>Native Windows features are exposed as .NET components</a:t>
+            </a:r>
+          </a:p>
+          <a:p>
+            <a:pPr lvl="1"/>
+            <a:r>
+              <a:rPr lang="en-US" sz="1600" dirty="0"/>
+              <a:t>1000’s of third party libraries for anything you can think of</a:t>
+            </a:r>
+          </a:p>
+          <a:p>
+            <a:pPr lvl="1"/>
+            <a:r>
+              <a:rPr lang="en-US" sz="1600" dirty="0"/>
+              <a:t>NuGet Package manager  makes it easy to get components</a:t>
+            </a:r>
+          </a:p>
+          <a:p>
+            <a:r>
+              <a:rPr lang="en-US" sz="2000" dirty="0"/>
+              <a:t>Great way to Extend FoxPro</a:t>
+            </a:r>
+          </a:p>
+          <a:p>
+            <a:pPr lvl="1"/>
+            <a:r>
+              <a:rPr lang="en-US" sz="1600" dirty="0"/>
+              <a:t>.NET is now easy to build with the .NET SDK </a:t>
+            </a:r>
+            <a:r>
+              <a:rPr lang="en-US" sz="1200" dirty="0"/>
+              <a:t>(command line)</a:t>
+            </a:r>
+            <a:endParaRPr lang="en-US" sz="1600" dirty="0"/>
+          </a:p>
+          <a:p>
+            <a:pPr lvl="1"/>
+            <a:r>
+              <a:rPr lang="en-US" sz="1600" dirty="0"/>
+              <a:t>You can build your own small components</a:t>
+            </a:r>
+          </a:p>
+          <a:p>
+            <a:pPr lvl="1"/>
+            <a:r>
+              <a:rPr lang="en-US" sz="1600" dirty="0"/>
+              <a:t>Great for getting your feet wet</a:t>
+            </a:r>
+          </a:p>
+          <a:p>
+            <a:pPr lvl="1"/>
+            <a:r>
+              <a:rPr lang="en-US" sz="1600" dirty="0"/>
+              <a:t>Easy to integrate with FoxPro code</a:t>
+            </a:r>
+          </a:p>
+          <a:p>
+            <a:pPr lvl="1"/>
+            <a:r>
+              <a:rPr lang="en-US" sz="1600" dirty="0"/>
+              <a:t>Reusable for future .NET use cases (Web app, API, Phone)</a:t>
+            </a:r>
+          </a:p>
+          <a:p>
+            <a:endParaRPr lang="en-US" sz="2000" dirty="0"/>
+          </a:p>
+          <a:p>
+            <a:pPr lvl="2"/>
+            <a:endParaRPr lang="en-US" sz="1600" dirty="0"/>
+          </a:p>
+          <a:p>
+            <a:endParaRPr lang="en-US" sz="2000" dirty="0"/>
+          </a:p>
+        </p:txBody>
+      </p:sp>
+    </p:spTree>
+    <p:extLst>
+      <p:ext uri="{BB962C8B-B14F-4D97-AF65-F5344CB8AC3E}">
+        <p14:creationId xmlns:p14="http://schemas.microsoft.com/office/powerpoint/2010/main" val="820139260"/>
+      </p:ext>
+    </p:extLst>
+  </p:cSld>
+  <p:clrMapOvr>
+    <a:masterClrMapping/>
+  </p:clrMapOvr>
+  <p:transition>
+    <p:wipe/>
+  </p:transition>
+</p:sld>
+</file>
+
+<file path=ppt/slides/slide30.xml><?xml version="1.0" encoding="utf-8"?>
+<p:sld xmlns:a="http://schemas.openxmlformats.org/drawingml/2006/main" xmlns:r="http://schemas.openxmlformats.org/officeDocument/2006/relationships" xmlns:p="http://schemas.openxmlformats.org/presentationml/2006/main">
+  <p:cSld>
+    <p:spTree>
+      <p:nvGrpSpPr>
+        <p:cNvPr id="1" name=""/>
+        <p:cNvGrpSpPr/>
+        <p:nvPr/>
+      </p:nvGrpSpPr>
+      <p:grpSpPr>
+        <a:xfrm>
+          <a:off x="0" y="0"/>
+          <a:ext cx="0" cy="0"/>
+          <a:chOff x="0" y="0"/>
+          <a:chExt cx="0" cy="0"/>
+        </a:xfrm>
+      </p:grpSpPr>
+      <p:sp>
+        <p:nvSpPr>
+          <p:cNvPr id="2" name="Title 1"/>
+          <p:cNvSpPr>
+            <a:spLocks noGrp="1"/>
+          </p:cNvSpPr>
+          <p:nvPr>
+            <p:ph type="title"/>
+          </p:nvPr>
+        </p:nvSpPr>
+        <p:spPr/>
+        <p:txBody>
+          <a:bodyPr/>
+          <a:lstStyle/>
+          <a:p>
+            <a:r>
+              <a:rPr lang="en-US"/>
+              <a:t>Resources</a:t>
+            </a:r>
+          </a:p>
+        </p:txBody>
+      </p:sp>
+      <p:sp>
+        <p:nvSpPr>
+          <p:cNvPr id="3" name="Text Placeholder 2"/>
+          <p:cNvSpPr>
+            <a:spLocks noGrp="1"/>
+          </p:cNvSpPr>
+          <p:nvPr>
+            <p:ph type="body" idx="1"/>
+          </p:nvPr>
+        </p:nvSpPr>
+        <p:spPr>
+          <a:xfrm>
+            <a:off x="1676400" y="990600"/>
+            <a:ext cx="7035800" cy="5105400"/>
+          </a:xfrm>
+        </p:spPr>
+        <p:txBody>
+          <a:bodyPr/>
+          <a:lstStyle/>
+          <a:p>
+            <a:r>
+              <a:rPr lang="en-US" sz="2000" dirty="0"/>
+              <a:t>Session Notes</a:t>
+            </a:r>
+          </a:p>
+          <a:p>
+            <a:pPr lvl="1"/>
+            <a:r>
+              <a:rPr lang="en-US" sz="1600" dirty="0">
+                <a:hlinkClick r:id="rId2"/>
+              </a:rPr>
+              <a:t>Session White Paper</a:t>
+            </a:r>
+            <a:endParaRPr lang="en-US" sz="1600" dirty="0"/>
+          </a:p>
+          <a:p>
+            <a:pPr lvl="1"/>
+            <a:r>
+              <a:rPr lang="en-US" sz="1600" dirty="0">
+                <a:hlinkClick r:id="rId2"/>
+              </a:rPr>
+              <a:t>Download Sample Code</a:t>
+            </a:r>
+            <a:endParaRPr lang="en-US" sz="1600" dirty="0"/>
+          </a:p>
+          <a:p>
+            <a:pPr lvl="1"/>
+            <a:r>
+              <a:rPr lang="en-US" sz="1600" dirty="0" err="1">
+                <a:hlinkClick r:id="rId3"/>
+              </a:rPr>
+              <a:t>wwDotnetBridge</a:t>
+            </a:r>
+            <a:r>
+              <a:rPr lang="en-US" sz="1600" dirty="0">
+                <a:hlinkClick r:id="rId3"/>
+              </a:rPr>
+              <a:t> Documentation</a:t>
+            </a:r>
+            <a:endParaRPr lang="en-US" sz="1600" dirty="0"/>
+          </a:p>
+          <a:p>
+            <a:r>
+              <a:rPr lang="en-US" sz="2000" dirty="0"/>
+              <a:t>Where to get </a:t>
+            </a:r>
+            <a:r>
+              <a:rPr lang="en-US" sz="2000" dirty="0" err="1"/>
+              <a:t>wwDotnetBridge</a:t>
+            </a:r>
+            <a:endParaRPr lang="en-US" sz="2000" dirty="0"/>
+          </a:p>
+          <a:p>
+            <a:pPr lvl="1"/>
+            <a:r>
+              <a:rPr lang="en-US" sz="1600" dirty="0"/>
+              <a:t>Available on GitHub – Free and Open Source </a:t>
+            </a:r>
+            <a:br>
+              <a:rPr lang="en-US" sz="1600" dirty="0"/>
+            </a:br>
+            <a:r>
+              <a:rPr lang="en-US" sz="1600" dirty="0">
+                <a:hlinkClick r:id="rId4"/>
+              </a:rPr>
+              <a:t>https://github.com/RickStrahl/wwDotnetBridge</a:t>
+            </a:r>
+            <a:endParaRPr lang="en-US" sz="1600" dirty="0"/>
+          </a:p>
+          <a:p>
+            <a:pPr lvl="1"/>
+            <a:endParaRPr lang="en-US" sz="1600" dirty="0"/>
+          </a:p>
+          <a:p>
+            <a:pPr lvl="1"/>
+            <a:r>
+              <a:rPr lang="en-US" sz="1600" dirty="0"/>
+              <a:t>Also distributed with </a:t>
+            </a:r>
+            <a:r>
+              <a:rPr lang="en-US" sz="1200" i="1" dirty="0"/>
+              <a:t>(commercial version)</a:t>
+            </a:r>
+            <a:r>
+              <a:rPr lang="en-US" sz="1600" dirty="0"/>
+              <a:t>:</a:t>
+            </a:r>
+          </a:p>
+          <a:p>
+            <a:pPr lvl="2"/>
+            <a:r>
+              <a:rPr lang="en-US" sz="1600" dirty="0">
+                <a:hlinkClick r:id="rId5"/>
+              </a:rPr>
+              <a:t>West Wind Internet and Client Tools</a:t>
+            </a:r>
+            <a:endParaRPr lang="en-US" sz="1600" dirty="0"/>
+          </a:p>
+          <a:p>
+            <a:pPr lvl="2"/>
+            <a:r>
+              <a:rPr lang="en-US" sz="1600" dirty="0">
+                <a:hlinkClick r:id="rId6"/>
+              </a:rPr>
+              <a:t>West Wind Web Connection</a:t>
+            </a:r>
+            <a:endParaRPr lang="en-US" sz="1600" dirty="0"/>
+          </a:p>
+          <a:p>
+            <a:r>
+              <a:rPr lang="en-US" sz="2000" dirty="0"/>
+              <a:t>West Wind .NET Articles</a:t>
+            </a:r>
+          </a:p>
+          <a:p>
+            <a:pPr lvl="1"/>
+            <a:r>
+              <a:rPr lang="en-US" sz="1600" dirty="0"/>
+              <a:t>Focus on .NET development with a VFP perspective</a:t>
+            </a:r>
+          </a:p>
+          <a:p>
+            <a:pPr lvl="1"/>
+            <a:r>
+              <a:rPr lang="en-US" sz="1600" dirty="0">
+                <a:hlinkClick r:id="rId7"/>
+              </a:rPr>
+              <a:t>http://www.west-wind.com/articles.aspx</a:t>
+            </a:r>
+            <a:endParaRPr lang="en-US" sz="1600" dirty="0"/>
+          </a:p>
+        </p:txBody>
+      </p:sp>
+      <p:sp>
+        <p:nvSpPr>
+          <p:cNvPr id="5" name="TextBox 4">
+            <a:extLst>
+              <a:ext uri="{FF2B5EF4-FFF2-40B4-BE49-F238E27FC236}">
+                <a16:creationId xmlns:a16="http://schemas.microsoft.com/office/drawing/2014/main" id="{84B5884C-61FF-2EBE-4DE6-69E35AB5BE09}"/>
+              </a:ext>
+            </a:extLst>
+          </p:cNvPr>
+          <p:cNvSpPr txBox="1"/>
+          <p:nvPr/>
+        </p:nvSpPr>
+        <p:spPr>
+          <a:xfrm>
+            <a:off x="4800600" y="152400"/>
+            <a:ext cx="7391400" cy="553998"/>
+          </a:xfrm>
+          <a:prstGeom prst="rect">
+            <a:avLst/>
+          </a:prstGeom>
+          <a:noFill/>
+        </p:spPr>
+        <p:txBody>
+          <a:bodyPr wrap="square">
+            <a:spAutoFit/>
+          </a:bodyPr>
+          <a:lstStyle/>
+          <a:p>
+            <a:pPr algn="r"/>
+            <a:r>
+              <a:rPr lang="en-US" sz="1400" b="0" dirty="0">
+                <a:latin typeface="Verdana" pitchFamily="34" charset="0"/>
+              </a:rPr>
+              <a:t>Code Samples, Slides and White Paper:</a:t>
+            </a:r>
+            <a:br>
+              <a:rPr lang="en-US" sz="1400" b="0" dirty="0">
+                <a:latin typeface="Verdana" pitchFamily="34" charset="0"/>
+              </a:rPr>
+            </a:br>
+            <a:r>
+              <a:rPr lang="en-US" sz="1600" b="0" dirty="0">
+                <a:latin typeface="Verdana" pitchFamily="34" charset="0"/>
+                <a:hlinkClick r:id="rId8"/>
+              </a:rPr>
+              <a:t>https://github.com/RickStrahl/swfox2024-wwdotnetbridge-revisited</a:t>
+            </a:r>
+            <a:endParaRPr lang="en-US" sz="1600" dirty="0"/>
+          </a:p>
+        </p:txBody>
+      </p:sp>
+    </p:spTree>
+    <p:extLst>
+      <p:ext uri="{BB962C8B-B14F-4D97-AF65-F5344CB8AC3E}">
+        <p14:creationId xmlns:p14="http://schemas.microsoft.com/office/powerpoint/2010/main" val="3843073356"/>
+      </p:ext>
+    </p:extLst>
+  </p:cSld>
+  <p:clrMapOvr>
+    <a:masterClrMapping/>
+  </p:clrMapOvr>
+  <p:transition>
+    <p:wipe/>
+  </p:transition>
+</p:sld>
+</file>
+
+<file path=ppt/slides/slide4.xml><?xml version="1.0" encoding="utf-8"?>
+<p:sld xmlns:a="http://schemas.openxmlformats.org/drawingml/2006/main" xmlns:r="http://schemas.openxmlformats.org/officeDocument/2006/relationships" xmlns:p="http://schemas.openxmlformats.org/presentationml/2006/main">
+  <p:cSld>
+    <p:spTree>
+      <p:nvGrpSpPr>
+        <p:cNvPr id="1" name=""/>
+        <p:cNvGrpSpPr/>
+        <p:nvPr/>
+      </p:nvGrpSpPr>
+      <p:grpSpPr>
+        <a:xfrm>
+          <a:off x="0" y="0"/>
+          <a:ext cx="0" cy="0"/>
+          <a:chOff x="0" y="0"/>
+          <a:chExt cx="0" cy="0"/>
+        </a:xfrm>
+      </p:grpSpPr>
+      <p:sp>
+        <p:nvSpPr>
+          <p:cNvPr id="2" name="Title 1"/>
+          <p:cNvSpPr>
+            <a:spLocks noGrp="1"/>
+          </p:cNvSpPr>
+          <p:nvPr>
+            <p:ph type="title"/>
+          </p:nvPr>
+        </p:nvSpPr>
+        <p:spPr/>
+        <p:txBody>
+          <a:bodyPr/>
+          <a:lstStyle/>
+          <a:p>
+            <a:r>
+              <a:rPr lang="en-US" dirty="0"/>
+              <a:t>Why </a:t>
+            </a:r>
+            <a:r>
+              <a:rPr lang="en-US" dirty="0" err="1"/>
+              <a:t>wwDotnetBridge</a:t>
+            </a:r>
+            <a:r>
+              <a:rPr lang="en-US" dirty="0"/>
+              <a:t>?</a:t>
+            </a:r>
+          </a:p>
+        </p:txBody>
+      </p:sp>
+      <p:sp>
+        <p:nvSpPr>
+          <p:cNvPr id="3" name="Text Placeholder 2"/>
+          <p:cNvSpPr>
+            <a:spLocks noGrp="1"/>
+          </p:cNvSpPr>
+          <p:nvPr>
+            <p:ph type="body" idx="1"/>
+          </p:nvPr>
+        </p:nvSpPr>
+        <p:spPr>
+          <a:xfrm>
+            <a:off x="685800" y="838200"/>
+            <a:ext cx="8610600" cy="4800600"/>
+          </a:xfrm>
+        </p:spPr>
+        <p:txBody>
+          <a:bodyPr/>
+          <a:lstStyle/>
+          <a:p>
+            <a:r>
+              <a:rPr lang="en-US" dirty="0"/>
+              <a:t>Native COM Interop is Limited!</a:t>
+            </a:r>
+          </a:p>
+          <a:p>
+            <a:pPr lvl="1"/>
+            <a:r>
+              <a:rPr lang="en-US" dirty="0"/>
+              <a:t>.NET natively supports COM interop</a:t>
+            </a:r>
+          </a:p>
+          <a:p>
+            <a:pPr lvl="1"/>
+            <a:r>
+              <a:rPr lang="en-US" dirty="0"/>
+              <a:t>Unfortunately, it’s very limited</a:t>
+            </a:r>
+          </a:p>
+          <a:p>
+            <a:pPr lvl="1"/>
+            <a:r>
+              <a:rPr lang="en-US" dirty="0"/>
+              <a:t>Requires object to be registered with COM</a:t>
+            </a:r>
+          </a:p>
+          <a:p>
+            <a:pPr lvl="1"/>
+            <a:r>
+              <a:rPr lang="en-US" dirty="0"/>
+              <a:t>COM has limited type translation features</a:t>
+            </a:r>
+          </a:p>
+          <a:p>
+            <a:r>
+              <a:rPr lang="en-US" dirty="0" err="1"/>
+              <a:t>wwDotnetBridge</a:t>
+            </a:r>
+            <a:r>
+              <a:rPr lang="en-US" dirty="0"/>
+              <a:t> works around the Limitations</a:t>
+            </a:r>
+          </a:p>
+          <a:p>
+            <a:pPr lvl="1"/>
+            <a:r>
+              <a:rPr lang="en-US" dirty="0"/>
+              <a:t>Still uses COM Interop</a:t>
+            </a:r>
+          </a:p>
+          <a:p>
+            <a:pPr lvl="1"/>
+            <a:r>
+              <a:rPr lang="en-US" dirty="0"/>
+              <a:t>Provides a custom .NET Runtime loader</a:t>
+            </a:r>
+          </a:p>
+          <a:p>
+            <a:pPr lvl="1"/>
+            <a:r>
+              <a:rPr lang="en-US" dirty="0"/>
+              <a:t>Provides a .NET Proxy object</a:t>
+            </a:r>
+          </a:p>
+          <a:p>
+            <a:pPr lvl="1"/>
+            <a:r>
+              <a:rPr lang="en-US" dirty="0"/>
+              <a:t>The proxy creates COM instances </a:t>
+            </a:r>
+          </a:p>
+          <a:p>
+            <a:pPr lvl="1"/>
+            <a:r>
+              <a:rPr lang="en-US" dirty="0"/>
+              <a:t>You can use COM features as-is when possible</a:t>
+            </a:r>
+          </a:p>
+          <a:p>
+            <a:pPr lvl="1"/>
+            <a:r>
+              <a:rPr lang="en-US" dirty="0"/>
+              <a:t>The proxy helps operations that don’t work over COM</a:t>
+            </a:r>
+          </a:p>
+        </p:txBody>
+      </p:sp>
+    </p:spTree>
+    <p:extLst>
+      <p:ext uri="{BB962C8B-B14F-4D97-AF65-F5344CB8AC3E}">
+        <p14:creationId xmlns:p14="http://schemas.microsoft.com/office/powerpoint/2010/main" val="2218252944"/>
+      </p:ext>
+    </p:extLst>
+  </p:cSld>
+  <p:clrMapOvr>
+    <a:masterClrMapping/>
+  </p:clrMapOvr>
+  <p:transition>
+    <p:wipe/>
+  </p:transition>
+</p:sld>
+</file>
+
+<file path=ppt/slides/slide5.xml><?xml version="1.0" encoding="utf-8"?>
+<p:sld xmlns:a="http://schemas.openxmlformats.org/drawingml/2006/main" xmlns:r="http://schemas.openxmlformats.org/officeDocument/2006/relationships" xmlns:p="http://schemas.openxmlformats.org/presentationml/2006/main">
+  <p:cSld>
+    <p:spTree>
+      <p:nvGrpSpPr>
+        <p:cNvPr id="1" name=""/>
+        <p:cNvGrpSpPr/>
+        <p:nvPr/>
+      </p:nvGrpSpPr>
+      <p:grpSpPr>
+        <a:xfrm>
+          <a:off x="0" y="0"/>
+          <a:ext cx="0" cy="0"/>
+          <a:chOff x="0" y="0"/>
+          <a:chExt cx="0" cy="0"/>
+        </a:xfrm>
+      </p:grpSpPr>
+      <p:sp>
+        <p:nvSpPr>
           <p:cNvPr id="2" name="Title 1"/>
           <p:cNvSpPr>
             <a:spLocks noGrp="1"/>
@@ -8166,7 +9150,7 @@
     </p:spTree>
     <p:extLst>
       <p:ext uri="{BB962C8B-B14F-4D97-AF65-F5344CB8AC3E}">
-        <p14:creationId xmlns:p14="http://schemas.microsoft.com/office/powerpoint/2010/main" val="2218252944"/>
+        <p14:creationId xmlns:p14="http://schemas.microsoft.com/office/powerpoint/2010/main" val="1455826737"/>
       </p:ext>
     </p:extLst>
   </p:cSld>
@@ -8179,7 +9163,7 @@
 </p:sld>
 </file>
 
-<file path=ppt/slides/slide4.xml><?xml version="1.0" encoding="utf-8"?>
+<file path=ppt/slides/slide6.xml><?xml version="1.0" encoding="utf-8"?>
 <p:sld xmlns:a="http://schemas.openxmlformats.org/drawingml/2006/main" xmlns:r="http://schemas.openxmlformats.org/officeDocument/2006/relationships" xmlns:p="http://schemas.openxmlformats.org/presentationml/2006/main">
   <p:cSld>
     <p:spTree>
@@ -8841,7 +9825,7 @@
               <a:defRPr/>
             </a:pPr>
             <a:r>
-              <a:rPr lang="en-US" sz="2000">
+              <a:rPr lang="en-US" sz="2000" dirty="0">
                 <a:solidFill>
                   <a:srgbClr val="FFC000"/>
                 </a:solidFill>
@@ -8856,7 +9840,7 @@
               <a:t>.NET Object</a:t>
             </a:r>
             <a:br>
-              <a:rPr lang="en-US" sz="2000">
+              <a:rPr lang="en-US" sz="2000" dirty="0">
                 <a:solidFill>
                   <a:srgbClr val="FFC000"/>
                 </a:solidFill>
@@ -8870,7 +9854,7 @@
               </a:rPr>
             </a:br>
             <a:r>
-              <a:rPr lang="en-US" sz="1600">
+              <a:rPr lang="en-US" sz="1600" dirty="0">
                 <a:effectLst>
                   <a:outerShdw blurRad="38100" dist="38100" dir="2700000" algn="tl">
                     <a:srgbClr val="000000">
@@ -8881,7 +9865,7 @@
               </a:rPr>
               <a:t>call methods and access properties on this class</a:t>
             </a:r>
-            <a:endParaRPr lang="en-US" sz="2000">
+            <a:endParaRPr lang="en-US" sz="2000" dirty="0">
               <a:effectLst>
                 <a:outerShdw blurRad="38100" dist="38100" dir="2700000" algn="tl">
                   <a:srgbClr val="000000">
@@ -8898,7 +9882,7 @@
               </a:lnSpc>
               <a:defRPr/>
             </a:pPr>
-            <a:endParaRPr lang="en-US" sz="1600">
+            <a:endParaRPr lang="en-US" sz="1600" dirty="0">
               <a:solidFill>
                 <a:srgbClr val="FFC000"/>
               </a:solidFill>
@@ -8918,7 +9902,7 @@
               </a:lnSpc>
               <a:defRPr/>
             </a:pPr>
-            <a:endParaRPr lang="en-US" sz="1600">
+            <a:endParaRPr lang="en-US" sz="1600" dirty="0">
               <a:solidFill>
                 <a:srgbClr val="FFC000"/>
               </a:solidFill>
@@ -8933,6 +9917,37 @@
           </a:p>
         </p:txBody>
       </p:sp>
+      <p:cxnSp>
+        <p:nvCxnSpPr>
+          <p:cNvPr id="48" name="Elbow Connector 47"/>
+          <p:cNvCxnSpPr/>
+          <p:nvPr/>
+        </p:nvCxnSpPr>
+        <p:spPr bwMode="auto">
+          <a:xfrm flipV="1">
+            <a:off x="2971800" y="3619501"/>
+            <a:ext cx="1924050" cy="800100"/>
+          </a:xfrm>
+          <a:prstGeom prst="bentConnector3">
+            <a:avLst>
+              <a:gd name="adj1" fmla="val -495"/>
+            </a:avLst>
+          </a:prstGeom>
+          <a:solidFill>
+            <a:srgbClr val="CC9900"/>
+          </a:solidFill>
+          <a:ln w="63500" cap="flat" cmpd="sng" algn="ctr">
+            <a:solidFill>
+              <a:schemeClr val="tx1"/>
+            </a:solidFill>
+            <a:prstDash val="solid"/>
+            <a:round/>
+            <a:headEnd type="none" w="med" len="med"/>
+            <a:tailEnd type="arrow"/>
+          </a:ln>
+          <a:effectLst/>
+        </p:spPr>
+      </p:cxnSp>
       <p:sp>
         <p:nvSpPr>
           <p:cNvPr id="46" name="AutoShape 6"/>
@@ -8943,8 +9958,8 @@
         </p:nvSpPr>
         <p:spPr bwMode="auto">
           <a:xfrm>
-            <a:off x="1981200" y="4419604"/>
-            <a:ext cx="2286000" cy="838199"/>
+            <a:off x="1981200" y="4267200"/>
+            <a:ext cx="2286000" cy="1333504"/>
           </a:xfrm>
           <a:prstGeom prst="roundRect">
             <a:avLst>
@@ -8986,7 +10001,7 @@
               <a:defRPr/>
             </a:pPr>
             <a:r>
-              <a:rPr lang="en-US" sz="2000">
+              <a:rPr lang="en-US" sz="2000" dirty="0">
                 <a:solidFill>
                   <a:srgbClr val="FFFF99"/>
                 </a:solidFill>
@@ -9001,7 +10016,89 @@
               <a:t>ClrLoader.dll</a:t>
             </a:r>
             <a:br>
-              <a:rPr lang="en-US" b="1">
+              <a:rPr lang="en-US" sz="2000" dirty="0">
+                <a:solidFill>
+                  <a:srgbClr val="FFFF99"/>
+                </a:solidFill>
+                <a:effectLst>
+                  <a:outerShdw blurRad="38100" dist="38100" dir="2700000" algn="tl">
+                    <a:srgbClr val="000000">
+                      <a:alpha val="43137"/>
+                    </a:srgbClr>
+                  </a:outerShdw>
+                </a:effectLst>
+              </a:rPr>
+            </a:br>
+            <a:r>
+              <a:rPr lang="en-US" sz="1400" dirty="0">
+                <a:effectLst>
+                  <a:outerShdw blurRad="38100" dist="38100" dir="2700000" algn="tl">
+                    <a:srgbClr val="000000">
+                      <a:alpha val="43137"/>
+                    </a:srgbClr>
+                  </a:outerShdw>
+                </a:effectLst>
+              </a:rPr>
+              <a:t> </a:t>
+            </a:r>
+            <a:r>
+              <a:rPr lang="en-US" sz="1400" i="1" dirty="0">
+                <a:effectLst>
+                  <a:outerShdw blurRad="38100" dist="38100" dir="2700000" algn="tl">
+                    <a:srgbClr val="000000">
+                      <a:alpha val="43137"/>
+                    </a:srgbClr>
+                  </a:outerShdw>
+                </a:effectLst>
+              </a:rPr>
+              <a:t>or</a:t>
+            </a:r>
+            <a:r>
+              <a:rPr lang="en-US" sz="2000" i="1" dirty="0">
+                <a:solidFill>
+                  <a:srgbClr val="FFFF99"/>
+                </a:solidFill>
+                <a:effectLst>
+                  <a:outerShdw blurRad="38100" dist="38100" dir="2700000" algn="tl">
+                    <a:srgbClr val="000000">
+                      <a:alpha val="43137"/>
+                    </a:srgbClr>
+                  </a:outerShdw>
+                </a:effectLst>
+              </a:rPr>
+              <a:t> </a:t>
+            </a:r>
+            <a:r>
+              <a:rPr lang="en-US" sz="1600" i="1" dirty="0">
+                <a:solidFill>
+                  <a:srgbClr val="FFFF99"/>
+                </a:solidFill>
+                <a:effectLst>
+                  <a:outerShdw blurRad="38100" dist="38100" dir="2700000" algn="tl">
+                    <a:srgbClr val="000000">
+                      <a:alpha val="43137"/>
+                    </a:srgbClr>
+                  </a:outerShdw>
+                </a:effectLst>
+              </a:rPr>
+              <a:t>wwIPStuff.dll</a:t>
+            </a:r>
+            <a:br>
+              <a:rPr lang="en-US" sz="1600" i="1" dirty="0">
+                <a:solidFill>
+                  <a:srgbClr val="FFFF99"/>
+                </a:solidFill>
+                <a:effectLst>
+                  <a:outerShdw blurRad="38100" dist="38100" dir="2700000" algn="tl">
+                    <a:srgbClr val="000000">
+                      <a:alpha val="43137"/>
+                    </a:srgbClr>
+                  </a:outerShdw>
+                </a:effectLst>
+              </a:rPr>
+            </a:br>
+            <a:br>
+              <a:rPr lang="en-US" sz="800" b="1" dirty="0">
                 <a:effectLst>
                   <a:outerShdw blurRad="38100" dist="38100" dir="2700000" algn="tl">
                     <a:srgbClr val="000000">
@@ -9013,7 +10110,7 @@
               </a:rPr>
             </a:br>
             <a:r>
-              <a:rPr lang="en-US" sz="1200">
+              <a:rPr lang="en-US" sz="1200" dirty="0">
                 <a:effectLst>
                   <a:outerShdw blurRad="38100" dist="38100" dir="2700000" algn="tl">
                     <a:srgbClr val="000000">
@@ -9025,7 +10122,7 @@
               <a:t>loads .NET Runtime</a:t>
             </a:r>
             <a:br>
-              <a:rPr lang="en-US" sz="1200">
+              <a:rPr lang="en-US" sz="1200" dirty="0">
                 <a:effectLst>
                   <a:outerShdw blurRad="38100" dist="38100" dir="2700000" algn="tl">
                     <a:srgbClr val="000000">
@@ -9036,7 +10133,7 @@
               </a:rPr>
             </a:br>
             <a:r>
-              <a:rPr lang="en-US" sz="1200">
+              <a:rPr lang="en-US" sz="1200" dirty="0">
                 <a:effectLst>
                   <a:outerShdw blurRad="38100" dist="38100" dir="2700000" algn="tl">
                     <a:srgbClr val="000000">
@@ -9050,37 +10147,6 @@
           </a:p>
         </p:txBody>
       </p:sp>
-      <p:cxnSp>
-        <p:nvCxnSpPr>
-          <p:cNvPr id="48" name="Elbow Connector 47"/>
-          <p:cNvCxnSpPr/>
-          <p:nvPr/>
-        </p:nvCxnSpPr>
-        <p:spPr bwMode="auto">
-          <a:xfrm flipV="1">
-            <a:off x="2971800" y="3619501"/>
-            <a:ext cx="1924050" cy="800100"/>
-          </a:xfrm>
-          <a:prstGeom prst="bentConnector3">
-            <a:avLst>
-              <a:gd name="adj1" fmla="val -495"/>
-            </a:avLst>
-          </a:prstGeom>
-          <a:solidFill>
-            <a:srgbClr val="CC9900"/>
-          </a:solidFill>
-          <a:ln w="63500" cap="flat" cmpd="sng" algn="ctr">
-            <a:solidFill>
-              <a:schemeClr val="tx1"/>
-            </a:solidFill>
-            <a:prstDash val="solid"/>
-            <a:round/>
-            <a:headEnd type="none" w="med" len="med"/>
-            <a:tailEnd type="arrow"/>
-          </a:ln>
-          <a:effectLst/>
-        </p:spPr>
-      </p:cxnSp>
       <p:sp>
         <p:nvSpPr>
           <p:cNvPr id="57" name="Right Arrow 56"/>
@@ -9289,6 +10355,56 @@
           <a:effectLst/>
         </p:spPr>
       </p:cxnSp>
+      <p:sp>
+        <p:nvSpPr>
+          <p:cNvPr id="7" name="TextBox 6" descr="Com Interop">
+            <a:extLst>
+              <a:ext uri="{FF2B5EF4-FFF2-40B4-BE49-F238E27FC236}">
+                <a16:creationId xmlns:a16="http://schemas.microsoft.com/office/drawing/2014/main" id="{016A02E7-FF07-91B6-49E1-848959A63966}"/>
+              </a:ext>
+            </a:extLst>
+          </p:cNvPr>
+          <p:cNvSpPr txBox="1"/>
+          <p:nvPr/>
+        </p:nvSpPr>
+        <p:spPr>
+          <a:xfrm>
+            <a:off x="8720138" y="4320244"/>
+            <a:ext cx="847727" cy="523220"/>
+          </a:xfrm>
+          <a:prstGeom prst="rect">
+            <a:avLst/>
+          </a:prstGeom>
+          <a:solidFill>
+            <a:schemeClr val="tx1">
+              <a:lumMod val="85000"/>
+            </a:schemeClr>
+          </a:solidFill>
+          <a:ln>
+            <a:solidFill>
+              <a:schemeClr val="bg2">
+                <a:lumMod val="50000"/>
+              </a:schemeClr>
+            </a:solidFill>
+          </a:ln>
+        </p:spPr>
+        <p:txBody>
+          <a:bodyPr wrap="square" rtlCol="0">
+            <a:spAutoFit/>
+          </a:bodyPr>
+          <a:lstStyle/>
+          <a:p>
+            <a:r>
+              <a:rPr lang="en-US" sz="1400" dirty="0">
+                <a:solidFill>
+                  <a:srgbClr val="C00000"/>
+                </a:solidFill>
+              </a:rPr>
+              <a:t>COM Interop</a:t>
+            </a:r>
+          </a:p>
+        </p:txBody>
+      </p:sp>
     </p:spTree>
     <p:extLst>
       <p:ext uri="{BB962C8B-B14F-4D97-AF65-F5344CB8AC3E}">
@@ -9981,6 +11097,33 @@
                                   </p:childTnLst>
                                 </p:cTn>
                               </p:par>
+                              <p:par>
+                                <p:cTn id="50" presetID="1" presetClass="entr" presetSubtype="0" fill="hold" grpId="0" nodeType="withEffect">
+                                  <p:stCondLst>
+                                    <p:cond delay="0"/>
+                                  </p:stCondLst>
+                                  <p:childTnLst>
+                                    <p:set>
+                                      <p:cBhvr>
+                                        <p:cTn id="51" dur="1" fill="hold">
+                                          <p:stCondLst>
+                                            <p:cond delay="0"/>
+                                          </p:stCondLst>
+                                        </p:cTn>
+                                        <p:tgtEl>
+                                          <p:spTgt spid="7"/>
+                                        </p:tgtEl>
+                                        <p:attrNameLst>
+                                          <p:attrName>style.visibility</p:attrName>
+                                        </p:attrNameLst>
+                                      </p:cBhvr>
+                                      <p:to>
+                                        <p:strVal val="visible"/>
+                                      </p:to>
+                                    </p:set>
+                                  </p:childTnLst>
+                                </p:cTn>
+                              </p:par>
                             </p:childTnLst>
                           </p:cTn>
                         </p:par>
@@ -10019,12 +11162,13 @@
       <p:bldP spid="57" grpId="0" animBg="1"/>
       <p:bldP spid="58" grpId="0" animBg="1"/>
       <p:bldP spid="60" grpId="0" animBg="1"/>
+      <p:bldP spid="7" grpId="0" animBg="1"/>
     </p:bldLst>
   </p:timing>
 </p:sld>
 </file>
 
-<file path=ppt/slides/slide5.xml><?xml version="1.0" encoding="utf-8"?>
+<file path=ppt/slides/slide7.xml><?xml version="1.0" encoding="utf-8"?>
 <p:sld xmlns:a="http://schemas.openxmlformats.org/drawingml/2006/main" xmlns:r="http://schemas.openxmlformats.org/officeDocument/2006/relationships" xmlns:p="http://schemas.openxmlformats.org/presentationml/2006/main">
   <p:cSld>
     <p:spTree>
@@ -10053,7 +11197,7 @@
         </p:nvSpPr>
         <p:spPr>
           <a:xfrm>
-            <a:off x="228600" y="152400"/>
+            <a:off x="228600" y="228600"/>
             <a:ext cx="8763000" cy="457200"/>
           </a:xfrm>
         </p:spPr>
@@ -10062,14 +11206,17 @@
           <a:lstStyle/>
           <a:p>
             <a:r>
-              <a:rPr lang="en-US" sz="2800" dirty="0"/>
-              <a:t>A few Examples for </a:t>
-            </a:r>
-            <a:r>
-              <a:rPr lang="en-US" sz="2800" dirty="0" err="1"/>
+              <a:rPr lang="en-US" sz="2400" dirty="0"/>
+              <a:t>10 Examples of </a:t>
+            </a:r>
+            <a:r>
+              <a:rPr lang="en-US" sz="2400" dirty="0" err="1"/>
               <a:t>wwDotnetBridge</a:t>
             </a:r>
-            <a:endParaRPr lang="en-US" sz="2800" dirty="0"/>
+            <a:r>
+              <a:rPr lang="en-US" sz="2400" dirty="0"/>
+              <a:t> Usage</a:t>
+            </a:r>
           </a:p>
         </p:txBody>
       </p:sp>
@@ -10098,11 +11245,11 @@
               <a:buAutoNum type="arabicPeriod"/>
             </a:pPr>
             <a:r>
-              <a:rPr lang="en-US" sz="1800" dirty="0" err="1"/>
+              <a:rPr lang="en-US" sz="1600" dirty="0" err="1"/>
               <a:t>wwDotnetBridge</a:t>
             </a:r>
             <a:r>
-              <a:rPr lang="en-US" sz="1800" dirty="0"/>
+              <a:rPr lang="en-US" sz="1600" dirty="0"/>
               <a:t> 101 – Load, Create, Invoke, Get/Set</a:t>
             </a:r>
           </a:p>
@@ -10112,17 +11259,14 @@
               <a:buAutoNum type="arabicPeriod"/>
             </a:pPr>
             <a:r>
-              <a:rPr lang="en-US" sz="1800" dirty="0"/>
+              <a:rPr lang="en-US" sz="1600" dirty="0"/>
               <a:t>Create a powerful </a:t>
             </a:r>
             <a:r>
-              <a:rPr lang="en-US" sz="1600" dirty="0"/>
-              <a:t>String</a:t>
-            </a:r>
-            <a:r>
-              <a:rPr lang="en-US" sz="1800" dirty="0"/>
-              <a:t> Formatter</a:t>
-            </a:r>
+              <a:rPr lang="en-US" sz="1400" dirty="0"/>
+              <a:t>String Formatter</a:t>
+            </a:r>
+            <a:endParaRPr lang="en-US" sz="1600" dirty="0"/>
           </a:p>
           <a:p>
             <a:pPr marL="457200" indent="-457200">
@@ -10130,7 +11274,7 @@
               <a:buAutoNum type="arabicPeriod"/>
             </a:pPr>
             <a:r>
-              <a:rPr lang="en-US" sz="1800" dirty="0"/>
+              <a:rPr lang="en-US" sz="1600" dirty="0"/>
               <a:t>Add Markdown Parsing to your Applications</a:t>
             </a:r>
           </a:p>
@@ -10140,7 +11284,7 @@
               <a:buAutoNum type="arabicPeriod"/>
             </a:pPr>
             <a:r>
-              <a:rPr lang="en-US" sz="1800" dirty="0"/>
+              <a:rPr lang="en-US" sz="1600" dirty="0"/>
               <a:t>Use a Two-Factor Authenticator Library</a:t>
             </a:r>
           </a:p>
@@ -10150,7 +11294,7 @@
               <a:buAutoNum type="arabicPeriod"/>
             </a:pPr>
             <a:r>
-              <a:rPr lang="en-US" sz="1800" dirty="0"/>
+              <a:rPr lang="en-US" sz="1600" dirty="0"/>
               <a:t>Add Spellchecking to your applications</a:t>
             </a:r>
           </a:p>
@@ -10160,7 +11304,7 @@
               <a:buAutoNum type="arabicPeriod"/>
             </a:pPr>
             <a:r>
-              <a:rPr lang="en-US" sz="1800" dirty="0"/>
+              <a:rPr lang="en-US" sz="1600" dirty="0"/>
               <a:t>Humanize numbers, dates, measurements</a:t>
             </a:r>
           </a:p>
@@ -10170,7 +11314,7 @@
               <a:buAutoNum type="arabicPeriod"/>
             </a:pPr>
             <a:r>
-              <a:rPr lang="en-US" sz="1800" dirty="0"/>
+              <a:rPr lang="en-US" sz="1600" dirty="0"/>
               <a:t>File Watcher and Live Reload (Event Handling)</a:t>
             </a:r>
           </a:p>
@@ -10180,7 +11324,7 @@
               <a:buAutoNum type="arabicPeriod"/>
             </a:pPr>
             <a:r>
-              <a:rPr lang="en-US" sz="1800" dirty="0"/>
+              <a:rPr lang="en-US" sz="1600" dirty="0"/>
               <a:t>Async: Print Html to Pdf </a:t>
             </a:r>
           </a:p>
@@ -10190,8 +11334,48 @@
               <a:buAutoNum type="arabicPeriod"/>
             </a:pPr>
             <a:r>
-              <a:rPr lang="en-US" sz="1800" dirty="0"/>
+              <a:rPr lang="en-US" sz="1600" dirty="0"/>
               <a:t>Async: Use OpenAI for common AI Operations</a:t>
+            </a:r>
+          </a:p>
+          <a:p>
+            <a:pPr marL="857250" lvl="1" indent="-457200">
+              <a:buFont typeface="+mj-lt"/>
+              <a:buAutoNum type="arabicPeriod"/>
+            </a:pPr>
+            <a:r>
+              <a:rPr lang="en-US" sz="1200" dirty="0"/>
+              <a:t>Translations</a:t>
+            </a:r>
+          </a:p>
+          <a:p>
+            <a:pPr marL="857250" lvl="1" indent="-457200">
+              <a:buFont typeface="+mj-lt"/>
+              <a:buAutoNum type="arabicPeriod"/>
+            </a:pPr>
+            <a:r>
+              <a:rPr lang="en-US" sz="1200" dirty="0"/>
+              <a:t>Summary</a:t>
+            </a:r>
+          </a:p>
+          <a:p>
+            <a:pPr marL="857250" lvl="1" indent="-457200">
+              <a:buFont typeface="+mj-lt"/>
+              <a:buAutoNum type="arabicPeriod"/>
+            </a:pPr>
+            <a:r>
+              <a:rPr lang="en-US" sz="1200" dirty="0"/>
+              <a:t>Generic Completions</a:t>
+            </a:r>
+          </a:p>
+          <a:p>
+            <a:pPr marL="857250" lvl="1" indent="-457200">
+              <a:buFont typeface="+mj-lt"/>
+              <a:buAutoNum type="arabicPeriod"/>
+            </a:pPr>
+            <a:r>
+              <a:rPr lang="en-US" sz="1200" dirty="0"/>
+              <a:t>Image Generation</a:t>
             </a:r>
           </a:p>
           <a:p>
@@ -10200,7 +11384,7 @@
               <a:buAutoNum type="arabicPeriod"/>
             </a:pPr>
             <a:r>
-              <a:rPr lang="en-US" sz="1800" dirty="0"/>
+              <a:rPr lang="en-US" sz="1600" dirty="0"/>
               <a:t>Create a .NET Component and call it from FoxPro</a:t>
             </a:r>
           </a:p>
@@ -10222,7 +11406,7 @@
 </p:sld>
 </file>
 
-<file path=ppt/slides/slide6.xml><?xml version="1.0" encoding="utf-8"?>
+<file path=ppt/slides/slide8.xml><?xml version="1.0" encoding="utf-8"?>
 <p:sld xmlns:a="http://schemas.openxmlformats.org/drawingml/2006/main" xmlns:r="http://schemas.openxmlformats.org/officeDocument/2006/relationships" xmlns:p="http://schemas.openxmlformats.org/presentationml/2006/main">
   <p:cSld>
     <p:spTree>
@@ -11041,7 +12225,7 @@
 </p:sld>
 </file>
 
-<file path=ppt/slides/slide7.xml><?xml version="1.0" encoding="utf-8"?>
+<file path=ppt/slides/slide9.xml><?xml version="1.0" encoding="utf-8"?>
 <p:sld xmlns:a="http://schemas.openxmlformats.org/drawingml/2006/main" xmlns:r="http://schemas.openxmlformats.org/officeDocument/2006/relationships" xmlns:p="http://schemas.openxmlformats.org/presentationml/2006/main">
   <p:cSld>
     <p:spTree>
@@ -11398,596 +12582,6 @@
     <p:extLst>
       <p:ext uri="{BB962C8B-B14F-4D97-AF65-F5344CB8AC3E}">
         <p14:creationId xmlns:p14="http://schemas.microsoft.com/office/powerpoint/2010/main" val="2425781500"/>
-      </p:ext>
-    </p:extLst>
-  </p:cSld>
-  <p:clrMapOvr>
-    <a:masterClrMapping/>
-  </p:clrMapOvr>
-  <p:transition>
-    <p:wipe/>
-  </p:transition>
-</p:sld>
-</file>
-
-<file path=ppt/slides/slide8.xml><?xml version="1.0" encoding="utf-8"?>
-<p:sld xmlns:a="http://schemas.openxmlformats.org/drawingml/2006/main" xmlns:r="http://schemas.openxmlformats.org/officeDocument/2006/relationships" xmlns:p="http://schemas.openxmlformats.org/presentationml/2006/main">
-  <p:cSld>
-    <p:spTree>
-      <p:nvGrpSpPr>
-        <p:cNvPr id="1" name=""/>
-        <p:cNvGrpSpPr/>
-        <p:nvPr/>
-      </p:nvGrpSpPr>
-      <p:grpSpPr>
-        <a:xfrm>
-          <a:off x="0" y="0"/>
-          <a:ext cx="0" cy="0"/>
-          <a:chOff x="0" y="0"/>
-          <a:chExt cx="0" cy="0"/>
-        </a:xfrm>
-      </p:grpSpPr>
-      <p:sp>
-        <p:nvSpPr>
-          <p:cNvPr id="2" name="Title 1"/>
-          <p:cNvSpPr>
-            <a:spLocks noGrp="1"/>
-          </p:cNvSpPr>
-          <p:nvPr>
-            <p:ph type="title"/>
-          </p:nvPr>
-        </p:nvSpPr>
-        <p:spPr/>
-        <p:txBody>
-          <a:bodyPr/>
-          <a:lstStyle/>
-          <a:p>
-            <a:r>
-              <a:rPr lang="en-US"/>
-              <a:t>Markdown Parsing</a:t>
-            </a:r>
-          </a:p>
-        </p:txBody>
-      </p:sp>
-      <p:sp>
-        <p:nvSpPr>
-          <p:cNvPr id="3" name="Text Placeholder 2"/>
-          <p:cNvSpPr>
-            <a:spLocks noGrp="1"/>
-          </p:cNvSpPr>
-          <p:nvPr>
-            <p:ph type="body" idx="1"/>
-          </p:nvPr>
-        </p:nvSpPr>
-        <p:spPr>
-          <a:xfrm>
-            <a:off x="152400" y="791584"/>
-            <a:ext cx="7416800" cy="5105400"/>
-          </a:xfrm>
-        </p:spPr>
-        <p:txBody>
-          <a:bodyPr/>
-          <a:lstStyle/>
-          <a:p>
-            <a:r>
-              <a:rPr lang="en-US" sz="1300" dirty="0"/>
-              <a:t>Uses </a:t>
-            </a:r>
-            <a:r>
-              <a:rPr lang="en-US" sz="1300" dirty="0" err="1"/>
-              <a:t>Markdig</a:t>
-            </a:r>
-            <a:r>
-              <a:rPr lang="en-US" sz="1300" dirty="0"/>
-              <a:t> Third Party Library</a:t>
-            </a:r>
-          </a:p>
-          <a:p>
-            <a:pPr lvl="1"/>
-            <a:r>
-              <a:rPr lang="en-US" sz="1300" dirty="0"/>
-              <a:t>Widely used in 3</a:t>
-            </a:r>
-            <a:r>
-              <a:rPr lang="en-US" sz="1300" baseline="30000" dirty="0"/>
-              <a:t>rd</a:t>
-            </a:r>
-            <a:r>
-              <a:rPr lang="en-US" sz="1300" dirty="0"/>
-              <a:t> party and Microsoft applications</a:t>
-            </a:r>
-          </a:p>
-          <a:p>
-            <a:pPr lvl="1"/>
-            <a:r>
-              <a:rPr lang="en-US" sz="1300" dirty="0"/>
-              <a:t>Using an older 2018 version for single DLL dependency</a:t>
-            </a:r>
-          </a:p>
-          <a:p>
-            <a:r>
-              <a:rPr lang="en-US" sz="1300" dirty="0"/>
-              <a:t>Markdown </a:t>
-            </a:r>
-          </a:p>
-          <a:p>
-            <a:pPr lvl="1"/>
-            <a:r>
-              <a:rPr lang="en-US" sz="1300" dirty="0"/>
-              <a:t>Powerful text format for creating HTML content</a:t>
-            </a:r>
-          </a:p>
-          <a:p>
-            <a:pPr lvl="1"/>
-            <a:r>
-              <a:rPr lang="en-US" sz="1300" dirty="0"/>
-              <a:t>Renders plain text format -&gt; HTML</a:t>
-            </a:r>
-          </a:p>
-          <a:p>
-            <a:pPr lvl="1"/>
-            <a:r>
-              <a:rPr lang="en-US" sz="1300" dirty="0"/>
-              <a:t>Widely used – GitHub, Blogs, Support, Documentation, Wikis</a:t>
-            </a:r>
-          </a:p>
-          <a:p>
-            <a:pPr lvl="1"/>
-            <a:r>
-              <a:rPr lang="en-US" sz="1300" dirty="0"/>
-              <a:t>Converts to HTML using Parser (</a:t>
-            </a:r>
-            <a:r>
-              <a:rPr lang="en-US" sz="1300" dirty="0" err="1"/>
-              <a:t>Markdig</a:t>
-            </a:r>
-            <a:r>
-              <a:rPr lang="en-US" sz="1300" dirty="0"/>
-              <a:t>)</a:t>
-            </a:r>
-          </a:p>
-          <a:p>
-            <a:r>
-              <a:rPr lang="en-US" sz="1300" dirty="0"/>
-              <a:t>Useful for</a:t>
-            </a:r>
-          </a:p>
-          <a:p>
-            <a:pPr lvl="1"/>
-            <a:r>
-              <a:rPr lang="en-US" sz="1300" dirty="0"/>
-              <a:t>Formatted Memo Text input in Web applications</a:t>
-            </a:r>
-          </a:p>
-          <a:p>
-            <a:pPr lvl="1"/>
-            <a:r>
-              <a:rPr lang="en-US" sz="1300" dirty="0"/>
-              <a:t>Documentation </a:t>
-            </a:r>
-          </a:p>
-          <a:p>
-            <a:pPr lvl="1"/>
-            <a:r>
-              <a:rPr lang="en-US" sz="1300" dirty="0"/>
-              <a:t>Used in: Message Board, Help Builder, Markdown Monster</a:t>
-            </a:r>
-          </a:p>
-          <a:p>
-            <a:r>
-              <a:rPr lang="en-US" sz="1300" dirty="0"/>
-              <a:t>Add HTML Templating</a:t>
-            </a:r>
-          </a:p>
-          <a:p>
-            <a:pPr lvl="1"/>
-            <a:r>
-              <a:rPr lang="en-US" sz="1300" dirty="0"/>
-              <a:t>Markdown renders ‘raw’ HTML fragment</a:t>
-            </a:r>
-          </a:p>
-          <a:p>
-            <a:pPr lvl="1"/>
-            <a:r>
-              <a:rPr lang="en-US" sz="1300" dirty="0"/>
-              <a:t>You need a page to make Markdown look nice</a:t>
-            </a:r>
-          </a:p>
-          <a:p>
-            <a:pPr lvl="1"/>
-            <a:r>
-              <a:rPr lang="en-US" sz="1300" dirty="0"/>
-              <a:t>Use Templating to flow Markdown into consistent styling</a:t>
-            </a:r>
-          </a:p>
-          <a:p>
-            <a:r>
-              <a:rPr lang="en-US" sz="1300" dirty="0"/>
-              <a:t>Demonstrates</a:t>
-            </a:r>
-          </a:p>
-          <a:p>
-            <a:pPr lvl="1"/>
-            <a:r>
-              <a:rPr lang="en-US" sz="1300" dirty="0"/>
-              <a:t>Interfacing with a third party library</a:t>
-            </a:r>
-          </a:p>
-          <a:p>
-            <a:pPr lvl="1"/>
-            <a:r>
-              <a:rPr lang="en-US" sz="1300" dirty="0"/>
-              <a:t>Creating a FoxPro wrapper class that manages lifetime</a:t>
-            </a:r>
-          </a:p>
-          <a:p>
-            <a:pPr lvl="1"/>
-            <a:endParaRPr lang="en-US" sz="1300" dirty="0"/>
-          </a:p>
-          <a:p>
-            <a:pPr marL="457200" lvl="1" indent="0">
-              <a:buNone/>
-            </a:pPr>
-            <a:r>
-              <a:rPr lang="en-US" sz="1300" dirty="0">
-                <a:hlinkClick r:id="rId2"/>
-              </a:rPr>
-              <a:t>https://github.com/xoofx/markdig</a:t>
-            </a:r>
-            <a:endParaRPr lang="en-US" sz="1300" dirty="0"/>
-          </a:p>
-          <a:p>
-            <a:pPr marL="457200" lvl="1" indent="0">
-              <a:buNone/>
-            </a:pPr>
-            <a:endParaRPr lang="en-US" sz="1300" dirty="0"/>
-          </a:p>
-        </p:txBody>
-      </p:sp>
-      <p:pic>
-        <p:nvPicPr>
-          <p:cNvPr id="6" name="Picture 5">
-            <a:extLst>
-              <a:ext uri="{FF2B5EF4-FFF2-40B4-BE49-F238E27FC236}">
-                <a16:creationId xmlns:a16="http://schemas.microsoft.com/office/drawing/2014/main" id="{BF79DAD3-E030-6FDA-4DE6-802AB68D5423}"/>
-              </a:ext>
-            </a:extLst>
-          </p:cNvPr>
-          <p:cNvPicPr>
-            <a:picLocks noChangeAspect="1"/>
-          </p:cNvPicPr>
-          <p:nvPr/>
-        </p:nvPicPr>
-        <p:blipFill>
-          <a:blip r:embed="rId3"/>
-          <a:stretch>
-            <a:fillRect/>
-          </a:stretch>
-        </p:blipFill>
-        <p:spPr>
-          <a:xfrm>
-            <a:off x="6866167" y="2689"/>
-            <a:ext cx="5325833" cy="6858000"/>
-          </a:xfrm>
-          <a:prstGeom prst="rect">
-            <a:avLst/>
-          </a:prstGeom>
-        </p:spPr>
-      </p:pic>
-    </p:spTree>
-    <p:extLst>
-      <p:ext uri="{BB962C8B-B14F-4D97-AF65-F5344CB8AC3E}">
-        <p14:creationId xmlns:p14="http://schemas.microsoft.com/office/powerpoint/2010/main" val="1794224182"/>
-      </p:ext>
-    </p:extLst>
-  </p:cSld>
-  <p:clrMapOvr>
-    <a:masterClrMapping/>
-  </p:clrMapOvr>
-  <p:transition>
-    <p:wipe/>
-  </p:transition>
-</p:sld>
-</file>
-
-<file path=ppt/slides/slide9.xml><?xml version="1.0" encoding="utf-8"?>
-<p:sld xmlns:a="http://schemas.openxmlformats.org/drawingml/2006/main" xmlns:r="http://schemas.openxmlformats.org/officeDocument/2006/relationships" xmlns:p="http://schemas.openxmlformats.org/presentationml/2006/main">
-  <p:cSld>
-    <p:spTree>
-      <p:nvGrpSpPr>
-        <p:cNvPr id="1" name=""/>
-        <p:cNvGrpSpPr/>
-        <p:nvPr/>
-      </p:nvGrpSpPr>
-      <p:grpSpPr>
-        <a:xfrm>
-          <a:off x="0" y="0"/>
-          <a:ext cx="0" cy="0"/>
-          <a:chOff x="0" y="0"/>
-          <a:chExt cx="0" cy="0"/>
-        </a:xfrm>
-      </p:grpSpPr>
-      <p:sp>
-        <p:nvSpPr>
-          <p:cNvPr id="2" name="Title 1">
-            <a:extLst>
-              <a:ext uri="{FF2B5EF4-FFF2-40B4-BE49-F238E27FC236}">
-                <a16:creationId xmlns:a16="http://schemas.microsoft.com/office/drawing/2014/main" id="{C1DB781B-7797-E8CE-8F85-D4288CF1E11E}"/>
-              </a:ext>
-            </a:extLst>
-          </p:cNvPr>
-          <p:cNvSpPr>
-            <a:spLocks noGrp="1"/>
-          </p:cNvSpPr>
-          <p:nvPr>
-            <p:ph type="title"/>
-          </p:nvPr>
-        </p:nvSpPr>
-        <p:spPr/>
-        <p:txBody>
-          <a:bodyPr/>
-          <a:lstStyle/>
-          <a:p>
-            <a:r>
-              <a:rPr lang="en-US" sz="2000" dirty="0"/>
-              <a:t>Html Templates to Render Markdown </a:t>
-            </a:r>
-            <a:r>
-              <a:rPr lang="en-US" sz="1200" b="0" dirty="0"/>
-              <a:t>(continued)</a:t>
-            </a:r>
-          </a:p>
-        </p:txBody>
-      </p:sp>
-      <p:sp>
-        <p:nvSpPr>
-          <p:cNvPr id="3" name="Text Placeholder 2">
-            <a:extLst>
-              <a:ext uri="{FF2B5EF4-FFF2-40B4-BE49-F238E27FC236}">
-                <a16:creationId xmlns:a16="http://schemas.microsoft.com/office/drawing/2014/main" id="{E02BEF82-0216-6789-ECC0-3F125C074502}"/>
-              </a:ext>
-            </a:extLst>
-          </p:cNvPr>
-          <p:cNvSpPr>
-            <a:spLocks noGrp="1"/>
-          </p:cNvSpPr>
-          <p:nvPr>
-            <p:ph type="body" idx="1"/>
-          </p:nvPr>
-        </p:nvSpPr>
-        <p:spPr>
-          <a:xfrm>
-            <a:off x="203200" y="762000"/>
-            <a:ext cx="11480800" cy="5105400"/>
-          </a:xfrm>
-        </p:spPr>
-        <p:txBody>
-          <a:bodyPr/>
-          <a:lstStyle/>
-          <a:p>
-            <a:r>
-              <a:rPr lang="en-US" sz="1500" dirty="0"/>
-              <a:t>Template for Nice Html Output</a:t>
-            </a:r>
-          </a:p>
-          <a:p>
-            <a:pPr lvl="1"/>
-            <a:r>
-              <a:rPr lang="en-US" sz="1500" dirty="0"/>
-              <a:t>Markdown produces a raw HTML fragment</a:t>
-            </a:r>
-          </a:p>
-          <a:p>
-            <a:pPr lvl="1"/>
-            <a:r>
-              <a:rPr lang="en-US" sz="1500" dirty="0"/>
-              <a:t>On it’s </a:t>
-            </a:r>
-            <a:r>
-              <a:rPr lang="en-US" sz="1500" dirty="0" err="1"/>
-              <a:t>it’s</a:t>
-            </a:r>
-            <a:r>
-              <a:rPr lang="en-US" sz="1500" dirty="0"/>
-              <a:t> own it’s pretty ugly</a:t>
-            </a:r>
-          </a:p>
-          <a:p>
-            <a:pPr lvl="1"/>
-            <a:r>
-              <a:rPr lang="en-US" sz="1500" dirty="0"/>
-              <a:t>Use a template or Web Page that includes CSS styling</a:t>
-            </a:r>
-          </a:p>
-          <a:p>
-            <a:pPr lvl="1"/>
-            <a:r>
-              <a:rPr lang="en-US" sz="1500" dirty="0"/>
-              <a:t>Handle Code Snippet formatting</a:t>
-            </a:r>
-          </a:p>
-          <a:p>
-            <a:r>
-              <a:rPr lang="en-US" sz="1500" dirty="0"/>
-              <a:t>Integrated into Web Content</a:t>
-            </a:r>
-          </a:p>
-          <a:p>
-            <a:pPr lvl="1"/>
-            <a:r>
-              <a:rPr lang="en-US" sz="1500" dirty="0"/>
-              <a:t>If you are using a Web app, apply app styles</a:t>
-            </a:r>
-          </a:p>
-          <a:p>
-            <a:pPr lvl="1"/>
-            <a:r>
-              <a:rPr lang="en-US" sz="1500" dirty="0"/>
-              <a:t>Styling is applied from Application Styles</a:t>
-            </a:r>
-          </a:p>
-          <a:p>
-            <a:pPr lvl="1"/>
-            <a:r>
-              <a:rPr lang="en-US" sz="1500" dirty="0"/>
-              <a:t>Add Markdown specific styling if necessary (code, quotes etc.)</a:t>
-            </a:r>
-          </a:p>
-          <a:p>
-            <a:r>
-              <a:rPr lang="en-US" sz="1500" dirty="0"/>
-              <a:t>For Desktop use local Html Templates</a:t>
-            </a:r>
-          </a:p>
-          <a:p>
-            <a:pPr lvl="1"/>
-            <a:r>
-              <a:rPr lang="en-US" sz="1500" dirty="0"/>
-              <a:t>Create an Html Page template that includes styling</a:t>
-            </a:r>
-          </a:p>
-          <a:p>
-            <a:pPr lvl="1"/>
-            <a:r>
-              <a:rPr lang="en-US" sz="1500" dirty="0"/>
-              <a:t>Render HTML into the template</a:t>
-            </a:r>
-          </a:p>
-          <a:p>
-            <a:pPr lvl="1"/>
-            <a:r>
-              <a:rPr lang="en-US" sz="1500" dirty="0"/>
-              <a:t>Beware of </a:t>
-            </a:r>
-            <a:r>
-              <a:rPr lang="en-US" sz="1500" dirty="0" err="1">
-                <a:latin typeface="Consolas" panose="020B0609020204030204" pitchFamily="49" charset="0"/>
-              </a:rPr>
-              <a:t>TextMerge</a:t>
-            </a:r>
-            <a:r>
-              <a:rPr lang="en-US" sz="1500" dirty="0">
-                <a:latin typeface="Consolas" panose="020B0609020204030204" pitchFamily="49" charset="0"/>
-              </a:rPr>
-              <a:t>()</a:t>
-            </a:r>
-            <a:r>
-              <a:rPr lang="en-US" sz="1500" dirty="0"/>
-              <a:t> - mangles linefeeds</a:t>
-            </a:r>
-          </a:p>
-          <a:p>
-            <a:pPr lvl="1"/>
-            <a:r>
-              <a:rPr lang="en-US" sz="1500" dirty="0"/>
-              <a:t>Instead  use </a:t>
-            </a:r>
-            <a:r>
-              <a:rPr lang="en-US" sz="1500" dirty="0" err="1"/>
-              <a:t>RegEx</a:t>
-            </a:r>
-            <a:r>
-              <a:rPr lang="en-US" sz="1500" dirty="0"/>
-              <a:t> or </a:t>
-            </a:r>
-            <a:r>
-              <a:rPr lang="en-US" sz="1500" dirty="0" err="1">
-                <a:latin typeface="Consolas" panose="020B0609020204030204" pitchFamily="49" charset="0"/>
-              </a:rPr>
-              <a:t>StrTran</a:t>
-            </a:r>
-            <a:r>
-              <a:rPr lang="en-US" sz="1500" dirty="0">
-                <a:latin typeface="Consolas" panose="020B0609020204030204" pitchFamily="49" charset="0"/>
-              </a:rPr>
-              <a:t>() </a:t>
-            </a:r>
-            <a:r>
-              <a:rPr lang="en-US" sz="1500" dirty="0"/>
-              <a:t>to replace content</a:t>
-            </a:r>
-          </a:p>
-          <a:p>
-            <a:pPr marL="457200" lvl="1" indent="0">
-              <a:buNone/>
-            </a:pPr>
-            <a:r>
-              <a:rPr lang="en-US" sz="1500" dirty="0"/>
-              <a:t>	</a:t>
-            </a:r>
-          </a:p>
-          <a:p>
-            <a:pPr marL="0" indent="0">
-              <a:buNone/>
-            </a:pPr>
-            <a:endParaRPr lang="en-US" sz="1500" dirty="0"/>
-          </a:p>
-        </p:txBody>
-      </p:sp>
-      <p:pic>
-        <p:nvPicPr>
-          <p:cNvPr id="5" name="Picture 4">
-            <a:extLst>
-              <a:ext uri="{FF2B5EF4-FFF2-40B4-BE49-F238E27FC236}">
-                <a16:creationId xmlns:a16="http://schemas.microsoft.com/office/drawing/2014/main" id="{F44AA642-95A7-3A97-EA30-E2A202ADDFB0}"/>
-              </a:ext>
-            </a:extLst>
-          </p:cNvPr>
-          <p:cNvPicPr>
-            <a:picLocks noChangeAspect="1"/>
-          </p:cNvPicPr>
-          <p:nvPr/>
-        </p:nvPicPr>
-        <p:blipFill>
-          <a:blip r:embed="rId2"/>
-          <a:stretch>
-            <a:fillRect/>
-          </a:stretch>
-        </p:blipFill>
-        <p:spPr>
-          <a:xfrm>
-            <a:off x="7723991" y="0"/>
-            <a:ext cx="4473240" cy="4385402"/>
-          </a:xfrm>
-          <a:prstGeom prst="rect">
-            <a:avLst/>
-          </a:prstGeom>
-        </p:spPr>
-      </p:pic>
-      <p:pic>
-        <p:nvPicPr>
-          <p:cNvPr id="9" name="Picture 8">
-            <a:extLst>
-              <a:ext uri="{FF2B5EF4-FFF2-40B4-BE49-F238E27FC236}">
-                <a16:creationId xmlns:a16="http://schemas.microsoft.com/office/drawing/2014/main" id="{460BA3B3-5439-5C79-CCCA-D89E049EF54B}"/>
-              </a:ext>
-            </a:extLst>
-          </p:cNvPr>
-          <p:cNvPicPr>
-            <a:picLocks noChangeAspect="1"/>
-          </p:cNvPicPr>
-          <p:nvPr/>
-        </p:nvPicPr>
-        <p:blipFill>
-          <a:blip r:embed="rId3"/>
-          <a:stretch>
-            <a:fillRect/>
-          </a:stretch>
-        </p:blipFill>
-        <p:spPr>
-          <a:xfrm>
-            <a:off x="7718760" y="4402183"/>
-            <a:ext cx="4473240" cy="2455817"/>
-          </a:xfrm>
-          <a:prstGeom prst="rect">
-            <a:avLst/>
-          </a:prstGeom>
-        </p:spPr>
-      </p:pic>
-    </p:spTree>
-    <p:extLst>
-      <p:ext uri="{BB962C8B-B14F-4D97-AF65-F5344CB8AC3E}">
-        <p14:creationId xmlns:p14="http://schemas.microsoft.com/office/powerpoint/2010/main" val="3065799244"/>
       </p:ext>
     </p:extLst>
   </p:cSld>

--- a/Documents/Strahl-swFox2024-wwDotnetBridge-Revisited.pptx
+++ b/Documents/Strahl-swFox2024-wwDotnetBridge-Revisited.pptx
@@ -5,10 +5,10 @@
     <p:sldMasterId id="2147483651" r:id="rId1"/>
   </p:sldMasterIdLst>
   <p:notesMasterIdLst>
-    <p:notesMasterId r:id="rId32"/>
+    <p:notesMasterId r:id="rId31"/>
   </p:notesMasterIdLst>
   <p:handoutMasterIdLst>
-    <p:handoutMasterId r:id="rId33"/>
+    <p:handoutMasterId r:id="rId32"/>
   </p:handoutMasterIdLst>
   <p:sldIdLst>
     <p:sldId id="256" r:id="rId2"/>
@@ -32,15 +32,14 @@
     <p:sldId id="346" r:id="rId20"/>
     <p:sldId id="350" r:id="rId21"/>
     <p:sldId id="336" r:id="rId22"/>
-    <p:sldId id="352" r:id="rId23"/>
-    <p:sldId id="335" r:id="rId24"/>
-    <p:sldId id="333" r:id="rId25"/>
-    <p:sldId id="337" r:id="rId26"/>
-    <p:sldId id="339" r:id="rId27"/>
-    <p:sldId id="338" r:id="rId28"/>
-    <p:sldId id="340" r:id="rId29"/>
-    <p:sldId id="297" r:id="rId30"/>
-    <p:sldId id="296" r:id="rId31"/>
+    <p:sldId id="335" r:id="rId23"/>
+    <p:sldId id="333" r:id="rId24"/>
+    <p:sldId id="337" r:id="rId25"/>
+    <p:sldId id="339" r:id="rId26"/>
+    <p:sldId id="338" r:id="rId27"/>
+    <p:sldId id="340" r:id="rId28"/>
+    <p:sldId id="297" r:id="rId29"/>
+    <p:sldId id="296" r:id="rId30"/>
   </p:sldIdLst>
   <p:sldSz cx="12192000" cy="6858000"/>
   <p:notesSz cx="6858000" cy="9144000"/>
@@ -1159,7 +1158,7 @@
           <a:bodyPr/>
           <a:lstStyle/>
           <a:p>
-            <a:endParaRPr lang="en-US" dirty="0"/>
+            <a:endParaRPr lang="en-US"/>
           </a:p>
         </p:txBody>
       </p:sp>
@@ -1186,6 +1185,96 @@
               <a:pPr>
                 <a:defRPr/>
               </a:pPr>
+              <a:t>2</a:t>
+            </a:fld>
+            <a:endParaRPr lang="en-US"/>
+          </a:p>
+        </p:txBody>
+      </p:sp>
+    </p:spTree>
+    <p:extLst>
+      <p:ext uri="{BB962C8B-B14F-4D97-AF65-F5344CB8AC3E}">
+        <p14:creationId xmlns:p14="http://schemas.microsoft.com/office/powerpoint/2010/main" val="1667305716"/>
+      </p:ext>
+    </p:extLst>
+  </p:cSld>
+  <p:clrMapOvr>
+    <a:masterClrMapping/>
+  </p:clrMapOvr>
+</p:notes>
+</file>
+
+<file path=ppt/notesSlides/notesSlide3.xml><?xml version="1.0" encoding="utf-8"?>
+<p:notes xmlns:a="http://schemas.openxmlformats.org/drawingml/2006/main" xmlns:r="http://schemas.openxmlformats.org/officeDocument/2006/relationships" xmlns:p="http://schemas.openxmlformats.org/presentationml/2006/main">
+  <p:cSld>
+    <p:spTree>
+      <p:nvGrpSpPr>
+        <p:cNvPr id="1" name=""/>
+        <p:cNvGrpSpPr/>
+        <p:nvPr/>
+      </p:nvGrpSpPr>
+      <p:grpSpPr>
+        <a:xfrm>
+          <a:off x="0" y="0"/>
+          <a:ext cx="0" cy="0"/>
+          <a:chOff x="0" y="0"/>
+          <a:chExt cx="0" cy="0"/>
+        </a:xfrm>
+      </p:grpSpPr>
+      <p:sp>
+        <p:nvSpPr>
+          <p:cNvPr id="2" name="Slide Image Placeholder 1"/>
+          <p:cNvSpPr>
+            <a:spLocks noGrp="1" noRot="1" noChangeAspect="1"/>
+          </p:cNvSpPr>
+          <p:nvPr>
+            <p:ph type="sldImg"/>
+          </p:nvPr>
+        </p:nvSpPr>
+        <p:spPr/>
+      </p:sp>
+      <p:sp>
+        <p:nvSpPr>
+          <p:cNvPr id="3" name="Notes Placeholder 2"/>
+          <p:cNvSpPr>
+            <a:spLocks noGrp="1"/>
+          </p:cNvSpPr>
+          <p:nvPr>
+            <p:ph type="body" idx="1"/>
+          </p:nvPr>
+        </p:nvSpPr>
+        <p:spPr/>
+        <p:txBody>
+          <a:bodyPr/>
+          <a:lstStyle/>
+          <a:p>
+            <a:endParaRPr lang="en-US" dirty="0"/>
+          </a:p>
+        </p:txBody>
+      </p:sp>
+      <p:sp>
+        <p:nvSpPr>
+          <p:cNvPr id="4" name="Slide Number Placeholder 3"/>
+          <p:cNvSpPr>
+            <a:spLocks noGrp="1"/>
+          </p:cNvSpPr>
+          <p:nvPr>
+            <p:ph type="sldNum" sz="quarter" idx="5"/>
+          </p:nvPr>
+        </p:nvSpPr>
+        <p:spPr/>
+        <p:txBody>
+          <a:bodyPr/>
+          <a:lstStyle/>
+          <a:p>
+            <a:pPr>
+              <a:defRPr/>
+            </a:pPr>
+            <a:fld id="{E4465E8E-9409-423E-9C33-3E3B035D3FE5}" type="slidenum">
+              <a:rPr lang="en-US" smtClean="0"/>
+              <a:pPr>
+                <a:defRPr/>
+              </a:pPr>
               <a:t>8</a:t>
             </a:fld>
             <a:endParaRPr lang="en-US"/>
@@ -1196,6 +1285,96 @@
     <p:extLst>
       <p:ext uri="{BB962C8B-B14F-4D97-AF65-F5344CB8AC3E}">
         <p14:creationId xmlns:p14="http://schemas.microsoft.com/office/powerpoint/2010/main" val="822516995"/>
+      </p:ext>
+    </p:extLst>
+  </p:cSld>
+  <p:clrMapOvr>
+    <a:masterClrMapping/>
+  </p:clrMapOvr>
+</p:notes>
+</file>
+
+<file path=ppt/notesSlides/notesSlide4.xml><?xml version="1.0" encoding="utf-8"?>
+<p:notes xmlns:a="http://schemas.openxmlformats.org/drawingml/2006/main" xmlns:r="http://schemas.openxmlformats.org/officeDocument/2006/relationships" xmlns:p="http://schemas.openxmlformats.org/presentationml/2006/main">
+  <p:cSld>
+    <p:spTree>
+      <p:nvGrpSpPr>
+        <p:cNvPr id="1" name=""/>
+        <p:cNvGrpSpPr/>
+        <p:nvPr/>
+      </p:nvGrpSpPr>
+      <p:grpSpPr>
+        <a:xfrm>
+          <a:off x="0" y="0"/>
+          <a:ext cx="0" cy="0"/>
+          <a:chOff x="0" y="0"/>
+          <a:chExt cx="0" cy="0"/>
+        </a:xfrm>
+      </p:grpSpPr>
+      <p:sp>
+        <p:nvSpPr>
+          <p:cNvPr id="2" name="Slide Image Placeholder 1"/>
+          <p:cNvSpPr>
+            <a:spLocks noGrp="1" noRot="1" noChangeAspect="1"/>
+          </p:cNvSpPr>
+          <p:nvPr>
+            <p:ph type="sldImg"/>
+          </p:nvPr>
+        </p:nvSpPr>
+        <p:spPr/>
+      </p:sp>
+      <p:sp>
+        <p:nvSpPr>
+          <p:cNvPr id="3" name="Notes Placeholder 2"/>
+          <p:cNvSpPr>
+            <a:spLocks noGrp="1"/>
+          </p:cNvSpPr>
+          <p:nvPr>
+            <p:ph type="body" idx="1"/>
+          </p:nvPr>
+        </p:nvSpPr>
+        <p:spPr/>
+        <p:txBody>
+          <a:bodyPr/>
+          <a:lstStyle/>
+          <a:p>
+            <a:endParaRPr lang="en-US" dirty="0"/>
+          </a:p>
+        </p:txBody>
+      </p:sp>
+      <p:sp>
+        <p:nvSpPr>
+          <p:cNvPr id="4" name="Slide Number Placeholder 3"/>
+          <p:cNvSpPr>
+            <a:spLocks noGrp="1"/>
+          </p:cNvSpPr>
+          <p:nvPr>
+            <p:ph type="sldNum" sz="quarter" idx="5"/>
+          </p:nvPr>
+        </p:nvSpPr>
+        <p:spPr/>
+        <p:txBody>
+          <a:bodyPr/>
+          <a:lstStyle/>
+          <a:p>
+            <a:pPr>
+              <a:defRPr/>
+            </a:pPr>
+            <a:fld id="{E4465E8E-9409-423E-9C33-3E3B035D3FE5}" type="slidenum">
+              <a:rPr lang="en-US" smtClean="0"/>
+              <a:pPr>
+                <a:defRPr/>
+              </a:pPr>
+              <a:t>9</a:t>
+            </a:fld>
+            <a:endParaRPr lang="en-US"/>
+          </a:p>
+        </p:txBody>
+      </p:sp>
+    </p:spTree>
+    <p:extLst>
+      <p:ext uri="{BB962C8B-B14F-4D97-AF65-F5344CB8AC3E}">
+        <p14:creationId xmlns:p14="http://schemas.microsoft.com/office/powerpoint/2010/main" val="419938252"/>
       </p:ext>
     </p:extLst>
   </p:cSld>
@@ -6275,8 +6454,8 @@
         </p:nvSpPr>
         <p:spPr>
           <a:xfrm>
-            <a:off x="1447800" y="914400"/>
-            <a:ext cx="7315200" cy="5410200"/>
+            <a:off x="914400" y="914400"/>
+            <a:ext cx="8458200" cy="5410200"/>
           </a:xfrm>
         </p:spPr>
         <p:txBody>
@@ -6287,71 +6466,44 @@
               <a:buNone/>
             </a:pPr>
             <a:r>
-              <a:rPr lang="en-US" sz="2800" dirty="0"/>
+              <a:rPr lang="en-US" sz="3200" dirty="0"/>
               <a:t>You’ll find out:</a:t>
             </a:r>
           </a:p>
           <a:p>
-            <a:r>
-              <a:rPr lang="en-US" dirty="0"/>
-              <a:t>Why you’d want to integrate .NET</a:t>
-            </a:r>
-          </a:p>
-          <a:p>
-            <a:r>
-              <a:rPr lang="en-US" dirty="0"/>
-              <a:t>Why you’d use </a:t>
-            </a:r>
-            <a:r>
-              <a:rPr lang="en-US" dirty="0" err="1"/>
-              <a:t>wwDotnetBridge</a:t>
-            </a:r>
-            <a:endParaRPr lang="en-US" dirty="0"/>
-          </a:p>
-          <a:p>
-            <a:r>
-              <a:rPr lang="en-US" dirty="0"/>
-              <a:t>How to call .NET components from FoxPro</a:t>
-            </a:r>
-          </a:p>
-          <a:p>
-            <a:r>
-              <a:rPr lang="en-US" dirty="0"/>
-              <a:t>How to create your own .NET components</a:t>
-            </a:r>
-          </a:p>
-          <a:p>
-            <a:r>
-              <a:rPr lang="en-US" dirty="0"/>
-              <a:t>Examples that demonstrate features</a:t>
-            </a:r>
-          </a:p>
-          <a:p>
-            <a:pPr lvl="1"/>
-            <a:r>
-              <a:rPr lang="en-US" dirty="0"/>
-              <a:t>Some simple practical examples</a:t>
-            </a:r>
-          </a:p>
-          <a:p>
-            <a:pPr lvl="1"/>
-            <a:r>
-              <a:rPr lang="en-US" dirty="0"/>
-              <a:t>Some conceptual examples</a:t>
-            </a:r>
-          </a:p>
-          <a:p>
-            <a:pPr lvl="1"/>
-            <a:r>
-              <a:rPr lang="en-US" dirty="0"/>
-              <a:t>Some examples to demonstrate what’s possible</a:t>
-            </a:r>
-          </a:p>
-          <a:p>
-            <a:pPr marL="457200" lvl="1" indent="0">
+            <a:pPr marL="0" indent="0">
               <a:buNone/>
             </a:pPr>
-            <a:endParaRPr lang="en-US" dirty="0"/>
+            <a:endParaRPr lang="en-US" sz="800" dirty="0"/>
+          </a:p>
+          <a:p>
+            <a:r>
+              <a:rPr lang="en-US" sz="2600" dirty="0"/>
+              <a:t>Why you would want to integrate .NET</a:t>
+            </a:r>
+          </a:p>
+          <a:p>
+            <a:r>
+              <a:rPr lang="en-US" sz="2600" dirty="0"/>
+              <a:t>Why you should use </a:t>
+            </a:r>
+            <a:r>
+              <a:rPr lang="en-US" sz="2600" dirty="0" err="1"/>
+              <a:t>wwDotnetBridge</a:t>
+            </a:r>
+            <a:endParaRPr lang="en-US" sz="2600" dirty="0"/>
+          </a:p>
+          <a:p>
+            <a:r>
+              <a:rPr lang="en-US" sz="2600" dirty="0"/>
+              <a:t>How to call .NET components from FoxPro</a:t>
+            </a:r>
+          </a:p>
+          <a:p>
+            <a:r>
+              <a:rPr lang="en-US" sz="2600" dirty="0"/>
+              <a:t>How to create your own .NET components</a:t>
+            </a:r>
           </a:p>
         </p:txBody>
       </p:sp>
@@ -6784,92 +6936,6 @@
       </p:grpSpPr>
       <p:sp>
         <p:nvSpPr>
-          <p:cNvPr id="2" name="Title 1">
-            <a:extLst>
-              <a:ext uri="{FF2B5EF4-FFF2-40B4-BE49-F238E27FC236}">
-                <a16:creationId xmlns:a16="http://schemas.microsoft.com/office/drawing/2014/main" id="{55BE5350-5BF3-D425-3161-4428C8B815A5}"/>
-              </a:ext>
-            </a:extLst>
-          </p:cNvPr>
-          <p:cNvSpPr>
-            <a:spLocks noGrp="1"/>
-          </p:cNvSpPr>
-          <p:nvPr>
-            <p:ph type="title"/>
-          </p:nvPr>
-        </p:nvSpPr>
-        <p:spPr/>
-        <p:txBody>
-          <a:bodyPr/>
-          <a:lstStyle/>
-          <a:p>
-            <a:r>
-              <a:rPr lang="en-US" dirty="0"/>
-              <a:t>Async: Common AI Operations</a:t>
-            </a:r>
-          </a:p>
-        </p:txBody>
-      </p:sp>
-      <p:sp>
-        <p:nvSpPr>
-          <p:cNvPr id="3" name="Text Placeholder 2">
-            <a:extLst>
-              <a:ext uri="{FF2B5EF4-FFF2-40B4-BE49-F238E27FC236}">
-                <a16:creationId xmlns:a16="http://schemas.microsoft.com/office/drawing/2014/main" id="{DAB8C8F9-A0F0-0B6C-701D-5BB93688A284}"/>
-              </a:ext>
-            </a:extLst>
-          </p:cNvPr>
-          <p:cNvSpPr>
-            <a:spLocks noGrp="1"/>
-          </p:cNvSpPr>
-          <p:nvPr>
-            <p:ph type="body" idx="1"/>
-          </p:nvPr>
-        </p:nvSpPr>
-        <p:spPr/>
-        <p:txBody>
-          <a:bodyPr/>
-          <a:lstStyle/>
-          <a:p>
-            <a:endParaRPr lang="en-US"/>
-          </a:p>
-        </p:txBody>
-      </p:sp>
-    </p:spTree>
-    <p:extLst>
-      <p:ext uri="{BB962C8B-B14F-4D97-AF65-F5344CB8AC3E}">
-        <p14:creationId xmlns:p14="http://schemas.microsoft.com/office/powerpoint/2010/main" val="3830614488"/>
-      </p:ext>
-    </p:extLst>
-  </p:cSld>
-  <p:clrMapOvr>
-    <a:masterClrMapping/>
-  </p:clrMapOvr>
-  <p:transition>
-    <p:wipe/>
-  </p:transition>
-</p:sld>
-</file>
-
-<file path=ppt/slides/slide23.xml><?xml version="1.0" encoding="utf-8"?>
-<p:sld xmlns:a="http://schemas.openxmlformats.org/drawingml/2006/main" xmlns:r="http://schemas.openxmlformats.org/officeDocument/2006/relationships" xmlns:p="http://schemas.openxmlformats.org/presentationml/2006/main">
-  <p:cSld>
-    <p:spTree>
-      <p:nvGrpSpPr>
-        <p:cNvPr id="1" name=""/>
-        <p:cNvGrpSpPr/>
-        <p:nvPr/>
-      </p:nvGrpSpPr>
-      <p:grpSpPr>
-        <a:xfrm>
-          <a:off x="0" y="0"/>
-          <a:ext cx="0" cy="0"/>
-          <a:chOff x="0" y="0"/>
-          <a:chExt cx="0" cy="0"/>
-        </a:xfrm>
-      </p:grpSpPr>
-      <p:sp>
-        <p:nvSpPr>
           <p:cNvPr id="2" name="Title 1"/>
           <p:cNvSpPr>
             <a:spLocks noGrp="1"/>
@@ -7053,7 +7119,7 @@
 </p:sld>
 </file>
 
-<file path=ppt/slides/slide24.xml><?xml version="1.0" encoding="utf-8"?>
+<file path=ppt/slides/slide23.xml><?xml version="1.0" encoding="utf-8"?>
 <p:sld xmlns:a="http://schemas.openxmlformats.org/drawingml/2006/main" xmlns:r="http://schemas.openxmlformats.org/officeDocument/2006/relationships" xmlns:p="http://schemas.openxmlformats.org/presentationml/2006/main">
   <p:cSld>
     <p:spTree>
@@ -7252,7 +7318,7 @@
 </p:sld>
 </file>
 
-<file path=ppt/slides/slide25.xml><?xml version="1.0" encoding="utf-8"?>
+<file path=ppt/slides/slide24.xml><?xml version="1.0" encoding="utf-8"?>
 <p:sld xmlns:a="http://schemas.openxmlformats.org/drawingml/2006/main" xmlns:r="http://schemas.openxmlformats.org/officeDocument/2006/relationships" xmlns:p="http://schemas.openxmlformats.org/presentationml/2006/main">
   <p:cSld>
     <p:spTree>
@@ -7536,7 +7602,7 @@
 </p:sld>
 </file>
 
-<file path=ppt/slides/slide26.xml><?xml version="1.0" encoding="utf-8"?>
+<file path=ppt/slides/slide25.xml><?xml version="1.0" encoding="utf-8"?>
 <p:sld xmlns:a="http://schemas.openxmlformats.org/drawingml/2006/main" xmlns:r="http://schemas.openxmlformats.org/officeDocument/2006/relationships" xmlns:p="http://schemas.openxmlformats.org/presentationml/2006/main">
   <p:cSld>
     <p:spTree>
@@ -7672,7 +7738,7 @@
 </p:sld>
 </file>
 
-<file path=ppt/slides/slide27.xml><?xml version="1.0" encoding="utf-8"?>
+<file path=ppt/slides/slide26.xml><?xml version="1.0" encoding="utf-8"?>
 <p:sld xmlns:a="http://schemas.openxmlformats.org/drawingml/2006/main" xmlns:r="http://schemas.openxmlformats.org/officeDocument/2006/relationships" xmlns:p="http://schemas.openxmlformats.org/presentationml/2006/main">
   <p:cSld>
     <p:spTree>
@@ -7763,7 +7829,7 @@
 </p:sld>
 </file>
 
-<file path=ppt/slides/slide28.xml><?xml version="1.0" encoding="utf-8"?>
+<file path=ppt/slides/slide27.xml><?xml version="1.0" encoding="utf-8"?>
 <p:sld xmlns:a="http://schemas.openxmlformats.org/drawingml/2006/main" xmlns:r="http://schemas.openxmlformats.org/officeDocument/2006/relationships" xmlns:p="http://schemas.openxmlformats.org/presentationml/2006/main">
   <p:cSld>
     <p:spTree>
@@ -8047,6 +8113,224 @@
     <p:extLst>
       <p:ext uri="{BB962C8B-B14F-4D97-AF65-F5344CB8AC3E}">
         <p14:creationId xmlns:p14="http://schemas.microsoft.com/office/powerpoint/2010/main" val="3490075208"/>
+      </p:ext>
+    </p:extLst>
+  </p:cSld>
+  <p:clrMapOvr>
+    <a:masterClrMapping/>
+  </p:clrMapOvr>
+  <p:transition>
+    <p:wipe/>
+  </p:transition>
+</p:sld>
+</file>
+
+<file path=ppt/slides/slide28.xml><?xml version="1.0" encoding="utf-8"?>
+<p:sld xmlns:a="http://schemas.openxmlformats.org/drawingml/2006/main" xmlns:r="http://schemas.openxmlformats.org/officeDocument/2006/relationships" xmlns:p="http://schemas.openxmlformats.org/presentationml/2006/main">
+  <p:cSld>
+    <p:spTree>
+      <p:nvGrpSpPr>
+        <p:cNvPr id="1" name=""/>
+        <p:cNvGrpSpPr/>
+        <p:nvPr/>
+      </p:nvGrpSpPr>
+      <p:grpSpPr>
+        <a:xfrm>
+          <a:off x="0" y="0"/>
+          <a:ext cx="0" cy="0"/>
+          <a:chOff x="0" y="0"/>
+          <a:chExt cx="0" cy="0"/>
+        </a:xfrm>
+      </p:grpSpPr>
+      <p:sp>
+        <p:nvSpPr>
+          <p:cNvPr id="2" name="Title 1"/>
+          <p:cNvSpPr>
+            <a:spLocks noGrp="1"/>
+          </p:cNvSpPr>
+          <p:nvPr>
+            <p:ph type="title"/>
+          </p:nvPr>
+        </p:nvSpPr>
+        <p:spPr/>
+        <p:txBody>
+          <a:bodyPr/>
+          <a:lstStyle/>
+          <a:p>
+            <a:r>
+              <a:rPr lang="en-US"/>
+              <a:t>Summary</a:t>
+            </a:r>
+          </a:p>
+        </p:txBody>
+      </p:sp>
+      <p:sp>
+        <p:nvSpPr>
+          <p:cNvPr id="3" name="Text Placeholder 2"/>
+          <p:cNvSpPr>
+            <a:spLocks noGrp="1"/>
+          </p:cNvSpPr>
+          <p:nvPr>
+            <p:ph type="body" idx="1"/>
+          </p:nvPr>
+        </p:nvSpPr>
+        <p:spPr>
+          <a:xfrm>
+            <a:off x="304800" y="762000"/>
+            <a:ext cx="8610600" cy="5181600"/>
+          </a:xfrm>
+        </p:spPr>
+        <p:txBody>
+          <a:bodyPr/>
+          <a:lstStyle/>
+          <a:p>
+            <a:r>
+              <a:rPr lang="en-US" sz="1600" dirty="0"/>
+              <a:t>Lots of Cool .NET Stuff available</a:t>
+            </a:r>
+          </a:p>
+          <a:p>
+            <a:pPr lvl="1"/>
+            <a:r>
+              <a:rPr lang="en-US" sz="1600" dirty="0"/>
+              <a:t>Many Windows Features are exposed through .NET</a:t>
+            </a:r>
+          </a:p>
+          <a:p>
+            <a:pPr lvl="1"/>
+            <a:r>
+              <a:rPr lang="en-US" sz="1600" dirty="0"/>
+              <a:t>Many open source and 3</a:t>
+            </a:r>
+            <a:r>
+              <a:rPr lang="en-US" sz="1600" baseline="30000" dirty="0"/>
+              <a:t>rd</a:t>
+            </a:r>
+            <a:r>
+              <a:rPr lang="en-US" sz="1600" dirty="0"/>
+              <a:t> parties available</a:t>
+            </a:r>
+          </a:p>
+          <a:p>
+            <a:pPr lvl="1"/>
+            <a:r>
+              <a:rPr lang="en-US" sz="1600" dirty="0"/>
+              <a:t>With </a:t>
+            </a:r>
+            <a:r>
+              <a:rPr lang="en-US" sz="1600" dirty="0" err="1"/>
+              <a:t>wwDotnetBridge</a:t>
+            </a:r>
+            <a:r>
+              <a:rPr lang="en-US" sz="1600" dirty="0"/>
+              <a:t> you can access most of it!</a:t>
+            </a:r>
+          </a:p>
+          <a:p>
+            <a:r>
+              <a:rPr lang="en-US" sz="1600" dirty="0" err="1"/>
+              <a:t>wwDotnetBridge</a:t>
+            </a:r>
+            <a:r>
+              <a:rPr lang="en-US" sz="1600" dirty="0"/>
+              <a:t> makes it EASY!</a:t>
+            </a:r>
+          </a:p>
+          <a:p>
+            <a:pPr lvl="1"/>
+            <a:r>
+              <a:rPr lang="en-US" sz="1600" dirty="0"/>
+              <a:t>Call any .NET components without registration</a:t>
+            </a:r>
+          </a:p>
+          <a:p>
+            <a:pPr lvl="1"/>
+            <a:r>
+              <a:rPr lang="en-US" sz="1600" dirty="0"/>
+              <a:t>Opens up most of .NET to FoxPro</a:t>
+            </a:r>
+          </a:p>
+          <a:p>
+            <a:pPr lvl="1"/>
+            <a:r>
+              <a:rPr lang="en-US" sz="1600" dirty="0"/>
+              <a:t>Access most .NET features including </a:t>
+            </a:r>
+            <a:br>
+              <a:rPr lang="en-US" sz="1600" dirty="0"/>
+            </a:br>
+            <a:r>
+              <a:rPr lang="en-US" sz="1600" dirty="0"/>
+              <a:t>Generics, Value Types, Collections, Enums, Static members etc.</a:t>
+            </a:r>
+          </a:p>
+          <a:p>
+            <a:pPr lvl="1"/>
+            <a:r>
+              <a:rPr lang="en-US" sz="1600" dirty="0"/>
+              <a:t>Helpers for types that suck in FoxPro</a:t>
+            </a:r>
+            <a:br>
+              <a:rPr lang="en-US" sz="1600" dirty="0"/>
+            </a:br>
+            <a:r>
+              <a:rPr lang="en-US" sz="1600" dirty="0" err="1"/>
+              <a:t>ComArray</a:t>
+            </a:r>
+            <a:r>
+              <a:rPr lang="en-US" sz="1600" dirty="0"/>
+              <a:t>, </a:t>
+            </a:r>
+            <a:r>
+              <a:rPr lang="en-US" sz="1600" dirty="0" err="1"/>
+              <a:t>ComValue</a:t>
+            </a:r>
+            <a:endParaRPr lang="en-US" sz="1600" dirty="0"/>
+          </a:p>
+          <a:p>
+            <a:r>
+              <a:rPr lang="en-US" sz="1600" dirty="0"/>
+              <a:t>Create Wrappers for Complex Code</a:t>
+            </a:r>
+          </a:p>
+          <a:p>
+            <a:pPr lvl="1"/>
+            <a:r>
+              <a:rPr lang="en-US" sz="1600" dirty="0"/>
+              <a:t>Easier to create .NET code to interface with complex APIs</a:t>
+            </a:r>
+          </a:p>
+          <a:p>
+            <a:pPr lvl="1"/>
+            <a:r>
+              <a:rPr lang="en-US" sz="1600" dirty="0"/>
+              <a:t>.NET SDK makes it easy – no Visual Studio required</a:t>
+            </a:r>
+          </a:p>
+          <a:p>
+            <a:pPr lvl="1"/>
+            <a:r>
+              <a:rPr lang="en-US" sz="1600" dirty="0"/>
+              <a:t>Create FoxPro friendly wrapper classes in .NET</a:t>
+            </a:r>
+          </a:p>
+          <a:p>
+            <a:pPr lvl="1"/>
+            <a:r>
+              <a:rPr lang="en-US" sz="1600" dirty="0"/>
+              <a:t>Call the wrappers from FoxPro</a:t>
+            </a:r>
+          </a:p>
+          <a:p>
+            <a:pPr lvl="1"/>
+            <a:endParaRPr lang="en-US" sz="1600" dirty="0"/>
+          </a:p>
+        </p:txBody>
+      </p:sp>
+    </p:spTree>
+    <p:extLst>
+      <p:ext uri="{BB962C8B-B14F-4D97-AF65-F5344CB8AC3E}">
+        <p14:creationId xmlns:p14="http://schemas.microsoft.com/office/powerpoint/2010/main" val="3584897086"/>
       </p:ext>
     </p:extLst>
   </p:cSld>
@@ -8093,7 +8377,7 @@
           <a:p>
             <a:r>
               <a:rPr lang="en-US"/>
-              <a:t>Summary</a:t>
+              <a:t>Resources</a:t>
             </a:r>
           </a:p>
         </p:txBody>
@@ -8110,8 +8394,8 @@
         </p:nvSpPr>
         <p:spPr>
           <a:xfrm>
-            <a:off x="304800" y="762000"/>
-            <a:ext cx="8610600" cy="5181600"/>
+            <a:off x="1676400" y="990600"/>
+            <a:ext cx="7035800" cy="5105400"/>
           </a:xfrm>
         </p:spPr>
         <p:txBody>
@@ -8119,144 +8403,185 @@
           <a:lstStyle/>
           <a:p>
             <a:r>
+              <a:rPr lang="en-US" sz="2000" dirty="0"/>
+              <a:t>Session Notes</a:t>
+            </a:r>
+          </a:p>
+          <a:p>
+            <a:pPr lvl="1"/>
+            <a:r>
+              <a:rPr lang="en-US" sz="1600" dirty="0">
+                <a:hlinkClick r:id="rId2"/>
+              </a:rPr>
+              <a:t>Session White Paper</a:t>
+            </a:r>
+            <a:endParaRPr lang="en-US" sz="1600" dirty="0"/>
+          </a:p>
+          <a:p>
+            <a:pPr lvl="1"/>
+            <a:r>
+              <a:rPr lang="en-US" sz="1600" dirty="0">
+                <a:hlinkClick r:id="rId2"/>
+              </a:rPr>
+              <a:t>Download Sample Code</a:t>
+            </a:r>
+            <a:endParaRPr lang="en-US" sz="1600" dirty="0"/>
+          </a:p>
+          <a:p>
+            <a:pPr lvl="1"/>
+            <a:r>
+              <a:rPr lang="en-US" sz="1600" dirty="0" err="1">
+                <a:hlinkClick r:id="rId3"/>
+              </a:rPr>
+              <a:t>wwDotnetBridge</a:t>
+            </a:r>
+            <a:r>
+              <a:rPr lang="en-US" sz="1600" dirty="0">
+                <a:hlinkClick r:id="rId3"/>
+              </a:rPr>
+              <a:t> Documentation</a:t>
+            </a:r>
+            <a:endParaRPr lang="en-US" sz="1600" dirty="0"/>
+          </a:p>
+          <a:p>
+            <a:r>
+              <a:rPr lang="en-US" sz="2000" dirty="0"/>
+              <a:t>Where to get </a:t>
+            </a:r>
+            <a:r>
+              <a:rPr lang="en-US" sz="2000" dirty="0" err="1"/>
+              <a:t>wwDotnetBridge</a:t>
+            </a:r>
+            <a:endParaRPr lang="en-US" sz="2000" dirty="0"/>
+          </a:p>
+          <a:p>
+            <a:pPr lvl="1"/>
+            <a:r>
               <a:rPr lang="en-US" sz="1600" dirty="0"/>
-              <a:t>Lots of Cool .NET Stuff available</a:t>
-            </a:r>
-          </a:p>
-          <a:p>
-            <a:pPr lvl="1"/>
-            <a:r>
-              <a:rPr lang="en-US" sz="1600" dirty="0"/>
-              <a:t>Many Windows Features are exposed through .NET</a:t>
-            </a:r>
-          </a:p>
-          <a:p>
-            <a:pPr lvl="1"/>
-            <a:r>
-              <a:rPr lang="en-US" sz="1600" dirty="0"/>
-              <a:t>Many open source and 3</a:t>
-            </a:r>
-            <a:r>
-              <a:rPr lang="en-US" sz="1600" baseline="30000" dirty="0"/>
-              <a:t>rd</a:t>
-            </a:r>
-            <a:r>
-              <a:rPr lang="en-US" sz="1600" dirty="0"/>
-              <a:t> parties available</a:t>
-            </a:r>
-          </a:p>
-          <a:p>
-            <a:pPr lvl="1"/>
-            <a:r>
-              <a:rPr lang="en-US" sz="1600" dirty="0"/>
-              <a:t>With </a:t>
-            </a:r>
-            <a:r>
-              <a:rPr lang="en-US" sz="1600" dirty="0" err="1"/>
-              <a:t>wwDotnetBridge</a:t>
-            </a:r>
-            <a:r>
-              <a:rPr lang="en-US" sz="1600" dirty="0"/>
-              <a:t> you can access most of it!</a:t>
-            </a:r>
-          </a:p>
-          <a:p>
-            <a:r>
-              <a:rPr lang="en-US" sz="1600" dirty="0" err="1"/>
-              <a:t>wwDotnetBridge</a:t>
-            </a:r>
-            <a:r>
-              <a:rPr lang="en-US" sz="1600" dirty="0"/>
-              <a:t> makes it EASY!</a:t>
-            </a:r>
-          </a:p>
-          <a:p>
-            <a:pPr lvl="1"/>
-            <a:r>
-              <a:rPr lang="en-US" sz="1600" dirty="0"/>
-              <a:t>Call any .NET components without registration</a:t>
-            </a:r>
-          </a:p>
-          <a:p>
-            <a:pPr lvl="1"/>
-            <a:r>
-              <a:rPr lang="en-US" sz="1600" dirty="0"/>
-              <a:t>Opens up most of .NET to FoxPro</a:t>
-            </a:r>
-          </a:p>
-          <a:p>
-            <a:pPr lvl="1"/>
-            <a:r>
-              <a:rPr lang="en-US" sz="1600" dirty="0"/>
-              <a:t>Access most .NET features including </a:t>
+              <a:t>Available on GitHub – Free and Open Source </a:t>
             </a:r>
             <a:br>
               <a:rPr lang="en-US" sz="1600" dirty="0"/>
             </a:br>
             <a:r>
+              <a:rPr lang="en-US" sz="1600" dirty="0">
+                <a:hlinkClick r:id="rId4"/>
+              </a:rPr>
+              <a:t>https://github.com/RickStrahl/wwDotnetBridge</a:t>
+            </a:r>
+            <a:endParaRPr lang="en-US" sz="1600" dirty="0"/>
+          </a:p>
+          <a:p>
+            <a:pPr lvl="1"/>
+            <a:endParaRPr lang="en-US" sz="1600" dirty="0"/>
+          </a:p>
+          <a:p>
+            <a:pPr lvl="1"/>
+            <a:r>
               <a:rPr lang="en-US" sz="1600" dirty="0"/>
-              <a:t>Generics, Value Types, Collections, Enums, Static members etc.</a:t>
-            </a:r>
-          </a:p>
-          <a:p>
-            <a:pPr lvl="1"/>
+              <a:t>Also distributed with </a:t>
+            </a:r>
+            <a:r>
+              <a:rPr lang="en-US" sz="1200" i="1" dirty="0"/>
+              <a:t>(commercial version)</a:t>
+            </a:r>
             <a:r>
               <a:rPr lang="en-US" sz="1600" dirty="0"/>
-              <a:t>Helpers for types that suck in FoxPro</a:t>
+              <a:t>:</a:t>
+            </a:r>
+          </a:p>
+          <a:p>
+            <a:pPr lvl="2"/>
+            <a:r>
+              <a:rPr lang="en-US" sz="1600" dirty="0">
+                <a:hlinkClick r:id="rId5"/>
+              </a:rPr>
+              <a:t>West Wind Internet and Client Tools</a:t>
+            </a:r>
+            <a:endParaRPr lang="en-US" sz="1600" dirty="0"/>
+          </a:p>
+          <a:p>
+            <a:pPr lvl="2"/>
+            <a:r>
+              <a:rPr lang="en-US" sz="1600" dirty="0">
+                <a:hlinkClick r:id="rId6"/>
+              </a:rPr>
+              <a:t>West Wind Web Connection</a:t>
+            </a:r>
+            <a:endParaRPr lang="en-US" sz="1600" dirty="0"/>
+          </a:p>
+          <a:p>
+            <a:r>
+              <a:rPr lang="en-US" sz="2000" dirty="0"/>
+              <a:t>West Wind .NET Articles</a:t>
+            </a:r>
+          </a:p>
+          <a:p>
+            <a:pPr lvl="1"/>
+            <a:r>
+              <a:rPr lang="en-US" sz="1600" dirty="0"/>
+              <a:t>Focus on .NET development with a VFP perspective</a:t>
+            </a:r>
+          </a:p>
+          <a:p>
+            <a:pPr lvl="1"/>
+            <a:r>
+              <a:rPr lang="en-US" sz="1600" dirty="0">
+                <a:hlinkClick r:id="rId7"/>
+              </a:rPr>
+              <a:t>http://www.west-wind.com/articles.aspx</a:t>
+            </a:r>
+            <a:endParaRPr lang="en-US" sz="1600" dirty="0"/>
+          </a:p>
+        </p:txBody>
+      </p:sp>
+      <p:sp>
+        <p:nvSpPr>
+          <p:cNvPr id="5" name="TextBox 4">
+            <a:extLst>
+              <a:ext uri="{FF2B5EF4-FFF2-40B4-BE49-F238E27FC236}">
+                <a16:creationId xmlns:a16="http://schemas.microsoft.com/office/drawing/2014/main" id="{84B5884C-61FF-2EBE-4DE6-69E35AB5BE09}"/>
+              </a:ext>
+            </a:extLst>
+          </p:cNvPr>
+          <p:cNvSpPr txBox="1"/>
+          <p:nvPr/>
+        </p:nvSpPr>
+        <p:spPr>
+          <a:xfrm>
+            <a:off x="4800600" y="152400"/>
+            <a:ext cx="7391400" cy="553998"/>
+          </a:xfrm>
+          <a:prstGeom prst="rect">
+            <a:avLst/>
+          </a:prstGeom>
+          <a:noFill/>
+        </p:spPr>
+        <p:txBody>
+          <a:bodyPr wrap="square">
+            <a:spAutoFit/>
+          </a:bodyPr>
+          <a:lstStyle/>
+          <a:p>
+            <a:pPr algn="r"/>
+            <a:r>
+              <a:rPr lang="en-US" sz="1400" b="0" dirty="0">
+                <a:latin typeface="Verdana" pitchFamily="34" charset="0"/>
+              </a:rPr>
+              <a:t>Code Samples, Slides and White Paper:</a:t>
             </a:r>
             <a:br>
-              <a:rPr lang="en-US" sz="1600" dirty="0"/>
+              <a:rPr lang="en-US" sz="1400" b="0" dirty="0">
+                <a:latin typeface="Verdana" pitchFamily="34" charset="0"/>
+              </a:rPr>
             </a:br>
             <a:r>
-              <a:rPr lang="en-US" sz="1600" dirty="0" err="1"/>
-              <a:t>ComArray</a:t>
-            </a:r>
-            <a:r>
-              <a:rPr lang="en-US" sz="1600" dirty="0"/>
-              <a:t>, </a:t>
-            </a:r>
-            <a:r>
-              <a:rPr lang="en-US" sz="1600" dirty="0" err="1"/>
-              <a:t>ComValue</a:t>
-            </a:r>
-            <a:endParaRPr lang="en-US" sz="1600" dirty="0"/>
-          </a:p>
-          <a:p>
-            <a:r>
-              <a:rPr lang="en-US" sz="1600" dirty="0"/>
-              <a:t>Create Wrappers for Complex Code</a:t>
-            </a:r>
-          </a:p>
-          <a:p>
-            <a:pPr lvl="1"/>
-            <a:r>
-              <a:rPr lang="en-US" sz="1600" dirty="0"/>
-              <a:t>Easier to create .NET code to interface with complex APIs</a:t>
-            </a:r>
-          </a:p>
-          <a:p>
-            <a:pPr lvl="1"/>
-            <a:r>
-              <a:rPr lang="en-US" sz="1600" dirty="0"/>
-              <a:t>.NET SDK makes it easy – no Visual Studio required</a:t>
-            </a:r>
-          </a:p>
-          <a:p>
-            <a:pPr lvl="1"/>
-            <a:r>
-              <a:rPr lang="en-US" sz="1600" dirty="0"/>
-              <a:t>Create FoxPro friendly wrapper classes in .NET</a:t>
-            </a:r>
-          </a:p>
-          <a:p>
-            <a:pPr lvl="1"/>
-            <a:r>
-              <a:rPr lang="en-US" sz="1600" dirty="0"/>
-              <a:t>Call the wrappers from FoxPro</a:t>
-            </a:r>
-          </a:p>
-          <a:p>
-            <a:pPr lvl="1"/>
+              <a:rPr lang="en-US" sz="1600" b="0" dirty="0">
+                <a:latin typeface="Verdana" pitchFamily="34" charset="0"/>
+                <a:hlinkClick r:id="rId8"/>
+              </a:rPr>
+              <a:t>https://github.com/RickStrahl/swfox2024-wwdotnetbridge-revisited</a:t>
+            </a:r>
             <a:endParaRPr lang="en-US" sz="1600" dirty="0"/>
           </a:p>
         </p:txBody>
@@ -8264,7 +8589,7 @@
     </p:spTree>
     <p:extLst>
       <p:ext uri="{BB962C8B-B14F-4D97-AF65-F5344CB8AC3E}">
-        <p14:creationId xmlns:p14="http://schemas.microsoft.com/office/powerpoint/2010/main" val="3584897086"/>
+        <p14:creationId xmlns:p14="http://schemas.microsoft.com/office/powerpoint/2010/main" val="3843073356"/>
       </p:ext>
     </p:extLst>
   </p:cSld>
@@ -8487,265 +8812,6 @@
 </p:sld>
 </file>
 
-<file path=ppt/slides/slide30.xml><?xml version="1.0" encoding="utf-8"?>
-<p:sld xmlns:a="http://schemas.openxmlformats.org/drawingml/2006/main" xmlns:r="http://schemas.openxmlformats.org/officeDocument/2006/relationships" xmlns:p="http://schemas.openxmlformats.org/presentationml/2006/main">
-  <p:cSld>
-    <p:spTree>
-      <p:nvGrpSpPr>
-        <p:cNvPr id="1" name=""/>
-        <p:cNvGrpSpPr/>
-        <p:nvPr/>
-      </p:nvGrpSpPr>
-      <p:grpSpPr>
-        <a:xfrm>
-          <a:off x="0" y="0"/>
-          <a:ext cx="0" cy="0"/>
-          <a:chOff x="0" y="0"/>
-          <a:chExt cx="0" cy="0"/>
-        </a:xfrm>
-      </p:grpSpPr>
-      <p:sp>
-        <p:nvSpPr>
-          <p:cNvPr id="2" name="Title 1"/>
-          <p:cNvSpPr>
-            <a:spLocks noGrp="1"/>
-          </p:cNvSpPr>
-          <p:nvPr>
-            <p:ph type="title"/>
-          </p:nvPr>
-        </p:nvSpPr>
-        <p:spPr/>
-        <p:txBody>
-          <a:bodyPr/>
-          <a:lstStyle/>
-          <a:p>
-            <a:r>
-              <a:rPr lang="en-US"/>
-              <a:t>Resources</a:t>
-            </a:r>
-          </a:p>
-        </p:txBody>
-      </p:sp>
-      <p:sp>
-        <p:nvSpPr>
-          <p:cNvPr id="3" name="Text Placeholder 2"/>
-          <p:cNvSpPr>
-            <a:spLocks noGrp="1"/>
-          </p:cNvSpPr>
-          <p:nvPr>
-            <p:ph type="body" idx="1"/>
-          </p:nvPr>
-        </p:nvSpPr>
-        <p:spPr>
-          <a:xfrm>
-            <a:off x="1676400" y="990600"/>
-            <a:ext cx="7035800" cy="5105400"/>
-          </a:xfrm>
-        </p:spPr>
-        <p:txBody>
-          <a:bodyPr/>
-          <a:lstStyle/>
-          <a:p>
-            <a:r>
-              <a:rPr lang="en-US" sz="2000" dirty="0"/>
-              <a:t>Session Notes</a:t>
-            </a:r>
-          </a:p>
-          <a:p>
-            <a:pPr lvl="1"/>
-            <a:r>
-              <a:rPr lang="en-US" sz="1600" dirty="0">
-                <a:hlinkClick r:id="rId2"/>
-              </a:rPr>
-              <a:t>Session White Paper</a:t>
-            </a:r>
-            <a:endParaRPr lang="en-US" sz="1600" dirty="0"/>
-          </a:p>
-          <a:p>
-            <a:pPr lvl="1"/>
-            <a:r>
-              <a:rPr lang="en-US" sz="1600" dirty="0">
-                <a:hlinkClick r:id="rId2"/>
-              </a:rPr>
-              <a:t>Download Sample Code</a:t>
-            </a:r>
-            <a:endParaRPr lang="en-US" sz="1600" dirty="0"/>
-          </a:p>
-          <a:p>
-            <a:pPr lvl="1"/>
-            <a:r>
-              <a:rPr lang="en-US" sz="1600" dirty="0" err="1">
-                <a:hlinkClick r:id="rId3"/>
-              </a:rPr>
-              <a:t>wwDotnetBridge</a:t>
-            </a:r>
-            <a:r>
-              <a:rPr lang="en-US" sz="1600" dirty="0">
-                <a:hlinkClick r:id="rId3"/>
-              </a:rPr>
-              <a:t> Documentation</a:t>
-            </a:r>
-            <a:endParaRPr lang="en-US" sz="1600" dirty="0"/>
-          </a:p>
-          <a:p>
-            <a:r>
-              <a:rPr lang="en-US" sz="2000" dirty="0"/>
-              <a:t>Where to get </a:t>
-            </a:r>
-            <a:r>
-              <a:rPr lang="en-US" sz="2000" dirty="0" err="1"/>
-              <a:t>wwDotnetBridge</a:t>
-            </a:r>
-            <a:endParaRPr lang="en-US" sz="2000" dirty="0"/>
-          </a:p>
-          <a:p>
-            <a:pPr lvl="1"/>
-            <a:r>
-              <a:rPr lang="en-US" sz="1600" dirty="0"/>
-              <a:t>Available on GitHub – Free and Open Source </a:t>
-            </a:r>
-            <a:br>
-              <a:rPr lang="en-US" sz="1600" dirty="0"/>
-            </a:br>
-            <a:r>
-              <a:rPr lang="en-US" sz="1600" dirty="0">
-                <a:hlinkClick r:id="rId4"/>
-              </a:rPr>
-              <a:t>https://github.com/RickStrahl/wwDotnetBridge</a:t>
-            </a:r>
-            <a:endParaRPr lang="en-US" sz="1600" dirty="0"/>
-          </a:p>
-          <a:p>
-            <a:pPr lvl="1"/>
-            <a:endParaRPr lang="en-US" sz="1600" dirty="0"/>
-          </a:p>
-          <a:p>
-            <a:pPr lvl="1"/>
-            <a:r>
-              <a:rPr lang="en-US" sz="1600" dirty="0"/>
-              <a:t>Also distributed with </a:t>
-            </a:r>
-            <a:r>
-              <a:rPr lang="en-US" sz="1200" i="1" dirty="0"/>
-              <a:t>(commercial version)</a:t>
-            </a:r>
-            <a:r>
-              <a:rPr lang="en-US" sz="1600" dirty="0"/>
-              <a:t>:</a:t>
-            </a:r>
-          </a:p>
-          <a:p>
-            <a:pPr lvl="2"/>
-            <a:r>
-              <a:rPr lang="en-US" sz="1600" dirty="0">
-                <a:hlinkClick r:id="rId5"/>
-              </a:rPr>
-              <a:t>West Wind Internet and Client Tools</a:t>
-            </a:r>
-            <a:endParaRPr lang="en-US" sz="1600" dirty="0"/>
-          </a:p>
-          <a:p>
-            <a:pPr lvl="2"/>
-            <a:r>
-              <a:rPr lang="en-US" sz="1600" dirty="0">
-                <a:hlinkClick r:id="rId6"/>
-              </a:rPr>
-              <a:t>West Wind Web Connection</a:t>
-            </a:r>
-            <a:endParaRPr lang="en-US" sz="1600" dirty="0"/>
-          </a:p>
-          <a:p>
-            <a:r>
-              <a:rPr lang="en-US" sz="2000" dirty="0"/>
-              <a:t>West Wind .NET Articles</a:t>
-            </a:r>
-          </a:p>
-          <a:p>
-            <a:pPr lvl="1"/>
-            <a:r>
-              <a:rPr lang="en-US" sz="1600" dirty="0"/>
-              <a:t>Focus on .NET development with a VFP perspective</a:t>
-            </a:r>
-          </a:p>
-          <a:p>
-            <a:pPr lvl="1"/>
-            <a:r>
-              <a:rPr lang="en-US" sz="1600" dirty="0">
-                <a:hlinkClick r:id="rId7"/>
-              </a:rPr>
-              <a:t>http://www.west-wind.com/articles.aspx</a:t>
-            </a:r>
-            <a:endParaRPr lang="en-US" sz="1600" dirty="0"/>
-          </a:p>
-        </p:txBody>
-      </p:sp>
-      <p:sp>
-        <p:nvSpPr>
-          <p:cNvPr id="5" name="TextBox 4">
-            <a:extLst>
-              <a:ext uri="{FF2B5EF4-FFF2-40B4-BE49-F238E27FC236}">
-                <a16:creationId xmlns:a16="http://schemas.microsoft.com/office/drawing/2014/main" id="{84B5884C-61FF-2EBE-4DE6-69E35AB5BE09}"/>
-              </a:ext>
-            </a:extLst>
-          </p:cNvPr>
-          <p:cNvSpPr txBox="1"/>
-          <p:nvPr/>
-        </p:nvSpPr>
-        <p:spPr>
-          <a:xfrm>
-            <a:off x="4800600" y="152400"/>
-            <a:ext cx="7391400" cy="553998"/>
-          </a:xfrm>
-          <a:prstGeom prst="rect">
-            <a:avLst/>
-          </a:prstGeom>
-          <a:noFill/>
-        </p:spPr>
-        <p:txBody>
-          <a:bodyPr wrap="square">
-            <a:spAutoFit/>
-          </a:bodyPr>
-          <a:lstStyle/>
-          <a:p>
-            <a:pPr algn="r"/>
-            <a:r>
-              <a:rPr lang="en-US" sz="1400" b="0" dirty="0">
-                <a:latin typeface="Verdana" pitchFamily="34" charset="0"/>
-              </a:rPr>
-              <a:t>Code Samples, Slides and White Paper:</a:t>
-            </a:r>
-            <a:br>
-              <a:rPr lang="en-US" sz="1400" b="0" dirty="0">
-                <a:latin typeface="Verdana" pitchFamily="34" charset="0"/>
-              </a:rPr>
-            </a:br>
-            <a:r>
-              <a:rPr lang="en-US" sz="1600" b="0" dirty="0">
-                <a:latin typeface="Verdana" pitchFamily="34" charset="0"/>
-                <a:hlinkClick r:id="rId8"/>
-              </a:rPr>
-              <a:t>https://github.com/RickStrahl/swfox2024-wwdotnetbridge-revisited</a:t>
-            </a:r>
-            <a:endParaRPr lang="en-US" sz="1600" dirty="0"/>
-          </a:p>
-        </p:txBody>
-      </p:sp>
-    </p:spTree>
-    <p:extLst>
-      <p:ext uri="{BB962C8B-B14F-4D97-AF65-F5344CB8AC3E}">
-        <p14:creationId xmlns:p14="http://schemas.microsoft.com/office/powerpoint/2010/main" val="3843073356"/>
-      </p:ext>
-    </p:extLst>
-  </p:cSld>
-  <p:clrMapOvr>
-    <a:masterClrMapping/>
-  </p:clrMapOvr>
-  <p:transition>
-    <p:wipe/>
-  </p:transition>
-</p:sld>
-</file>
-
 <file path=ppt/slides/slide4.xml><?xml version="1.0" encoding="utf-8"?>
 <p:sld xmlns:a="http://schemas.openxmlformats.org/drawingml/2006/main" xmlns:r="http://schemas.openxmlformats.org/officeDocument/2006/relationships" xmlns:p="http://schemas.openxmlformats.org/presentationml/2006/main">
   <p:cSld>
@@ -8779,16 +8845,16 @@
           <a:lstStyle/>
           <a:p>
             <a:r>
-              <a:rPr lang="en-US" dirty="0"/>
-              <a:t>Why </a:t>
-            </a:r>
-            <a:r>
-              <a:rPr lang="en-US" dirty="0" err="1"/>
+              <a:rPr lang="en-US" sz="2400" dirty="0"/>
+              <a:t>What is </a:t>
+            </a:r>
+            <a:r>
+              <a:rPr lang="en-US" sz="2400" dirty="0" err="1"/>
               <a:t>wwDotnetBridge</a:t>
             </a:r>
             <a:r>
-              <a:rPr lang="en-US" dirty="0"/>
-              <a:t>?</a:t>
+              <a:rPr lang="en-US" sz="2400" dirty="0"/>
+              <a:t> and why do we need it?</a:t>
             </a:r>
           </a:p>
         </p:txBody>
@@ -9959,7 +10025,7 @@
         <p:spPr bwMode="auto">
           <a:xfrm>
             <a:off x="1981200" y="4267200"/>
-            <a:ext cx="2286000" cy="1333504"/>
+            <a:ext cx="2286000" cy="1295404"/>
           </a:xfrm>
           <a:prstGeom prst="roundRect">
             <a:avLst>
@@ -10030,7 +10096,7 @@
               </a:rPr>
             </a:br>
             <a:r>
-              <a:rPr lang="en-US" sz="1400" dirty="0">
+              <a:rPr lang="en-US" sz="1200" dirty="0">
                 <a:effectLst>
                   <a:outerShdw blurRad="38100" dist="38100" dir="2700000" algn="tl">
                     <a:srgbClr val="000000">
@@ -10039,10 +10105,10 @@
                   </a:outerShdw>
                 </a:effectLst>
               </a:rPr>
-              <a:t> </a:t>
-            </a:r>
-            <a:r>
-              <a:rPr lang="en-US" sz="1400" i="1" dirty="0">
+              <a:t> (</a:t>
+            </a:r>
+            <a:r>
+              <a:rPr lang="en-US" sz="1200" i="1" dirty="0">
                 <a:effectLst>
                   <a:outerShdw blurRad="38100" dist="38100" dir="2700000" algn="tl">
                     <a:srgbClr val="000000">
@@ -10054,7 +10120,7 @@
               <a:t>or</a:t>
             </a:r>
             <a:r>
-              <a:rPr lang="en-US" sz="2000" i="1" dirty="0">
+              <a:rPr lang="en-US" i="1" dirty="0">
                 <a:solidFill>
                   <a:srgbClr val="FFFF99"/>
                 </a:solidFill>
@@ -10069,7 +10135,7 @@
               <a:t> </a:t>
             </a:r>
             <a:r>
-              <a:rPr lang="en-US" sz="1600" i="1" dirty="0">
+              <a:rPr lang="en-US" sz="1400" i="1" dirty="0">
                 <a:solidFill>
                   <a:srgbClr val="FFFF99"/>
                 </a:solidFill>
@@ -10081,7 +10147,7 @@
                   </a:outerShdw>
                 </a:effectLst>
               </a:rPr>
-              <a:t>wwIPStuff.dll</a:t>
+              <a:t>wwIPStuff.dll)</a:t>
             </a:r>
             <a:br>
               <a:rPr lang="en-US" sz="1600" i="1" dirty="0">
@@ -12149,33 +12215,9 @@
               <a:rPr lang="en-US" sz="1200" b="0" kern="0" dirty="0"/>
               <a:t> for Arrays and Collection</a:t>
             </a:r>
-          </a:p>
-          <a:p>
-            <a:pPr marL="457200" lvl="1" indent="0">
-              <a:buNone/>
-            </a:pPr>
             <a:endParaRPr lang="en-US" sz="1200" b="0" kern="0" dirty="0">
               <a:latin typeface="Consolas" panose="020B0609020204030204" pitchFamily="49" charset="0"/>
             </a:endParaRPr>
-          </a:p>
-          <a:p>
-            <a:pPr lvl="1"/>
-            <a:endParaRPr lang="en-US" sz="1200" b="0" kern="0" dirty="0">
-              <a:latin typeface="Consolas" panose="020B0609020204030204" pitchFamily="49" charset="0"/>
-            </a:endParaRPr>
-          </a:p>
-          <a:p>
-            <a:pPr lvl="1"/>
-            <a:endParaRPr lang="en-US" sz="1200" b="0" kern="0" dirty="0">
-              <a:latin typeface="Consolas" panose="020B0609020204030204" pitchFamily="49" charset="0"/>
-            </a:endParaRPr>
-          </a:p>
-          <a:p>
-            <a:pPr lvl="1"/>
-            <a:endParaRPr lang="en-US" sz="1200" b="0" kern="0" dirty="0"/>
-          </a:p>
-          <a:p>
-            <a:endParaRPr lang="en-US" sz="1600" kern="0" dirty="0"/>
           </a:p>
         </p:txBody>
       </p:sp>
@@ -12503,15 +12545,15 @@
           <p:nvPr/>
         </p:nvPicPr>
         <p:blipFill>
-          <a:blip r:embed="rId2"/>
+          <a:blip r:embed="rId3"/>
           <a:stretch>
             <a:fillRect/>
           </a:stretch>
         </p:blipFill>
         <p:spPr>
           <a:xfrm>
-            <a:off x="6858000" y="0"/>
-            <a:ext cx="5333999" cy="6858000"/>
+            <a:off x="8001000" y="0"/>
+            <a:ext cx="4191000" cy="6858000"/>
           </a:xfrm>
           <a:prstGeom prst="rect">
             <a:avLst/>
@@ -12533,7 +12575,7 @@
           <p:nvPr/>
         </p:nvPicPr>
         <p:blipFill>
-          <a:blip r:embed="rId3"/>
+          <a:blip r:embed="rId4"/>
           <a:stretch>
             <a:fillRect/>
           </a:stretch>
@@ -12563,15 +12605,15 @@
           <p:nvPr/>
         </p:nvPicPr>
         <p:blipFill>
-          <a:blip r:embed="rId4"/>
+          <a:blip r:embed="rId5"/>
           <a:stretch>
             <a:fillRect/>
           </a:stretch>
         </p:blipFill>
         <p:spPr>
           <a:xfrm>
-            <a:off x="750345" y="5562600"/>
-            <a:ext cx="6047991" cy="642938"/>
+            <a:off x="750346" y="5562600"/>
+            <a:ext cx="5599656" cy="595277"/>
           </a:xfrm>
           <a:prstGeom prst="rect">
             <a:avLst/>

--- a/Documents/Strahl-swFox2024-wwDotnetBridge-Revisited.pptx
+++ b/Documents/Strahl-swFox2024-wwDotnetBridge-Revisited.pptx
@@ -3933,7 +3933,7 @@
         </p:nvSpPr>
         <p:spPr>
           <a:xfrm>
-            <a:off x="152400" y="791584"/>
+            <a:off x="203200" y="685800"/>
             <a:ext cx="7416800" cy="5105400"/>
           </a:xfrm>
         </p:spPr>
@@ -3942,177 +3942,177 @@
           <a:lstStyle/>
           <a:p>
             <a:r>
-              <a:rPr lang="en-US" sz="1300" dirty="0"/>
+              <a:rPr lang="en-US" sz="1400" dirty="0"/>
               <a:t>Uses </a:t>
             </a:r>
             <a:r>
-              <a:rPr lang="en-US" sz="1300" dirty="0" err="1"/>
+              <a:rPr lang="en-US" sz="1400" dirty="0" err="1"/>
               <a:t>Markdig</a:t>
             </a:r>
             <a:r>
-              <a:rPr lang="en-US" sz="1300" dirty="0"/>
+              <a:rPr lang="en-US" sz="1400" dirty="0"/>
               <a:t> Third Party Library</a:t>
             </a:r>
           </a:p>
           <a:p>
             <a:pPr lvl="1"/>
             <a:r>
-              <a:rPr lang="en-US" sz="1300" dirty="0"/>
+              <a:rPr lang="en-US" sz="1400" dirty="0"/>
               <a:t>Widely used in 3</a:t>
             </a:r>
             <a:r>
-              <a:rPr lang="en-US" sz="1300" baseline="30000" dirty="0"/>
+              <a:rPr lang="en-US" sz="1400" baseline="30000" dirty="0"/>
               <a:t>rd</a:t>
             </a:r>
             <a:r>
-              <a:rPr lang="en-US" sz="1300" dirty="0"/>
+              <a:rPr lang="en-US" sz="1400" dirty="0"/>
               <a:t> party and Microsoft applications</a:t>
             </a:r>
           </a:p>
           <a:p>
             <a:pPr lvl="1"/>
             <a:r>
-              <a:rPr lang="en-US" sz="1300" dirty="0"/>
+              <a:rPr lang="en-US" sz="1400" dirty="0"/>
               <a:t>Using an older 2018 version for single DLL dependency</a:t>
             </a:r>
           </a:p>
           <a:p>
             <a:r>
-              <a:rPr lang="en-US" sz="1300" dirty="0"/>
+              <a:rPr lang="en-US" sz="1400" dirty="0"/>
               <a:t>Markdown </a:t>
             </a:r>
           </a:p>
           <a:p>
             <a:pPr lvl="1"/>
             <a:r>
-              <a:rPr lang="en-US" sz="1300" dirty="0"/>
+              <a:rPr lang="en-US" sz="1400" dirty="0"/>
               <a:t>Powerful text format for creating HTML content</a:t>
             </a:r>
           </a:p>
           <a:p>
             <a:pPr lvl="1"/>
             <a:r>
-              <a:rPr lang="en-US" sz="1300" dirty="0"/>
+              <a:rPr lang="en-US" sz="1400" dirty="0"/>
               <a:t>Renders plain text format -&gt; HTML</a:t>
             </a:r>
           </a:p>
           <a:p>
             <a:pPr lvl="1"/>
             <a:r>
-              <a:rPr lang="en-US" sz="1300" dirty="0"/>
+              <a:rPr lang="en-US" sz="1400" dirty="0"/>
               <a:t>Widely used – GitHub, Blogs, Support, Documentation, Wikis</a:t>
             </a:r>
           </a:p>
           <a:p>
             <a:pPr lvl="1"/>
             <a:r>
-              <a:rPr lang="en-US" sz="1300" dirty="0"/>
+              <a:rPr lang="en-US" sz="1400" dirty="0"/>
               <a:t>Converts to HTML using Parser (</a:t>
             </a:r>
             <a:r>
-              <a:rPr lang="en-US" sz="1300" dirty="0" err="1"/>
+              <a:rPr lang="en-US" sz="1400" dirty="0" err="1"/>
               <a:t>Markdig</a:t>
             </a:r>
             <a:r>
-              <a:rPr lang="en-US" sz="1300" dirty="0"/>
+              <a:rPr lang="en-US" sz="1400" dirty="0"/>
               <a:t>)</a:t>
             </a:r>
           </a:p>
           <a:p>
             <a:r>
-              <a:rPr lang="en-US" sz="1300" dirty="0"/>
+              <a:rPr lang="en-US" sz="1400" dirty="0"/>
               <a:t>Useful for</a:t>
             </a:r>
           </a:p>
           <a:p>
             <a:pPr lvl="1"/>
             <a:r>
-              <a:rPr lang="en-US" sz="1300" dirty="0"/>
+              <a:rPr lang="en-US" sz="1400" dirty="0"/>
               <a:t>Formatted Memo Text input in Web applications</a:t>
             </a:r>
           </a:p>
           <a:p>
             <a:pPr lvl="1"/>
             <a:r>
-              <a:rPr lang="en-US" sz="1300" dirty="0"/>
+              <a:rPr lang="en-US" sz="1400" dirty="0"/>
               <a:t>Documentation </a:t>
             </a:r>
           </a:p>
           <a:p>
             <a:pPr lvl="1"/>
             <a:r>
-              <a:rPr lang="en-US" sz="1300" dirty="0"/>
+              <a:rPr lang="en-US" sz="1400" dirty="0"/>
               <a:t>Used in: Message Board, Help Builder, Markdown Monster</a:t>
             </a:r>
           </a:p>
           <a:p>
             <a:r>
-              <a:rPr lang="en-US" sz="1300" dirty="0"/>
+              <a:rPr lang="en-US" sz="1400" dirty="0"/>
               <a:t>Add HTML Templating</a:t>
             </a:r>
           </a:p>
           <a:p>
             <a:pPr lvl="1"/>
             <a:r>
-              <a:rPr lang="en-US" sz="1300" dirty="0"/>
+              <a:rPr lang="en-US" sz="1400" dirty="0"/>
               <a:t>Markdown renders ‘raw’ HTML fragment</a:t>
             </a:r>
           </a:p>
           <a:p>
             <a:pPr lvl="1"/>
             <a:r>
-              <a:rPr lang="en-US" sz="1300" dirty="0"/>
+              <a:rPr lang="en-US" sz="1400" dirty="0"/>
               <a:t>You need a page to make Markdown look nice</a:t>
             </a:r>
           </a:p>
           <a:p>
             <a:pPr lvl="1"/>
             <a:r>
-              <a:rPr lang="en-US" sz="1300" dirty="0"/>
+              <a:rPr lang="en-US" sz="1400" dirty="0"/>
               <a:t>Use Templating to flow Markdown into consistent styling</a:t>
             </a:r>
           </a:p>
           <a:p>
             <a:r>
-              <a:rPr lang="en-US" sz="1300" dirty="0"/>
+              <a:rPr lang="en-US" sz="1400" dirty="0"/>
               <a:t>Demonstrates</a:t>
             </a:r>
           </a:p>
           <a:p>
             <a:pPr lvl="1"/>
             <a:r>
-              <a:rPr lang="en-US" sz="1300" dirty="0"/>
+              <a:rPr lang="en-US" sz="1400" dirty="0"/>
               <a:t>Interfacing with a third party library</a:t>
             </a:r>
           </a:p>
           <a:p>
             <a:pPr lvl="1"/>
             <a:r>
-              <a:rPr lang="en-US" sz="1300" dirty="0"/>
+              <a:rPr lang="en-US" sz="1400" dirty="0"/>
               <a:t>Creating a FoxPro wrapper class that manages lifetime</a:t>
             </a:r>
           </a:p>
           <a:p>
             <a:pPr lvl="1"/>
-            <a:endParaRPr lang="en-US" sz="1300" dirty="0"/>
+            <a:endParaRPr lang="en-US" sz="1400" dirty="0"/>
           </a:p>
           <a:p>
             <a:pPr marL="457200" lvl="1" indent="0">
               <a:buNone/>
             </a:pPr>
             <a:r>
-              <a:rPr lang="en-US" sz="1300" dirty="0">
+              <a:rPr lang="en-US" sz="1400" dirty="0">
                 <a:hlinkClick r:id="rId2"/>
               </a:rPr>
               <a:t>https://github.com/xoofx/markdig</a:t>
             </a:r>
-            <a:endParaRPr lang="en-US" sz="1300" dirty="0"/>
+            <a:endParaRPr lang="en-US" sz="1400" dirty="0"/>
           </a:p>
           <a:p>
             <a:pPr marL="457200" lvl="1" indent="0">
               <a:buNone/>
             </a:pPr>
-            <a:endParaRPr lang="en-US" sz="1300" dirty="0"/>
+            <a:endParaRPr lang="en-US" sz="1400" dirty="0"/>
           </a:p>
         </p:txBody>
       </p:sp>
@@ -4398,10 +4398,10 @@
       </p:sp>
       <p:pic>
         <p:nvPicPr>
-          <p:cNvPr id="5" name="Picture 4">
+          <p:cNvPr id="9" name="Picture 8">
             <a:extLst>
               <a:ext uri="{FF2B5EF4-FFF2-40B4-BE49-F238E27FC236}">
-                <a16:creationId xmlns:a16="http://schemas.microsoft.com/office/drawing/2014/main" id="{F44AA642-95A7-3A97-EA30-E2A202ADDFB0}"/>
+                <a16:creationId xmlns:a16="http://schemas.microsoft.com/office/drawing/2014/main" id="{460BA3B3-5439-5C79-CCCA-D89E049EF54B}"/>
               </a:ext>
             </a:extLst>
           </p:cNvPr>
@@ -4418,8 +4418,8 @@
         </p:blipFill>
         <p:spPr>
           <a:xfrm>
-            <a:off x="7723991" y="0"/>
-            <a:ext cx="4473240" cy="4385402"/>
+            <a:off x="7157569" y="4402183"/>
+            <a:ext cx="5034431" cy="2455817"/>
           </a:xfrm>
           <a:prstGeom prst="rect">
             <a:avLst/>
@@ -4428,10 +4428,10 @@
       </p:pic>
       <p:pic>
         <p:nvPicPr>
-          <p:cNvPr id="9" name="Picture 8">
+          <p:cNvPr id="6" name="Picture 5">
             <a:extLst>
               <a:ext uri="{FF2B5EF4-FFF2-40B4-BE49-F238E27FC236}">
-                <a16:creationId xmlns:a16="http://schemas.microsoft.com/office/drawing/2014/main" id="{460BA3B3-5439-5C79-CCCA-D89E049EF54B}"/>
+                <a16:creationId xmlns:a16="http://schemas.microsoft.com/office/drawing/2014/main" id="{FDB998ED-B933-7A98-4F52-102D4780E7CC}"/>
               </a:ext>
             </a:extLst>
           </p:cNvPr>
@@ -4448,8 +4448,8 @@
         </p:blipFill>
         <p:spPr>
           <a:xfrm>
-            <a:off x="7718760" y="4402183"/>
-            <a:ext cx="4473240" cy="2455817"/>
+            <a:off x="7157569" y="0"/>
+            <a:ext cx="5034431" cy="4360891"/>
           </a:xfrm>
           <a:prstGeom prst="rect">
             <a:avLst/>
@@ -5162,12 +5162,15 @@
               <a:buNone/>
             </a:pPr>
             <a:r>
-              <a:rPr lang="en-US" sz="1400" dirty="0">
+              <a:rPr lang="en-US" dirty="0">
+                <a:latin typeface="Console"/>
                 <a:hlinkClick r:id="rId2"/>
               </a:rPr>
               <a:t>https://github.com/aarondandy/WeCantSpell.Hunspell</a:t>
             </a:r>
-            <a:endParaRPr lang="en-US" sz="1400" dirty="0"/>
+            <a:endParaRPr lang="en-US" dirty="0">
+              <a:latin typeface="Console"/>
+            </a:endParaRPr>
           </a:p>
           <a:p>
             <a:pPr marL="457200" lvl="1" indent="0">
@@ -5205,8 +5208,8 @@
         </p:blipFill>
         <p:spPr>
           <a:xfrm>
-            <a:off x="7127388" y="0"/>
-            <a:ext cx="5064612" cy="6858000"/>
+            <a:off x="6858000" y="0"/>
+            <a:ext cx="5334000" cy="6858000"/>
           </a:xfrm>
           <a:prstGeom prst="rect">
             <a:avLst/>
@@ -5284,101 +5287,101 @@
           <a:lstStyle/>
           <a:p>
             <a:r>
+              <a:rPr lang="en-US" sz="1800" dirty="0"/>
+              <a:t>Powerful Formatter for Data</a:t>
+            </a:r>
+          </a:p>
+          <a:p>
+            <a:pPr lvl="1"/>
+            <a:r>
               <a:rPr lang="en-US" sz="1600" dirty="0"/>
-              <a:t>Powerful Formatter for Data</a:t>
-            </a:r>
-          </a:p>
-          <a:p>
-            <a:pPr lvl="1"/>
-            <a:r>
-              <a:rPr lang="en-US" sz="1500" dirty="0"/>
               <a:t>Dates and Numbers to humanized strings</a:t>
             </a:r>
           </a:p>
           <a:p>
             <a:pPr lvl="1"/>
             <a:r>
-              <a:rPr lang="en-US" sz="1500" dirty="0"/>
+              <a:rPr lang="en-US" sz="1600" dirty="0"/>
               <a:t>Pluralization (nouns, numeric counts)</a:t>
             </a:r>
           </a:p>
           <a:p>
             <a:pPr lvl="1"/>
             <a:r>
-              <a:rPr lang="en-US" sz="1500" dirty="0"/>
+              <a:rPr lang="en-US" sz="1600" dirty="0"/>
               <a:t>Common Units  (kb, mb, etc.)</a:t>
             </a:r>
           </a:p>
           <a:p>
             <a:pPr lvl="1"/>
             <a:r>
-              <a:rPr lang="en-US" sz="1500" dirty="0" err="1"/>
+              <a:rPr lang="en-US" sz="1600" dirty="0" err="1"/>
               <a:t>CamelCasing</a:t>
             </a:r>
             <a:r>
-              <a:rPr lang="en-US" sz="1500" dirty="0"/>
+              <a:rPr lang="en-US" sz="1600" dirty="0"/>
               <a:t>, </a:t>
             </a:r>
             <a:r>
-              <a:rPr lang="en-US" sz="1500" dirty="0" err="1"/>
+              <a:rPr lang="en-US" sz="1600" dirty="0" err="1"/>
               <a:t>SnakeCasing</a:t>
             </a:r>
             <a:r>
-              <a:rPr lang="en-US" sz="1500" dirty="0"/>
+              <a:rPr lang="en-US" sz="1600" dirty="0"/>
               <a:t>, </a:t>
             </a:r>
             <a:r>
-              <a:rPr lang="en-US" sz="1500" dirty="0" err="1"/>
+              <a:rPr lang="en-US" sz="1600" dirty="0" err="1"/>
               <a:t>KebabCasing</a:t>
             </a:r>
-            <a:endParaRPr lang="en-US" sz="1500" dirty="0"/>
-          </a:p>
-          <a:p>
-            <a:pPr lvl="1"/>
-            <a:r>
-              <a:rPr lang="en-US" sz="1500" dirty="0"/>
+            <a:endParaRPr lang="en-US" sz="1600" dirty="0"/>
+          </a:p>
+          <a:p>
+            <a:pPr lvl="1"/>
+            <a:r>
+              <a:rPr lang="en-US" sz="1600" dirty="0"/>
               <a:t>Much, much more!</a:t>
             </a:r>
             <a:br>
-              <a:rPr lang="en-US" sz="1500" dirty="0"/>
+              <a:rPr lang="en-US" sz="1600" dirty="0"/>
             </a:br>
-            <a:endParaRPr lang="en-US" sz="1500" dirty="0"/>
-          </a:p>
-          <a:p>
+            <a:endParaRPr lang="en-US" sz="1600" dirty="0"/>
+          </a:p>
+          <a:p>
+            <a:r>
+              <a:rPr lang="en-US" sz="1800" dirty="0"/>
+              <a:t>Uses a Wrapper Class</a:t>
+            </a:r>
+          </a:p>
+          <a:p>
+            <a:pPr lvl="1"/>
             <a:r>
               <a:rPr lang="en-US" sz="1600" dirty="0"/>
-              <a:t>Uses a Wrapper Class</a:t>
-            </a:r>
-          </a:p>
-          <a:p>
-            <a:pPr lvl="1"/>
-            <a:r>
-              <a:rPr lang="en-US" sz="1500" dirty="0"/>
               <a:t>Humanizer is built using .NET Extension classes</a:t>
             </a:r>
           </a:p>
           <a:p>
             <a:pPr lvl="1"/>
             <a:r>
-              <a:rPr lang="en-US" sz="1500" dirty="0"/>
+              <a:rPr lang="en-US" sz="1600" dirty="0"/>
               <a:t>Tons of overloads and type tweaks</a:t>
             </a:r>
           </a:p>
           <a:p>
             <a:pPr lvl="1"/>
             <a:r>
-              <a:rPr lang="en-US" sz="1500" dirty="0"/>
+              <a:rPr lang="en-US" sz="1600" dirty="0"/>
               <a:t>These are difficult to figure out from FoxPro</a:t>
             </a:r>
           </a:p>
           <a:p>
             <a:pPr lvl="1"/>
             <a:r>
-              <a:rPr lang="en-US" sz="1500" dirty="0"/>
+              <a:rPr lang="en-US" sz="1600" dirty="0"/>
               <a:t>Possible to call from FoxPro using </a:t>
             </a:r>
             <a:r>
-              <a:rPr lang="en-US" sz="1500" dirty="0" err="1">
+              <a:rPr lang="en-US" sz="1600" dirty="0" err="1">
                 <a:solidFill>
                   <a:srgbClr val="FFFF99"/>
                 </a:solidFill>
@@ -5387,7 +5390,7 @@
               <a:t>InvokeStaticMethod</a:t>
             </a:r>
             <a:r>
-              <a:rPr lang="en-US" sz="1500" dirty="0">
+              <a:rPr lang="en-US" sz="1600" dirty="0">
                 <a:solidFill>
                   <a:srgbClr val="FFFF99"/>
                 </a:solidFill>
@@ -5399,7 +5402,7 @@
           <a:p>
             <a:pPr lvl="1"/>
             <a:r>
-              <a:rPr lang="en-US" sz="1500" dirty="0"/>
+              <a:rPr lang="en-US" sz="1600" dirty="0"/>
               <a:t>Much easier to create class in .NET and call from FoxPro</a:t>
             </a:r>
           </a:p>
@@ -5428,7 +5431,7 @@
               <a:buNone/>
             </a:pPr>
             <a:r>
-              <a:rPr lang="en-US" sz="1500" dirty="0">
+              <a:rPr lang="en-US" dirty="0">
                 <a:solidFill>
                   <a:srgbClr val="FFFF99"/>
                 </a:solidFill>
@@ -5437,7 +5440,7 @@
               </a:rPr>
               <a:t>https://github.com/Humanizr/Humanizer</a:t>
             </a:r>
-            <a:endParaRPr lang="en-US" sz="1500" dirty="0">
+            <a:endParaRPr lang="en-US" dirty="0">
               <a:solidFill>
                 <a:srgbClr val="FFFF99"/>
               </a:solidFill>
@@ -5504,8 +5507,8 @@
         </p:blipFill>
         <p:spPr>
           <a:xfrm>
-            <a:off x="7484981" y="3060098"/>
-            <a:ext cx="4703433" cy="3797902"/>
+            <a:off x="7484982" y="3060098"/>
+            <a:ext cx="4703432" cy="3797901"/>
           </a:xfrm>
           <a:prstGeom prst="rect">
             <a:avLst/>
@@ -5589,7 +5592,12 @@
             <p:ph type="body" idx="1"/>
           </p:nvPr>
         </p:nvSpPr>
-        <p:spPr/>
+        <p:spPr>
+          <a:xfrm>
+            <a:off x="355600" y="876300"/>
+            <a:ext cx="11480800" cy="5105400"/>
+          </a:xfrm>
+        </p:spPr>
         <p:txBody>
           <a:bodyPr/>
           <a:lstStyle/>
@@ -5699,9 +5707,40 @@
           <a:p>
             <a:pPr lvl="1"/>
             <a:r>
-              <a:rPr lang="en-US" sz="1600" dirty="0"/>
+              <a:rPr lang="en-US" sz="1500" dirty="0"/>
               <a:t>Requires a Callback object that implements event interface</a:t>
             </a:r>
+          </a:p>
+          <a:p>
+            <a:pPr lvl="1"/>
+            <a:r>
+              <a:rPr lang="en-US" sz="1500" dirty="0"/>
+              <a:t>Currently requires that all events </a:t>
+            </a:r>
+            <a:r>
+              <a:rPr lang="en-US" sz="1500"/>
+              <a:t>are implemented</a:t>
+            </a:r>
+            <a:br>
+              <a:rPr lang="en-US" sz="1500"/>
+            </a:br>
+            <a:r>
+              <a:rPr lang="en-US" sz="1200"/>
+              <a:t>(</a:t>
+            </a:r>
+            <a:r>
+              <a:rPr lang="en-US" sz="1200" dirty="0"/>
+              <a:t>will change in the future with selective </a:t>
+            </a:r>
+            <a:r>
+              <a:rPr lang="en-US" sz="1200" dirty="0" err="1"/>
+              <a:t>implememtation</a:t>
+            </a:r>
+            <a:r>
+              <a:rPr lang="en-US" sz="1200" dirty="0"/>
+              <a:t>)</a:t>
+            </a:r>
+            <a:endParaRPr lang="en-US" sz="1500" dirty="0"/>
           </a:p>
         </p:txBody>
       </p:sp>
@@ -5727,8 +5766,8 @@
         </p:blipFill>
         <p:spPr>
           <a:xfrm>
-            <a:off x="8839198" y="2125650"/>
-            <a:ext cx="3352803" cy="4732350"/>
+            <a:off x="7022124" y="2934604"/>
+            <a:ext cx="5169876" cy="6572875"/>
           </a:xfrm>
           <a:prstGeom prst="rect">
             <a:avLst/>
@@ -5757,8 +5796,8 @@
         </p:blipFill>
         <p:spPr>
           <a:xfrm>
-            <a:off x="8839198" y="1"/>
-            <a:ext cx="3352801" cy="2091267"/>
+            <a:off x="7022124" y="1"/>
+            <a:ext cx="5169876" cy="2895599"/>
           </a:xfrm>
           <a:prstGeom prst="rect">
             <a:avLst/>
@@ -6524,7 +6563,7 @@
 </file>
 
 <file path=ppt/slides/slide20.xml><?xml version="1.0" encoding="utf-8"?>
-<p:sld xmlns:a="http://schemas.openxmlformats.org/drawingml/2006/main" xmlns:r="http://schemas.openxmlformats.org/officeDocument/2006/relationships" xmlns:p="http://schemas.openxmlformats.org/presentationml/2006/main">
+<p:sld xmlns:a="http://schemas.openxmlformats.org/drawingml/2006/main" xmlns:r="http://schemas.openxmlformats.org/officeDocument/2006/relationships" xmlns:p="http://schemas.openxmlformats.org/presentationml/2006/main" show="0">
   <p:cSld>
     <p:spTree>
       <p:nvGrpSpPr>
@@ -6724,7 +6763,7 @@
 </file>
 
 <file path=ppt/slides/slide21.xml><?xml version="1.0" encoding="utf-8"?>
-<p:sld xmlns:a="http://schemas.openxmlformats.org/drawingml/2006/main" xmlns:r="http://schemas.openxmlformats.org/officeDocument/2006/relationships" xmlns:p="http://schemas.openxmlformats.org/presentationml/2006/main">
+<p:sld xmlns:a="http://schemas.openxmlformats.org/drawingml/2006/main" xmlns:r="http://schemas.openxmlformats.org/officeDocument/2006/relationships" xmlns:p="http://schemas.openxmlformats.org/presentationml/2006/main" show="0">
   <p:cSld>
     <p:spTree>
       <p:nvGrpSpPr>
@@ -6918,7 +6957,7 @@
 </file>
 
 <file path=ppt/slides/slide22.xml><?xml version="1.0" encoding="utf-8"?>
-<p:sld xmlns:a="http://schemas.openxmlformats.org/drawingml/2006/main" xmlns:r="http://schemas.openxmlformats.org/officeDocument/2006/relationships" xmlns:p="http://schemas.openxmlformats.org/presentationml/2006/main">
+<p:sld xmlns:a="http://schemas.openxmlformats.org/drawingml/2006/main" xmlns:r="http://schemas.openxmlformats.org/officeDocument/2006/relationships" xmlns:p="http://schemas.openxmlformats.org/presentationml/2006/main" show="0">
   <p:cSld>
     <p:spTree>
       <p:nvGrpSpPr>
@@ -7120,7 +7159,7 @@
 </file>
 
 <file path=ppt/slides/slide23.xml><?xml version="1.0" encoding="utf-8"?>
-<p:sld xmlns:a="http://schemas.openxmlformats.org/drawingml/2006/main" xmlns:r="http://schemas.openxmlformats.org/officeDocument/2006/relationships" xmlns:p="http://schemas.openxmlformats.org/presentationml/2006/main">
+<p:sld xmlns:a="http://schemas.openxmlformats.org/drawingml/2006/main" xmlns:r="http://schemas.openxmlformats.org/officeDocument/2006/relationships" xmlns:p="http://schemas.openxmlformats.org/presentationml/2006/main" show="0">
   <p:cSld>
     <p:spTree>
       <p:nvGrpSpPr>
@@ -7358,7 +7397,7 @@
           <a:p>
             <a:r>
               <a:rPr lang="en-US" dirty="0"/>
-              <a:t>Create your own Components</a:t>
+              <a:t>Creating your own .NET Components</a:t>
             </a:r>
           </a:p>
         </p:txBody>
@@ -7385,8 +7424,29 @@
           <a:lstStyle/>
           <a:p>
             <a:r>
+              <a:rPr lang="en-US" sz="2000" dirty="0"/>
+              <a:t>Install the .NET SDK</a:t>
+            </a:r>
+          </a:p>
+          <a:p>
+            <a:pPr lvl="1"/>
+            <a:r>
               <a:rPr lang="en-US" dirty="0"/>
-              <a:t>Create a new Project</a:t>
+              <a:t>Single download and install</a:t>
+            </a:r>
+          </a:p>
+          <a:p>
+            <a:pPr lvl="1"/>
+            <a:r>
+              <a:rPr lang="en-US" dirty="0"/>
+              <a:t>Works with any editor, runs from Command Line</a:t>
+            </a:r>
+            <a:endParaRPr lang="en-US" sz="2000" dirty="0"/>
+          </a:p>
+          <a:p>
+            <a:r>
+              <a:rPr lang="en-US" dirty="0"/>
+              <a:t>Create a new Class Library Project</a:t>
             </a:r>
           </a:p>
           <a:p>
@@ -7394,40 +7454,45 @@
             <a:r>
               <a:rPr lang="en-US" b="1" dirty="0">
                 <a:solidFill>
-                  <a:srgbClr val="FFC000"/>
+                  <a:srgbClr val="FFFF99"/>
                 </a:solidFill>
+                <a:latin typeface="Consolas" panose="020B0609020204030204" pitchFamily="49" charset="0"/>
               </a:rPr>
               <a:t>dotnet new </a:t>
             </a:r>
             <a:r>
               <a:rPr lang="en-US" b="1" dirty="0" err="1">
                 <a:solidFill>
-                  <a:srgbClr val="FFC000"/>
+                  <a:srgbClr val="FFFF99"/>
                 </a:solidFill>
+                <a:latin typeface="Consolas" panose="020B0609020204030204" pitchFamily="49" charset="0"/>
               </a:rPr>
               <a:t>classlib</a:t>
             </a:r>
             <a:r>
               <a:rPr lang="en-US" b="1" dirty="0">
                 <a:solidFill>
-                  <a:srgbClr val="FFC000"/>
+                  <a:srgbClr val="FFFF99"/>
                 </a:solidFill>
-              </a:rPr>
-              <a:t> [–n &lt;</a:t>
+                <a:latin typeface="Consolas" panose="020B0609020204030204" pitchFamily="49" charset="0"/>
+              </a:rPr>
+              <a:t> –f netstandard2.0 [–n &lt;</a:t>
             </a:r>
             <a:r>
               <a:rPr lang="en-US" b="1" dirty="0" err="1">
                 <a:solidFill>
-                  <a:srgbClr val="FFC000"/>
+                  <a:srgbClr val="FFFF99"/>
                 </a:solidFill>
+                <a:latin typeface="Consolas" panose="020B0609020204030204" pitchFamily="49" charset="0"/>
               </a:rPr>
               <a:t>projName</a:t>
             </a:r>
             <a:r>
               <a:rPr lang="en-US" b="1" dirty="0">
                 <a:solidFill>
-                  <a:srgbClr val="FFC000"/>
+                  <a:srgbClr val="FFFF99"/>
                 </a:solidFill>
+                <a:latin typeface="Consolas" panose="020B0609020204030204" pitchFamily="49" charset="0"/>
               </a:rPr>
               <a:t>&gt;]</a:t>
             </a:r>
@@ -7436,156 +7501,121 @@
             <a:pPr lvl="2"/>
             <a:r>
               <a:rPr lang="en-US" dirty="0"/>
-              <a:t>Requires some fixup for net472</a:t>
+              <a:t>Creates a project in –n folder</a:t>
+            </a:r>
+          </a:p>
+          <a:p>
+            <a:pPr lvl="2"/>
+            <a:r>
+              <a:rPr lang="en-US" dirty="0"/>
+              <a:t>Requires some fixup for </a:t>
+            </a:r>
+            <a:r>
+              <a:rPr lang="en-US" b="1" dirty="0">
+                <a:solidFill>
+                  <a:srgbClr val="FFFF99"/>
+                </a:solidFill>
+              </a:rPr>
+              <a:t>net472</a:t>
+            </a:r>
+          </a:p>
+          <a:p>
+            <a:pPr lvl="1"/>
+            <a:r>
+              <a:rPr lang="en-US" i="1" dirty="0"/>
+              <a:t>Or:</a:t>
+            </a:r>
+            <a:r>
+              <a:rPr lang="en-US" dirty="0"/>
+              <a:t> Simply copy and paste template project &amp;</a:t>
+            </a:r>
+            <a:br>
+              <a:rPr lang="en-US" dirty="0"/>
+            </a:br>
+            <a:r>
+              <a:rPr lang="en-US" dirty="0"/>
+              <a:t>rename the .</a:t>
+            </a:r>
+            <a:r>
+              <a:rPr lang="en-US" dirty="0" err="1"/>
+              <a:t>csproj</a:t>
+            </a:r>
+            <a:r>
+              <a:rPr lang="en-US" dirty="0"/>
+              <a:t> file to your project</a:t>
+            </a:r>
+          </a:p>
+          <a:p>
+            <a:r>
+              <a:rPr lang="en-US" dirty="0"/>
+              <a:t>Build your Project</a:t>
+            </a:r>
+          </a:p>
+          <a:p>
+            <a:pPr lvl="1"/>
+            <a:r>
+              <a:rPr lang="en-US" b="1" dirty="0">
+                <a:solidFill>
+                  <a:srgbClr val="FFFF99"/>
+                </a:solidFill>
+                <a:latin typeface="Consolas" panose="020B0609020204030204" pitchFamily="49" charset="0"/>
+              </a:rPr>
+              <a:t>dotnet build</a:t>
+            </a:r>
+          </a:p>
+          <a:p>
+            <a:pPr lvl="1"/>
+            <a:r>
+              <a:rPr lang="en-US" dirty="0"/>
+              <a:t>Optionally set an &lt;</a:t>
+            </a:r>
+            <a:r>
+              <a:rPr lang="en-US" dirty="0" err="1"/>
+              <a:t>OutputPath</a:t>
+            </a:r>
+            <a:r>
+              <a:rPr lang="en-US" dirty="0"/>
+              <a:t>&gt;</a:t>
             </a:r>
             <a:endParaRPr lang="en-US" b="1" dirty="0">
               <a:solidFill>
-                <a:srgbClr val="FFC000"/>
+                <a:srgbClr val="FFFF99"/>
               </a:solidFill>
+              <a:latin typeface="Consolas" panose="020B0609020204030204" pitchFamily="49" charset="0"/>
             </a:endParaRPr>
-          </a:p>
-          <a:p>
-            <a:pPr lvl="1"/>
-            <a:r>
-              <a:rPr lang="en-US" dirty="0"/>
-              <a:t>OR: Simply copy and paste project and class files</a:t>
-            </a:r>
-          </a:p>
-          <a:p>
-            <a:pPr lvl="2"/>
-            <a:r>
-              <a:rPr lang="en-US" dirty="0"/>
-              <a:t>Rename the .</a:t>
-            </a:r>
-            <a:r>
-              <a:rPr lang="en-US" dirty="0" err="1"/>
-              <a:t>csproj</a:t>
-            </a:r>
-            <a:r>
-              <a:rPr lang="en-US" dirty="0"/>
-              <a:t> file to your project</a:t>
-            </a:r>
-          </a:p>
-          <a:p>
-            <a:r>
-              <a:rPr lang="en-US" dirty="0"/>
-              <a:t>Can’t create .NET Framework Project</a:t>
-            </a:r>
-          </a:p>
-          <a:p>
-            <a:pPr lvl="1"/>
-            <a:r>
-              <a:rPr lang="en-US" dirty="0"/>
-              <a:t>Creates .NET &lt;latest&gt; project</a:t>
-            </a:r>
-          </a:p>
-          <a:p>
-            <a:pPr lvl="1"/>
-            <a:r>
-              <a:rPr lang="en-US" dirty="0"/>
-              <a:t>Fix up project file </a:t>
-            </a:r>
-            <a:r>
-              <a:rPr lang="en-US" dirty="0" err="1"/>
-              <a:t>TargetFramework</a:t>
-            </a:r>
-            <a:endParaRPr lang="en-US" dirty="0"/>
-          </a:p>
-          <a:p>
-            <a:pPr lvl="1"/>
-            <a:r>
-              <a:rPr lang="en-US" dirty="0">
-                <a:solidFill>
-                  <a:srgbClr val="FFC000"/>
-                </a:solidFill>
-                <a:latin typeface="Consolas" panose="020B0609020204030204" pitchFamily="49" charset="0"/>
-              </a:rPr>
-              <a:t>&lt;</a:t>
-            </a:r>
-            <a:r>
-              <a:rPr lang="en-US" dirty="0" err="1">
-                <a:solidFill>
-                  <a:srgbClr val="FFC000"/>
-                </a:solidFill>
-                <a:latin typeface="Consolas" panose="020B0609020204030204" pitchFamily="49" charset="0"/>
-              </a:rPr>
-              <a:t>TargetFramework</a:t>
-            </a:r>
-            <a:r>
-              <a:rPr lang="en-US" dirty="0">
-                <a:solidFill>
-                  <a:srgbClr val="FFC000"/>
-                </a:solidFill>
-                <a:latin typeface="Consolas" panose="020B0609020204030204" pitchFamily="49" charset="0"/>
-              </a:rPr>
-              <a:t>&gt;</a:t>
-            </a:r>
-            <a:r>
-              <a:rPr lang="en-US" b="1" dirty="0">
-                <a:solidFill>
-                  <a:srgbClr val="FFC000"/>
-                </a:solidFill>
-                <a:latin typeface="Consolas" panose="020B0609020204030204" pitchFamily="49" charset="0"/>
-              </a:rPr>
-              <a:t>net472</a:t>
-            </a:r>
-            <a:r>
-              <a:rPr lang="en-US" dirty="0">
-                <a:solidFill>
-                  <a:srgbClr val="FFC000"/>
-                </a:solidFill>
-                <a:latin typeface="Consolas" panose="020B0609020204030204" pitchFamily="49" charset="0"/>
-              </a:rPr>
-              <a:t>&lt;/</a:t>
-            </a:r>
-            <a:r>
-              <a:rPr lang="en-US" dirty="0" err="1">
-                <a:solidFill>
-                  <a:srgbClr val="FFC000"/>
-                </a:solidFill>
-                <a:latin typeface="Consolas" panose="020B0609020204030204" pitchFamily="49" charset="0"/>
-              </a:rPr>
-              <a:t>TargetFramework</a:t>
-            </a:r>
-            <a:r>
-              <a:rPr lang="en-US" dirty="0">
-                <a:solidFill>
-                  <a:srgbClr val="FFC000"/>
-                </a:solidFill>
-                <a:latin typeface="Consolas" panose="020B0609020204030204" pitchFamily="49" charset="0"/>
-              </a:rPr>
-              <a:t>&gt;</a:t>
-            </a:r>
-          </a:p>
-          <a:p>
-            <a:r>
-              <a:rPr lang="en-US" dirty="0"/>
-              <a:t>Fix up Main Program</a:t>
-            </a:r>
-          </a:p>
-          <a:p>
-            <a:pPr lvl="1"/>
-            <a:r>
-              <a:rPr lang="en-US" dirty="0"/>
-              <a:t>Old style namespaces </a:t>
-            </a:r>
-          </a:p>
-          <a:p>
-            <a:pPr lvl="1"/>
-            <a:r>
-              <a:rPr lang="en-US" dirty="0"/>
-              <a:t>public class Program</a:t>
-            </a:r>
-          </a:p>
-          <a:p>
-            <a:pPr lvl="1"/>
-            <a:r>
-              <a:rPr lang="en-US" dirty="0"/>
-              <a:t>public static Main()</a:t>
-            </a:r>
           </a:p>
         </p:txBody>
       </p:sp>
+      <p:pic>
+        <p:nvPicPr>
+          <p:cNvPr id="5" name="Picture 4">
+            <a:extLst>
+              <a:ext uri="{FF2B5EF4-FFF2-40B4-BE49-F238E27FC236}">
+                <a16:creationId xmlns:a16="http://schemas.microsoft.com/office/drawing/2014/main" id="{8FEA8B50-F967-770D-46AF-B1C03D8A6D0C}"/>
+              </a:ext>
+            </a:extLst>
+          </p:cNvPr>
+          <p:cNvPicPr>
+            <a:picLocks noChangeAspect="1"/>
+          </p:cNvPicPr>
+          <p:nvPr/>
+        </p:nvPicPr>
+        <p:blipFill>
+          <a:blip r:embed="rId2"/>
+          <a:stretch>
+            <a:fillRect/>
+          </a:stretch>
+        </p:blipFill>
+        <p:spPr>
+          <a:xfrm>
+            <a:off x="1066800" y="5421516"/>
+            <a:ext cx="9657143" cy="876190"/>
+          </a:xfrm>
+          <a:prstGeom prst="rect">
+            <a:avLst/>
+          </a:prstGeom>
+        </p:spPr>
+      </p:pic>
     </p:spTree>
     <p:extLst>
       <p:ext uri="{BB962C8B-B14F-4D97-AF65-F5344CB8AC3E}">
@@ -7669,8 +7699,12 @@
           <a:lstStyle/>
           <a:p>
             <a:r>
+              <a:rPr lang="en-US" dirty="0" err="1"/>
+              <a:t>ClassLibrary</a:t>
+            </a:r>
+            <a:r>
               <a:rPr lang="en-US" dirty="0"/>
-              <a:t>Project file is generic</a:t>
+              <a:t> Project file is generic</a:t>
             </a:r>
           </a:p>
           <a:p>
@@ -7694,10 +7728,10 @@
       </p:sp>
       <p:pic>
         <p:nvPicPr>
-          <p:cNvPr id="5" name="Picture 4">
+          <p:cNvPr id="6" name="Picture 5">
             <a:extLst>
               <a:ext uri="{FF2B5EF4-FFF2-40B4-BE49-F238E27FC236}">
-                <a16:creationId xmlns:a16="http://schemas.microsoft.com/office/drawing/2014/main" id="{A1FD610E-AD6E-3DBC-7A6B-DE3DFA4BF0BC}"/>
+                <a16:creationId xmlns:a16="http://schemas.microsoft.com/office/drawing/2014/main" id="{B2CA9035-12C1-1287-308F-C448105E28AA}"/>
               </a:ext>
             </a:extLst>
           </p:cNvPr>
@@ -7714,8 +7748,8 @@
         </p:blipFill>
         <p:spPr>
           <a:xfrm>
-            <a:off x="1524000" y="2644527"/>
-            <a:ext cx="9144000" cy="3274913"/>
+            <a:off x="261552" y="2523565"/>
+            <a:ext cx="11668896" cy="3933222"/>
           </a:xfrm>
           <a:prstGeom prst="rect">
             <a:avLst/>
@@ -7908,12 +7942,21 @@
           <a:p>
             <a:pPr lvl="1"/>
             <a:r>
+              <a:rPr lang="en-US" sz="2000" b="1" dirty="0">
+                <a:solidFill>
+                  <a:srgbClr val="FFC000"/>
+                </a:solidFill>
+                <a:latin typeface="Consolas" panose="020B0609020204030204" pitchFamily="49" charset="0"/>
+              </a:rPr>
+              <a:t>dotnet build</a:t>
+            </a:r>
+            <a:r>
               <a:rPr lang="en-US" sz="1600" b="1" dirty="0">
                 <a:solidFill>
                   <a:srgbClr val="FFC000"/>
                 </a:solidFill>
               </a:rPr>
-              <a:t>dotnet build </a:t>
+              <a:t> </a:t>
             </a:r>
             <a:r>
               <a:rPr lang="en-US" sz="1600" dirty="0"/>
@@ -7946,20 +7989,31 @@
               <a:t>Optionally use  </a:t>
             </a:r>
             <a:r>
-              <a:rPr lang="en-US" sz="1600" b="1" dirty="0" err="1">
+              <a:rPr lang="en-US" sz="2000" b="1" dirty="0">
                 <a:solidFill>
                   <a:srgbClr val="FFC000"/>
                 </a:solidFill>
-              </a:rPr>
-              <a:t>OutputPath</a:t>
-            </a:r>
-            <a:r>
-              <a:rPr lang="en-US" sz="1600" b="1" dirty="0">
+                <a:latin typeface="Consolas" panose="020B0609020204030204" pitchFamily="49" charset="0"/>
+              </a:rPr>
+              <a:t>&lt;</a:t>
+            </a:r>
+            <a:r>
+              <a:rPr lang="en-US" sz="2000" b="1" dirty="0" err="1">
                 <a:solidFill>
                   <a:srgbClr val="FFC000"/>
                 </a:solidFill>
-              </a:rPr>
-              <a:t> </a:t>
+                <a:latin typeface="Consolas" panose="020B0609020204030204" pitchFamily="49" charset="0"/>
+              </a:rPr>
+              <a:t>OutputPath</a:t>
+            </a:r>
+            <a:r>
+              <a:rPr lang="en-US" sz="2000" b="1" dirty="0">
+                <a:solidFill>
+                  <a:srgbClr val="FFC000"/>
+                </a:solidFill>
+                <a:latin typeface="Consolas" panose="020B0609020204030204" pitchFamily="49" charset="0"/>
+              </a:rPr>
+              <a:t>&gt; </a:t>
             </a:r>
             <a:r>
               <a:rPr lang="en-US" sz="1600" dirty="0"/>
@@ -8014,14 +8068,19 @@
             <a:pPr lvl="1"/>
             <a:r>
               <a:rPr lang="en-US" sz="1600" dirty="0"/>
-              <a:t>Includes build and run tools</a:t>
-            </a:r>
+              <a:t>Includes build and run tools </a:t>
+            </a:r>
+            <a:r>
+              <a:rPr lang="en-US" sz="1100" dirty="0"/>
+              <a:t>(C# Dev Kit)</a:t>
+            </a:r>
+            <a:endParaRPr lang="en-US" sz="1600" dirty="0"/>
           </a:p>
           <a:p>
             <a:pPr lvl="1"/>
             <a:r>
               <a:rPr lang="en-US" sz="1600" dirty="0"/>
-              <a:t>Works, but very quirky</a:t>
+              <a:t>Works, but very inconsistent</a:t>
             </a:r>
           </a:p>
           <a:p>
@@ -8176,7 +8235,7 @@
         </p:nvSpPr>
         <p:spPr>
           <a:xfrm>
-            <a:off x="304800" y="762000"/>
+            <a:off x="1447800" y="762000"/>
             <a:ext cx="8610600" cy="5181600"/>
           </a:xfrm>
         </p:spPr>
@@ -8185,145 +8244,145 @@
           <a:lstStyle/>
           <a:p>
             <a:r>
-              <a:rPr lang="en-US" sz="1600" dirty="0"/>
-              <a:t>Lots of Cool .NET Stuff available</a:t>
-            </a:r>
-          </a:p>
-          <a:p>
-            <a:pPr lvl="1"/>
-            <a:r>
-              <a:rPr lang="en-US" sz="1600" dirty="0"/>
-              <a:t>Many Windows Features are exposed through .NET</a:t>
-            </a:r>
-          </a:p>
-          <a:p>
-            <a:pPr lvl="1"/>
-            <a:r>
-              <a:rPr lang="en-US" sz="1600" dirty="0"/>
+              <a:rPr lang="en-US" sz="1800" dirty="0"/>
+              <a:t>Lots of cool .NET Stuff available</a:t>
+            </a:r>
+          </a:p>
+          <a:p>
+            <a:pPr lvl="1"/>
+            <a:r>
+              <a:rPr lang="en-US" sz="1700" dirty="0"/>
+              <a:t>Many Windows features are exposed through .NET</a:t>
+            </a:r>
+          </a:p>
+          <a:p>
+            <a:pPr lvl="1"/>
+            <a:r>
+              <a:rPr lang="en-US" sz="1700" dirty="0"/>
               <a:t>Many open source and 3</a:t>
             </a:r>
             <a:r>
-              <a:rPr lang="en-US" sz="1600" baseline="30000" dirty="0"/>
+              <a:rPr lang="en-US" sz="1700" baseline="30000" dirty="0"/>
               <a:t>rd</a:t>
             </a:r>
             <a:r>
-              <a:rPr lang="en-US" sz="1600" dirty="0"/>
+              <a:rPr lang="en-US" sz="1700" dirty="0"/>
               <a:t> parties available</a:t>
             </a:r>
           </a:p>
           <a:p>
             <a:pPr lvl="1"/>
             <a:r>
-              <a:rPr lang="en-US" sz="1600" dirty="0"/>
+              <a:rPr lang="en-US" sz="1700" dirty="0"/>
               <a:t>With </a:t>
             </a:r>
             <a:r>
-              <a:rPr lang="en-US" sz="1600" dirty="0" err="1"/>
+              <a:rPr lang="en-US" sz="1700" dirty="0" err="1"/>
               <a:t>wwDotnetBridge</a:t>
             </a:r>
             <a:r>
-              <a:rPr lang="en-US" sz="1600" dirty="0"/>
+              <a:rPr lang="en-US" sz="1700" dirty="0"/>
               <a:t> you can access most of it!</a:t>
             </a:r>
           </a:p>
           <a:p>
             <a:r>
-              <a:rPr lang="en-US" sz="1600" dirty="0" err="1"/>
+              <a:rPr lang="en-US" sz="1800" dirty="0" err="1"/>
               <a:t>wwDotnetBridge</a:t>
             </a:r>
             <a:r>
-              <a:rPr lang="en-US" sz="1600" dirty="0"/>
+              <a:rPr lang="en-US" sz="1800" dirty="0"/>
               <a:t> makes it EASY!</a:t>
             </a:r>
           </a:p>
           <a:p>
             <a:pPr lvl="1"/>
             <a:r>
-              <a:rPr lang="en-US" sz="1600" dirty="0"/>
+              <a:rPr lang="en-US" sz="1700" dirty="0"/>
               <a:t>Call any .NET components without registration</a:t>
             </a:r>
           </a:p>
           <a:p>
             <a:pPr lvl="1"/>
             <a:r>
-              <a:rPr lang="en-US" sz="1600" dirty="0"/>
+              <a:rPr lang="en-US" sz="1700" dirty="0"/>
               <a:t>Opens up most of .NET to FoxPro</a:t>
             </a:r>
           </a:p>
           <a:p>
             <a:pPr lvl="1"/>
             <a:r>
-              <a:rPr lang="en-US" sz="1600" dirty="0"/>
+              <a:rPr lang="en-US" sz="1700" dirty="0"/>
               <a:t>Access most .NET features including </a:t>
             </a:r>
             <a:br>
-              <a:rPr lang="en-US" sz="1600" dirty="0"/>
+              <a:rPr lang="en-US" sz="1700" dirty="0"/>
             </a:br>
             <a:r>
-              <a:rPr lang="en-US" sz="1600" dirty="0"/>
+              <a:rPr lang="en-US" sz="1700" dirty="0"/>
               <a:t>Generics, Value Types, Collections, Enums, Static members etc.</a:t>
             </a:r>
           </a:p>
           <a:p>
             <a:pPr lvl="1"/>
             <a:r>
-              <a:rPr lang="en-US" sz="1600" dirty="0"/>
-              <a:t>Helpers for types that suck in FoxPro</a:t>
+              <a:rPr lang="en-US" sz="1700" dirty="0"/>
+              <a:t>Helpers for types that suck in FoxPro:</a:t>
             </a:r>
             <a:br>
-              <a:rPr lang="en-US" sz="1600" dirty="0"/>
+              <a:rPr lang="en-US" sz="1700" dirty="0"/>
             </a:br>
             <a:r>
-              <a:rPr lang="en-US" sz="1600" dirty="0" err="1"/>
+              <a:rPr lang="en-US" sz="1700" dirty="0" err="1"/>
               <a:t>ComArray</a:t>
             </a:r>
             <a:r>
-              <a:rPr lang="en-US" sz="1600" dirty="0"/>
+              <a:rPr lang="en-US" sz="1700" dirty="0"/>
               <a:t>, </a:t>
             </a:r>
             <a:r>
-              <a:rPr lang="en-US" sz="1600" dirty="0" err="1"/>
+              <a:rPr lang="en-US" sz="1700" dirty="0" err="1"/>
               <a:t>ComValue</a:t>
             </a:r>
-            <a:endParaRPr lang="en-US" sz="1600" dirty="0"/>
-          </a:p>
-          <a:p>
-            <a:r>
-              <a:rPr lang="en-US" sz="1600" dirty="0"/>
+            <a:endParaRPr lang="en-US" sz="1700" dirty="0"/>
+          </a:p>
+          <a:p>
+            <a:r>
+              <a:rPr lang="en-US" sz="1800" dirty="0"/>
               <a:t>Create Wrappers for Complex Code</a:t>
             </a:r>
           </a:p>
           <a:p>
             <a:pPr lvl="1"/>
             <a:r>
-              <a:rPr lang="en-US" sz="1600" dirty="0"/>
+              <a:rPr lang="en-US" sz="1700" dirty="0"/>
               <a:t>Easier to create .NET code to interface with complex APIs</a:t>
             </a:r>
           </a:p>
           <a:p>
             <a:pPr lvl="1"/>
             <a:r>
-              <a:rPr lang="en-US" sz="1600" dirty="0"/>
+              <a:rPr lang="en-US" sz="1700" dirty="0"/>
               <a:t>.NET SDK makes it easy – no Visual Studio required</a:t>
             </a:r>
           </a:p>
           <a:p>
             <a:pPr lvl="1"/>
             <a:r>
-              <a:rPr lang="en-US" sz="1600" dirty="0"/>
+              <a:rPr lang="en-US" sz="1700" dirty="0"/>
               <a:t>Create FoxPro friendly wrapper classes in .NET</a:t>
             </a:r>
           </a:p>
           <a:p>
             <a:pPr lvl="1"/>
             <a:r>
-              <a:rPr lang="en-US" sz="1600" dirty="0"/>
+              <a:rPr lang="en-US" sz="1700" dirty="0"/>
               <a:t>Call the wrappers from FoxPro</a:t>
             </a:r>
           </a:p>
           <a:p>
             <a:pPr lvl="1"/>
-            <a:endParaRPr lang="en-US" sz="1600" dirty="0"/>
+            <a:endParaRPr lang="en-US" sz="1700" dirty="0"/>
           </a:p>
         </p:txBody>
       </p:sp>
@@ -12199,6 +12258,69 @@
           <a:p>
             <a:pPr lvl="1"/>
             <a:r>
+              <a:rPr lang="en-US" sz="1200" b="0" kern="0" dirty="0">
+                <a:latin typeface="+mj-lt"/>
+              </a:rPr>
+              <a:t>Special: </a:t>
+            </a:r>
+            <a:r>
+              <a:rPr lang="en-US" sz="1200" b="0" kern="0" dirty="0" err="1">
+                <a:solidFill>
+                  <a:srgbClr val="FFFF99"/>
+                </a:solidFill>
+                <a:latin typeface="Consolas" panose="020B0609020204030204" pitchFamily="49" charset="0"/>
+              </a:rPr>
+              <a:t>loBridge.GetProperty</a:t>
+            </a:r>
+            <a:r>
+              <a:rPr lang="en-US" sz="1200" b="0" kern="0" dirty="0">
+                <a:solidFill>
+                  <a:srgbClr val="FFFF99"/>
+                </a:solidFill>
+                <a:latin typeface="Consolas" panose="020B0609020204030204" pitchFamily="49" charset="0"/>
+              </a:rPr>
+              <a:t>(</a:t>
+            </a:r>
+            <a:r>
+              <a:rPr lang="en-US" sz="1200" b="0" kern="0" dirty="0" err="1">
+                <a:solidFill>
+                  <a:srgbClr val="FFFF99"/>
+                </a:solidFill>
+                <a:latin typeface="Consolas" panose="020B0609020204030204" pitchFamily="49" charset="0"/>
+              </a:rPr>
+              <a:t>loPerson</a:t>
+            </a:r>
+            <a:r>
+              <a:rPr lang="en-US" sz="1200" b="0" kern="0" dirty="0">
+                <a:solidFill>
+                  <a:srgbClr val="FFFF99"/>
+                </a:solidFill>
+                <a:latin typeface="Consolas" panose="020B0609020204030204" pitchFamily="49" charset="0"/>
+              </a:rPr>
+              <a:t>,"</a:t>
+            </a:r>
+            <a:r>
+              <a:rPr lang="en-US" sz="1200" b="0" kern="0" dirty="0" err="1">
+                <a:solidFill>
+                  <a:srgbClr val="FFFF99"/>
+                </a:solidFill>
+                <a:latin typeface="Consolas" panose="020B0609020204030204" pitchFamily="49" charset="0"/>
+              </a:rPr>
+              <a:t>LongValue</a:t>
+            </a:r>
+            <a:r>
+              <a:rPr lang="en-US" sz="1200" b="0" kern="0" dirty="0">
+                <a:solidFill>
+                  <a:srgbClr val="FFFF99"/>
+                </a:solidFill>
+                <a:latin typeface="Consolas" panose="020B0609020204030204" pitchFamily="49" charset="0"/>
+              </a:rPr>
+              <a:t>")</a:t>
+            </a:r>
+          </a:p>
+          <a:p>
+            <a:pPr lvl="1"/>
+            <a:r>
               <a:rPr lang="en-US" sz="1200" b="0" kern="0" dirty="0"/>
               <a:t>Use </a:t>
             </a:r>
@@ -12306,7 +12428,7 @@
           <a:lstStyle/>
           <a:p>
             <a:r>
-              <a:rPr lang="en-US" sz="2800" dirty="0"/>
+              <a:rPr lang="en-US" sz="2400" dirty="0"/>
               <a:t>Creating a String Formatter</a:t>
             </a:r>
           </a:p>
@@ -12532,10 +12654,10 @@
       </p:sp>
       <p:pic>
         <p:nvPicPr>
-          <p:cNvPr id="5" name="Picture 4">
+          <p:cNvPr id="7" name="Picture 6">
             <a:extLst>
               <a:ext uri="{FF2B5EF4-FFF2-40B4-BE49-F238E27FC236}">
-                <a16:creationId xmlns:a16="http://schemas.microsoft.com/office/drawing/2014/main" id="{B3DBB59B-456F-6BF8-6CA5-FDA5BB5F0950}"/>
+                <a16:creationId xmlns:a16="http://schemas.microsoft.com/office/drawing/2014/main" id="{8E9C4F6D-4180-C79B-BC9D-ABFEDDC93C44}"/>
               </a:ext>
             </a:extLst>
           </p:cNvPr>
@@ -12552,37 +12674,7 @@
         </p:blipFill>
         <p:spPr>
           <a:xfrm>
-            <a:off x="8001000" y="0"/>
-            <a:ext cx="4191000" cy="6858000"/>
-          </a:xfrm>
-          <a:prstGeom prst="rect">
-            <a:avLst/>
-          </a:prstGeom>
-        </p:spPr>
-      </p:pic>
-      <p:pic>
-        <p:nvPicPr>
-          <p:cNvPr id="7" name="Picture 6">
-            <a:extLst>
-              <a:ext uri="{FF2B5EF4-FFF2-40B4-BE49-F238E27FC236}">
-                <a16:creationId xmlns:a16="http://schemas.microsoft.com/office/drawing/2014/main" id="{8E9C4F6D-4180-C79B-BC9D-ABFEDDC93C44}"/>
-              </a:ext>
-            </a:extLst>
-          </p:cNvPr>
-          <p:cNvPicPr>
-            <a:picLocks noChangeAspect="1"/>
-          </p:cNvPicPr>
-          <p:nvPr/>
-        </p:nvPicPr>
-        <p:blipFill>
-          <a:blip r:embed="rId4"/>
-          <a:stretch>
-            <a:fillRect/>
-          </a:stretch>
-        </p:blipFill>
-        <p:spPr>
-          <a:xfrm>
-            <a:off x="733313" y="3316493"/>
+            <a:off x="76200" y="3314700"/>
             <a:ext cx="4343400" cy="673768"/>
           </a:xfrm>
           <a:prstGeom prst="rect">
@@ -12605,6 +12697,36 @@
           <p:nvPr/>
         </p:nvPicPr>
         <p:blipFill>
+          <a:blip r:embed="rId4"/>
+          <a:stretch>
+            <a:fillRect/>
+          </a:stretch>
+        </p:blipFill>
+        <p:spPr>
+          <a:xfrm>
+            <a:off x="76199" y="5591361"/>
+            <a:ext cx="5590315" cy="594285"/>
+          </a:xfrm>
+          <a:prstGeom prst="rect">
+            <a:avLst/>
+          </a:prstGeom>
+        </p:spPr>
+      </p:pic>
+      <p:pic>
+        <p:nvPicPr>
+          <p:cNvPr id="12" name="Picture 11">
+            <a:extLst>
+              <a:ext uri="{FF2B5EF4-FFF2-40B4-BE49-F238E27FC236}">
+                <a16:creationId xmlns:a16="http://schemas.microsoft.com/office/drawing/2014/main" id="{936967AF-2728-C706-8876-99E82916C04F}"/>
+              </a:ext>
+            </a:extLst>
+          </p:cNvPr>
+          <p:cNvPicPr>
+            <a:picLocks noChangeAspect="1"/>
+          </p:cNvPicPr>
+          <p:nvPr/>
+        </p:nvPicPr>
+        <p:blipFill>
           <a:blip r:embed="rId5"/>
           <a:stretch>
             <a:fillRect/>
@@ -12612,8 +12734,8 @@
         </p:blipFill>
         <p:spPr>
           <a:xfrm>
-            <a:off x="750346" y="5562600"/>
-            <a:ext cx="5599656" cy="595277"/>
+            <a:off x="5743715" y="0"/>
+            <a:ext cx="7362685" cy="6858000"/>
           </a:xfrm>
           <a:prstGeom prst="rect">
             <a:avLst/>

--- a/Documents/Strahl-swFox2024-wwDotnetBridge-Revisited.pptx
+++ b/Documents/Strahl-swFox2024-wwDotnetBridge-Revisited.pptx
@@ -6040,16 +6040,15 @@
               <a:buNone/>
             </a:pPr>
             <a:r>
-              <a:rPr lang="en-US" sz="1400" dirty="0">
+              <a:rPr lang="en-US" sz="1300" dirty="0">
                 <a:hlinkClick r:id="rId3"/>
               </a:rPr>
               <a:t>https://github.com/RickStrahl/WestWind.WebView.HtmlToPdf</a:t>
             </a:r>
             <a:r>
-              <a:rPr lang="en-US" sz="1400" dirty="0"/>
+              <a:rPr lang="en-US" sz="1300" dirty="0"/>
               <a:t> </a:t>
             </a:r>
-            <a:endParaRPr lang="en-US" sz="1800" dirty="0"/>
           </a:p>
         </p:txBody>
       </p:sp>
@@ -6075,8 +6074,8 @@
         </p:blipFill>
         <p:spPr>
           <a:xfrm>
-            <a:off x="7156373" y="38100"/>
-            <a:ext cx="5035627" cy="6858000"/>
+            <a:off x="6238240" y="-592282"/>
+            <a:ext cx="5953760" cy="8118764"/>
           </a:xfrm>
           <a:prstGeom prst="rect">
             <a:avLst/>
@@ -6418,8 +6417,8 @@
         </p:blipFill>
         <p:spPr>
           <a:xfrm>
-            <a:off x="7543800" y="0"/>
-            <a:ext cx="4648200" cy="6858000"/>
+            <a:off x="6883400" y="-256309"/>
+            <a:ext cx="5496560" cy="7495310"/>
           </a:xfrm>
           <a:prstGeom prst="rect">
             <a:avLst/>
@@ -9042,7 +9041,7 @@
 </file>
 
 <file path=ppt/slides/slide5.xml><?xml version="1.0" encoding="utf-8"?>
-<p:sld xmlns:a="http://schemas.openxmlformats.org/drawingml/2006/main" xmlns:r="http://schemas.openxmlformats.org/officeDocument/2006/relationships" xmlns:p="http://schemas.openxmlformats.org/presentationml/2006/main">
+<p:sld xmlns:a="http://schemas.openxmlformats.org/drawingml/2006/main" xmlns:r="http://schemas.openxmlformats.org/officeDocument/2006/relationships" xmlns:p="http://schemas.openxmlformats.org/presentationml/2006/main" show="0">
   <p:cSld>
     <p:spTree>
       <p:nvGrpSpPr>
@@ -11915,7 +11914,23 @@
             <a:pPr lvl="1"/>
             <a:r>
               <a:rPr lang="en-US" sz="1200" b="0" kern="0" dirty="0"/>
-              <a:t>Always check for errors (.T. or .F. result)</a:t>
+              <a:t>Always check for errors (.T. or .F. and check </a:t>
+            </a:r>
+            <a:r>
+              <a:rPr lang="en-US" sz="1200" b="0" kern="0" dirty="0">
+                <a:latin typeface="Consolas" panose="020B0609020204030204" pitchFamily="49" charset="0"/>
+              </a:rPr>
+              <a:t>.</a:t>
+            </a:r>
+            <a:r>
+              <a:rPr lang="en-US" sz="1200" b="0" kern="0" dirty="0" err="1">
+                <a:latin typeface="Consolas" panose="020B0609020204030204" pitchFamily="49" charset="0"/>
+              </a:rPr>
+              <a:t>cErrorMsg</a:t>
+            </a:r>
+            <a:r>
+              <a:rPr lang="en-US" sz="1200" b="0" kern="0" dirty="0"/>
+              <a:t>)</a:t>
             </a:r>
           </a:p>
           <a:p>
